--- a/《深度学习入门》小结/《深度学习入门》分享.pptx
+++ b/《深度学习入门》小结/《深度学习入门》分享.pptx
@@ -5,7 +5,7 @@
     <p:sldMasterId id="2147483648" r:id="rId1"/>
   </p:sldMasterIdLst>
   <p:notesMasterIdLst>
-    <p:notesMasterId r:id="rId9"/>
+    <p:notesMasterId r:id="rId13"/>
   </p:notesMasterIdLst>
   <p:sldIdLst>
     <p:sldId id="256" r:id="rId2"/>
@@ -15,6 +15,10 @@
     <p:sldId id="260" r:id="rId6"/>
     <p:sldId id="262" r:id="rId7"/>
     <p:sldId id="264" r:id="rId8"/>
+    <p:sldId id="265" r:id="rId9"/>
+    <p:sldId id="266" r:id="rId10"/>
+    <p:sldId id="267" r:id="rId11"/>
+    <p:sldId id="268" r:id="rId12"/>
   </p:sldIdLst>
   <p:sldSz cx="12192000" cy="6858000"/>
   <p:notesSz cx="6858000" cy="9144000"/>
@@ -129,9 +133,16 @@
           <p14:sldIdLst>
             <p14:sldId id="262"/>
             <p14:sldId id="264"/>
+            <p14:sldId id="265"/>
+            <p14:sldId id="266"/>
+            <p14:sldId id="267"/>
+            <p14:sldId id="268"/>
           </p14:sldIdLst>
         </p14:section>
       </p14:sectionLst>
+    </p:ext>
+    <p:ext uri="{EFAFB233-063F-42B5-8137-9DF3F51BA10A}">
+      <p15:sldGuideLst xmlns:p15="http://schemas.microsoft.com/office/powerpoint/2012/main"/>
     </p:ext>
   </p:extLst>
 </p:presentation>
@@ -219,7 +230,7 @@
           <a:p>
             <a:fld id="{82BAE4E5-BBA3-431D-89C5-7725FC2B63E1}" type="datetimeFigureOut">
               <a:rPr lang="zh-CN" altLang="en-US" smtClean="0"/>
-              <a:t>2023/5/7</a:t>
+              <a:t>2023/5/14</a:t>
             </a:fld>
             <a:endParaRPr lang="zh-CN" altLang="en-US"/>
           </a:p>
@@ -573,6 +584,174 @@
 </p:notes>
 </file>
 
+<file path=ppt/notesSlides/notesSlide10.xml><?xml version="1.0" encoding="utf-8"?>
+<p:notes xmlns:a="http://schemas.openxmlformats.org/drawingml/2006/main" xmlns:r="http://schemas.openxmlformats.org/officeDocument/2006/relationships" xmlns:p="http://schemas.openxmlformats.org/presentationml/2006/main">
+  <p:cSld>
+    <p:spTree>
+      <p:nvGrpSpPr>
+        <p:cNvPr id="1" name=""/>
+        <p:cNvGrpSpPr/>
+        <p:nvPr/>
+      </p:nvGrpSpPr>
+      <p:grpSpPr>
+        <a:xfrm>
+          <a:off x="0" y="0"/>
+          <a:ext cx="0" cy="0"/>
+          <a:chOff x="0" y="0"/>
+          <a:chExt cx="0" cy="0"/>
+        </a:xfrm>
+      </p:grpSpPr>
+      <p:sp>
+        <p:nvSpPr>
+          <p:cNvPr id="2" name="幻灯片图像占位符 1"/>
+          <p:cNvSpPr>
+            <a:spLocks noGrp="1" noRot="1" noChangeAspect="1"/>
+          </p:cNvSpPr>
+          <p:nvPr>
+            <p:ph type="sldImg"/>
+          </p:nvPr>
+        </p:nvSpPr>
+        <p:spPr/>
+      </p:sp>
+      <p:sp>
+        <p:nvSpPr>
+          <p:cNvPr id="3" name="备注占位符 2"/>
+          <p:cNvSpPr>
+            <a:spLocks noGrp="1"/>
+          </p:cNvSpPr>
+          <p:nvPr>
+            <p:ph type="body" idx="1"/>
+          </p:nvPr>
+        </p:nvSpPr>
+        <p:spPr/>
+        <p:txBody>
+          <a:bodyPr/>
+          <a:lstStyle/>
+          <a:p>
+            <a:endParaRPr lang="zh-CN" altLang="en-US" dirty="0"/>
+          </a:p>
+        </p:txBody>
+      </p:sp>
+      <p:sp>
+        <p:nvSpPr>
+          <p:cNvPr id="4" name="灯片编号占位符 3"/>
+          <p:cNvSpPr>
+            <a:spLocks noGrp="1"/>
+          </p:cNvSpPr>
+          <p:nvPr>
+            <p:ph type="sldNum" sz="quarter" idx="5"/>
+          </p:nvPr>
+        </p:nvSpPr>
+        <p:spPr/>
+        <p:txBody>
+          <a:bodyPr/>
+          <a:lstStyle/>
+          <a:p>
+            <a:fld id="{6B207810-8641-41E3-B8C8-1F39301F25D9}" type="slidenum">
+              <a:rPr lang="zh-CN" altLang="en-US" smtClean="0"/>
+              <a:t>10</a:t>
+            </a:fld>
+            <a:endParaRPr lang="zh-CN" altLang="en-US"/>
+          </a:p>
+        </p:txBody>
+      </p:sp>
+    </p:spTree>
+    <p:extLst>
+      <p:ext uri="{BB962C8B-B14F-4D97-AF65-F5344CB8AC3E}">
+        <p14:creationId xmlns:p14="http://schemas.microsoft.com/office/powerpoint/2010/main" val="3853250068"/>
+      </p:ext>
+    </p:extLst>
+  </p:cSld>
+  <p:clrMapOvr>
+    <a:masterClrMapping/>
+  </p:clrMapOvr>
+</p:notes>
+</file>
+
+<file path=ppt/notesSlides/notesSlide11.xml><?xml version="1.0" encoding="utf-8"?>
+<p:notes xmlns:a="http://schemas.openxmlformats.org/drawingml/2006/main" xmlns:r="http://schemas.openxmlformats.org/officeDocument/2006/relationships" xmlns:p="http://schemas.openxmlformats.org/presentationml/2006/main">
+  <p:cSld>
+    <p:spTree>
+      <p:nvGrpSpPr>
+        <p:cNvPr id="1" name=""/>
+        <p:cNvGrpSpPr/>
+        <p:nvPr/>
+      </p:nvGrpSpPr>
+      <p:grpSpPr>
+        <a:xfrm>
+          <a:off x="0" y="0"/>
+          <a:ext cx="0" cy="0"/>
+          <a:chOff x="0" y="0"/>
+          <a:chExt cx="0" cy="0"/>
+        </a:xfrm>
+      </p:grpSpPr>
+      <p:sp>
+        <p:nvSpPr>
+          <p:cNvPr id="2" name="幻灯片图像占位符 1"/>
+          <p:cNvSpPr>
+            <a:spLocks noGrp="1" noRot="1" noChangeAspect="1"/>
+          </p:cNvSpPr>
+          <p:nvPr>
+            <p:ph type="sldImg"/>
+          </p:nvPr>
+        </p:nvSpPr>
+        <p:spPr/>
+      </p:sp>
+      <p:sp>
+        <p:nvSpPr>
+          <p:cNvPr id="3" name="备注占位符 2"/>
+          <p:cNvSpPr>
+            <a:spLocks noGrp="1"/>
+          </p:cNvSpPr>
+          <p:nvPr>
+            <p:ph type="body" idx="1"/>
+          </p:nvPr>
+        </p:nvSpPr>
+        <p:spPr/>
+        <p:txBody>
+          <a:bodyPr/>
+          <a:lstStyle/>
+          <a:p>
+            <a:endParaRPr lang="zh-CN" altLang="en-US" dirty="0"/>
+          </a:p>
+        </p:txBody>
+      </p:sp>
+      <p:sp>
+        <p:nvSpPr>
+          <p:cNvPr id="4" name="灯片编号占位符 3"/>
+          <p:cNvSpPr>
+            <a:spLocks noGrp="1"/>
+          </p:cNvSpPr>
+          <p:nvPr>
+            <p:ph type="sldNum" sz="quarter" idx="5"/>
+          </p:nvPr>
+        </p:nvSpPr>
+        <p:spPr/>
+        <p:txBody>
+          <a:bodyPr/>
+          <a:lstStyle/>
+          <a:p>
+            <a:fld id="{6B207810-8641-41E3-B8C8-1F39301F25D9}" type="slidenum">
+              <a:rPr lang="zh-CN" altLang="en-US" smtClean="0"/>
+              <a:t>11</a:t>
+            </a:fld>
+            <a:endParaRPr lang="zh-CN" altLang="en-US"/>
+          </a:p>
+        </p:txBody>
+      </p:sp>
+    </p:spTree>
+    <p:extLst>
+      <p:ext uri="{BB962C8B-B14F-4D97-AF65-F5344CB8AC3E}">
+        <p14:creationId xmlns:p14="http://schemas.microsoft.com/office/powerpoint/2010/main" val="3458032018"/>
+      </p:ext>
+    </p:extLst>
+  </p:cSld>
+  <p:clrMapOvr>
+    <a:masterClrMapping/>
+  </p:clrMapOvr>
+</p:notes>
+</file>
+
 <file path=ppt/notesSlides/notesSlide2.xml><?xml version="1.0" encoding="utf-8"?>
 <p:notes xmlns:a="http://schemas.openxmlformats.org/drawingml/2006/main" xmlns:r="http://schemas.openxmlformats.org/officeDocument/2006/relationships" xmlns:p="http://schemas.openxmlformats.org/presentationml/2006/main">
   <p:cSld>
@@ -602,8 +781,8 @@
         </p:nvSpPr>
         <p:spPr/>
       </p:sp>
-      <mc:AlternateContent xmlns:mc="http://schemas.openxmlformats.org/markup-compatibility/2006">
-        <mc:Choice xmlns:a14="http://schemas.microsoft.com/office/drawing/2010/main" Requires="a14">
+      <mc:AlternateContent xmlns:mc="http://schemas.openxmlformats.org/markup-compatibility/2006" xmlns:a14="http://schemas.microsoft.com/office/drawing/2010/main">
+        <mc:Choice Requires="a14">
           <p:sp>
             <p:nvSpPr>
               <p:cNvPr id="3" name="备注占位符 2"/>
@@ -740,25 +919,7 @@
                             <a:rPr lang="en-US" altLang="zh-CN" b="0" i="1" smtClean="0">
                               <a:latin typeface="Cambria Math" panose="02040503050406030204" pitchFamily="18" charset="0"/>
                             </a:rPr>
-                            <m:t>0.5, 0.5,</m:t>
-                          </m:r>
-                          <m:r>
-                            <a:rPr lang="en-US" altLang="zh-CN" b="0" i="1" smtClean="0">
-                              <a:latin typeface="Cambria Math" panose="02040503050406030204" pitchFamily="18" charset="0"/>
-                            </a:rPr>
-                            <m:t> </m:t>
-                          </m:r>
-                          <m:r>
-                            <a:rPr lang="en-US" altLang="zh-CN" b="0" i="1" smtClean="0">
-                              <a:latin typeface="Cambria Math" panose="02040503050406030204" pitchFamily="18" charset="0"/>
-                            </a:rPr>
-                            <m:t>0.</m:t>
-                          </m:r>
-                          <m:r>
-                            <a:rPr lang="en-US" altLang="zh-CN" b="0" i="1" smtClean="0">
-                              <a:latin typeface="Cambria Math" panose="02040503050406030204" pitchFamily="18" charset="0"/>
-                            </a:rPr>
-                            <m:t>1</m:t>
+                            <m:t>0.5, 0.5, 0.1</m:t>
                           </m:r>
                         </m:e>
                       </m:d>
@@ -773,7 +934,7 @@
             </p:txBody>
           </p:sp>
         </mc:Choice>
-        <mc:Fallback>
+        <mc:Fallback xmlns="">
           <p:sp>
             <p:nvSpPr>
               <p:cNvPr id="3" name="备注占位符 2"/>
@@ -1398,6 +1559,174 @@
 </p:notes>
 </file>
 
+<file path=ppt/notesSlides/notesSlide8.xml><?xml version="1.0" encoding="utf-8"?>
+<p:notes xmlns:a="http://schemas.openxmlformats.org/drawingml/2006/main" xmlns:r="http://schemas.openxmlformats.org/officeDocument/2006/relationships" xmlns:p="http://schemas.openxmlformats.org/presentationml/2006/main">
+  <p:cSld>
+    <p:spTree>
+      <p:nvGrpSpPr>
+        <p:cNvPr id="1" name=""/>
+        <p:cNvGrpSpPr/>
+        <p:nvPr/>
+      </p:nvGrpSpPr>
+      <p:grpSpPr>
+        <a:xfrm>
+          <a:off x="0" y="0"/>
+          <a:ext cx="0" cy="0"/>
+          <a:chOff x="0" y="0"/>
+          <a:chExt cx="0" cy="0"/>
+        </a:xfrm>
+      </p:grpSpPr>
+      <p:sp>
+        <p:nvSpPr>
+          <p:cNvPr id="2" name="幻灯片图像占位符 1"/>
+          <p:cNvSpPr>
+            <a:spLocks noGrp="1" noRot="1" noChangeAspect="1"/>
+          </p:cNvSpPr>
+          <p:nvPr>
+            <p:ph type="sldImg"/>
+          </p:nvPr>
+        </p:nvSpPr>
+        <p:spPr/>
+      </p:sp>
+      <p:sp>
+        <p:nvSpPr>
+          <p:cNvPr id="3" name="备注占位符 2"/>
+          <p:cNvSpPr>
+            <a:spLocks noGrp="1"/>
+          </p:cNvSpPr>
+          <p:nvPr>
+            <p:ph type="body" idx="1"/>
+          </p:nvPr>
+        </p:nvSpPr>
+        <p:spPr/>
+        <p:txBody>
+          <a:bodyPr/>
+          <a:lstStyle/>
+          <a:p>
+            <a:endParaRPr lang="zh-CN" altLang="en-US" dirty="0"/>
+          </a:p>
+        </p:txBody>
+      </p:sp>
+      <p:sp>
+        <p:nvSpPr>
+          <p:cNvPr id="4" name="灯片编号占位符 3"/>
+          <p:cNvSpPr>
+            <a:spLocks noGrp="1"/>
+          </p:cNvSpPr>
+          <p:nvPr>
+            <p:ph type="sldNum" sz="quarter" idx="5"/>
+          </p:nvPr>
+        </p:nvSpPr>
+        <p:spPr/>
+        <p:txBody>
+          <a:bodyPr/>
+          <a:lstStyle/>
+          <a:p>
+            <a:fld id="{6B207810-8641-41E3-B8C8-1F39301F25D9}" type="slidenum">
+              <a:rPr lang="zh-CN" altLang="en-US" smtClean="0"/>
+              <a:t>8</a:t>
+            </a:fld>
+            <a:endParaRPr lang="zh-CN" altLang="en-US"/>
+          </a:p>
+        </p:txBody>
+      </p:sp>
+    </p:spTree>
+    <p:extLst>
+      <p:ext uri="{BB962C8B-B14F-4D97-AF65-F5344CB8AC3E}">
+        <p14:creationId xmlns:p14="http://schemas.microsoft.com/office/powerpoint/2010/main" val="672034727"/>
+      </p:ext>
+    </p:extLst>
+  </p:cSld>
+  <p:clrMapOvr>
+    <a:masterClrMapping/>
+  </p:clrMapOvr>
+</p:notes>
+</file>
+
+<file path=ppt/notesSlides/notesSlide9.xml><?xml version="1.0" encoding="utf-8"?>
+<p:notes xmlns:a="http://schemas.openxmlformats.org/drawingml/2006/main" xmlns:r="http://schemas.openxmlformats.org/officeDocument/2006/relationships" xmlns:p="http://schemas.openxmlformats.org/presentationml/2006/main">
+  <p:cSld>
+    <p:spTree>
+      <p:nvGrpSpPr>
+        <p:cNvPr id="1" name=""/>
+        <p:cNvGrpSpPr/>
+        <p:nvPr/>
+      </p:nvGrpSpPr>
+      <p:grpSpPr>
+        <a:xfrm>
+          <a:off x="0" y="0"/>
+          <a:ext cx="0" cy="0"/>
+          <a:chOff x="0" y="0"/>
+          <a:chExt cx="0" cy="0"/>
+        </a:xfrm>
+      </p:grpSpPr>
+      <p:sp>
+        <p:nvSpPr>
+          <p:cNvPr id="2" name="幻灯片图像占位符 1"/>
+          <p:cNvSpPr>
+            <a:spLocks noGrp="1" noRot="1" noChangeAspect="1"/>
+          </p:cNvSpPr>
+          <p:nvPr>
+            <p:ph type="sldImg"/>
+          </p:nvPr>
+        </p:nvSpPr>
+        <p:spPr/>
+      </p:sp>
+      <p:sp>
+        <p:nvSpPr>
+          <p:cNvPr id="3" name="备注占位符 2"/>
+          <p:cNvSpPr>
+            <a:spLocks noGrp="1"/>
+          </p:cNvSpPr>
+          <p:nvPr>
+            <p:ph type="body" idx="1"/>
+          </p:nvPr>
+        </p:nvSpPr>
+        <p:spPr/>
+        <p:txBody>
+          <a:bodyPr/>
+          <a:lstStyle/>
+          <a:p>
+            <a:endParaRPr lang="zh-CN" altLang="en-US" dirty="0"/>
+          </a:p>
+        </p:txBody>
+      </p:sp>
+      <p:sp>
+        <p:nvSpPr>
+          <p:cNvPr id="4" name="灯片编号占位符 3"/>
+          <p:cNvSpPr>
+            <a:spLocks noGrp="1"/>
+          </p:cNvSpPr>
+          <p:nvPr>
+            <p:ph type="sldNum" sz="quarter" idx="5"/>
+          </p:nvPr>
+        </p:nvSpPr>
+        <p:spPr/>
+        <p:txBody>
+          <a:bodyPr/>
+          <a:lstStyle/>
+          <a:p>
+            <a:fld id="{6B207810-8641-41E3-B8C8-1F39301F25D9}" type="slidenum">
+              <a:rPr lang="zh-CN" altLang="en-US" smtClean="0"/>
+              <a:t>9</a:t>
+            </a:fld>
+            <a:endParaRPr lang="zh-CN" altLang="en-US"/>
+          </a:p>
+        </p:txBody>
+      </p:sp>
+    </p:spTree>
+    <p:extLst>
+      <p:ext uri="{BB962C8B-B14F-4D97-AF65-F5344CB8AC3E}">
+        <p14:creationId xmlns:p14="http://schemas.microsoft.com/office/powerpoint/2010/main" val="1802017953"/>
+      </p:ext>
+    </p:extLst>
+  </p:cSld>
+  <p:clrMapOvr>
+    <a:masterClrMapping/>
+  </p:clrMapOvr>
+</p:notes>
+</file>
+
 <file path=ppt/slideLayouts/slideLayout1.xml><?xml version="1.0" encoding="utf-8"?>
 <p:sldLayout xmlns:a="http://schemas.openxmlformats.org/drawingml/2006/main" xmlns:r="http://schemas.openxmlformats.org/officeDocument/2006/relationships" xmlns:p="http://schemas.openxmlformats.org/presentationml/2006/main" type="title" preserve="1">
   <p:cSld name="标题幻灯片">
@@ -1545,7 +1874,7 @@
           <a:p>
             <a:fld id="{599EC351-763F-42E9-A2B7-1B45A8D1C3B3}" type="datetimeFigureOut">
               <a:rPr lang="zh-CN" altLang="en-US" smtClean="0"/>
-              <a:t>2023/5/7</a:t>
+              <a:t>2023/5/14</a:t>
             </a:fld>
             <a:endParaRPr lang="zh-CN" altLang="en-US"/>
           </a:p>
@@ -1743,7 +2072,7 @@
           <a:p>
             <a:fld id="{599EC351-763F-42E9-A2B7-1B45A8D1C3B3}" type="datetimeFigureOut">
               <a:rPr lang="zh-CN" altLang="en-US" smtClean="0"/>
-              <a:t>2023/5/7</a:t>
+              <a:t>2023/5/14</a:t>
             </a:fld>
             <a:endParaRPr lang="zh-CN" altLang="en-US"/>
           </a:p>
@@ -1951,7 +2280,7 @@
           <a:p>
             <a:fld id="{599EC351-763F-42E9-A2B7-1B45A8D1C3B3}" type="datetimeFigureOut">
               <a:rPr lang="zh-CN" altLang="en-US" smtClean="0"/>
-              <a:t>2023/5/7</a:t>
+              <a:t>2023/5/14</a:t>
             </a:fld>
             <a:endParaRPr lang="zh-CN" altLang="en-US"/>
           </a:p>
@@ -2149,7 +2478,7 @@
           <a:p>
             <a:fld id="{599EC351-763F-42E9-A2B7-1B45A8D1C3B3}" type="datetimeFigureOut">
               <a:rPr lang="zh-CN" altLang="en-US" smtClean="0"/>
-              <a:t>2023/5/7</a:t>
+              <a:t>2023/5/14</a:t>
             </a:fld>
             <a:endParaRPr lang="zh-CN" altLang="en-US"/>
           </a:p>
@@ -2424,7 +2753,7 @@
           <a:p>
             <a:fld id="{599EC351-763F-42E9-A2B7-1B45A8D1C3B3}" type="datetimeFigureOut">
               <a:rPr lang="zh-CN" altLang="en-US" smtClean="0"/>
-              <a:t>2023/5/7</a:t>
+              <a:t>2023/5/14</a:t>
             </a:fld>
             <a:endParaRPr lang="zh-CN" altLang="en-US"/>
           </a:p>
@@ -2689,7 +3018,7 @@
           <a:p>
             <a:fld id="{599EC351-763F-42E9-A2B7-1B45A8D1C3B3}" type="datetimeFigureOut">
               <a:rPr lang="zh-CN" altLang="en-US" smtClean="0"/>
-              <a:t>2023/5/7</a:t>
+              <a:t>2023/5/14</a:t>
             </a:fld>
             <a:endParaRPr lang="zh-CN" altLang="en-US"/>
           </a:p>
@@ -3101,7 +3430,7 @@
           <a:p>
             <a:fld id="{599EC351-763F-42E9-A2B7-1B45A8D1C3B3}" type="datetimeFigureOut">
               <a:rPr lang="zh-CN" altLang="en-US" smtClean="0"/>
-              <a:t>2023/5/7</a:t>
+              <a:t>2023/5/14</a:t>
             </a:fld>
             <a:endParaRPr lang="zh-CN" altLang="en-US"/>
           </a:p>
@@ -3242,7 +3571,7 @@
           <a:p>
             <a:fld id="{599EC351-763F-42E9-A2B7-1B45A8D1C3B3}" type="datetimeFigureOut">
               <a:rPr lang="zh-CN" altLang="en-US" smtClean="0"/>
-              <a:t>2023/5/7</a:t>
+              <a:t>2023/5/14</a:t>
             </a:fld>
             <a:endParaRPr lang="zh-CN" altLang="en-US"/>
           </a:p>
@@ -3355,7 +3684,7 @@
           <a:p>
             <a:fld id="{599EC351-763F-42E9-A2B7-1B45A8D1C3B3}" type="datetimeFigureOut">
               <a:rPr lang="zh-CN" altLang="en-US" smtClean="0"/>
-              <a:t>2023/5/7</a:t>
+              <a:t>2023/5/14</a:t>
             </a:fld>
             <a:endParaRPr lang="zh-CN" altLang="en-US"/>
           </a:p>
@@ -3666,7 +3995,7 @@
           <a:p>
             <a:fld id="{599EC351-763F-42E9-A2B7-1B45A8D1C3B3}" type="datetimeFigureOut">
               <a:rPr lang="zh-CN" altLang="en-US" smtClean="0"/>
-              <a:t>2023/5/7</a:t>
+              <a:t>2023/5/14</a:t>
             </a:fld>
             <a:endParaRPr lang="zh-CN" altLang="en-US"/>
           </a:p>
@@ -3954,7 +4283,7 @@
           <a:p>
             <a:fld id="{599EC351-763F-42E9-A2B7-1B45A8D1C3B3}" type="datetimeFigureOut">
               <a:rPr lang="zh-CN" altLang="en-US" smtClean="0"/>
-              <a:t>2023/5/7</a:t>
+              <a:t>2023/5/14</a:t>
             </a:fld>
             <a:endParaRPr lang="zh-CN" altLang="en-US"/>
           </a:p>
@@ -4195,7 +4524,7 @@
           <a:p>
             <a:fld id="{599EC351-763F-42E9-A2B7-1B45A8D1C3B3}" type="datetimeFigureOut">
               <a:rPr lang="zh-CN" altLang="en-US" smtClean="0"/>
-              <a:t>2023/5/7</a:t>
+              <a:t>2023/5/14</a:t>
             </a:fld>
             <a:endParaRPr lang="zh-CN" altLang="en-US"/>
           </a:p>
@@ -4988,8 +5317,8 @@
           </p:txBody>
         </p:sp>
       </p:grpSp>
-      <mc:AlternateContent xmlns:mc="http://schemas.openxmlformats.org/markup-compatibility/2006">
-        <mc:Choice xmlns:a14="http://schemas.microsoft.com/office/drawing/2010/main" Requires="a14">
+      <mc:AlternateContent xmlns:mc="http://schemas.openxmlformats.org/markup-compatibility/2006" xmlns:a14="http://schemas.microsoft.com/office/drawing/2010/main">
+        <mc:Choice Requires="a14">
           <p:sp>
             <p:nvSpPr>
               <p:cNvPr id="15" name="文本框 14">
@@ -5018,6 +5347,7 @@
               </a:bodyPr>
               <a:lstStyle/>
               <a:p>
+                <a:pPr/>
                 <a14:m>
                   <m:oMathPara xmlns:m="http://schemas.openxmlformats.org/officeDocument/2006/math">
                     <m:oMathParaPr>
@@ -5188,13 +5518,7 @@
                                 <a:rPr lang="en-US" altLang="zh-CN" sz="2400" b="0" i="1" smtClean="0">
                                   <a:latin typeface="Cambria Math" panose="02040503050406030204" pitchFamily="18" charset="0"/>
                                 </a:rPr>
-                                <m:t>1</m:t>
-                              </m:r>
-                              <m:r>
-                                <a:rPr lang="en-US" altLang="zh-CN" sz="2400" b="0" i="1" smtClean="0">
-                                  <a:latin typeface="Cambria Math" panose="02040503050406030204" pitchFamily="18" charset="0"/>
-                                </a:rPr>
-                                <m:t>     (</m:t>
+                                <m:t>1     (</m:t>
                               </m:r>
                               <m:sSub>
                                 <m:sSubPr>
@@ -5325,7 +5649,7 @@
             </p:txBody>
           </p:sp>
         </mc:Choice>
-        <mc:Fallback>
+        <mc:Fallback xmlns="">
           <p:sp>
             <p:nvSpPr>
               <p:cNvPr id="15" name="文本框 14">
@@ -5450,6 +5774,2030 @@
     <p:extLst>
       <p:ext uri="{BB962C8B-B14F-4D97-AF65-F5344CB8AC3E}">
         <p14:creationId xmlns:p14="http://schemas.microsoft.com/office/powerpoint/2010/main" val="2365125531"/>
+      </p:ext>
+    </p:extLst>
+  </p:cSld>
+  <p:clrMapOvr>
+    <a:masterClrMapping/>
+  </p:clrMapOvr>
+</p:sld>
+</file>
+
+<file path=ppt/slides/slide10.xml><?xml version="1.0" encoding="utf-8"?>
+<p:sld xmlns:a="http://schemas.openxmlformats.org/drawingml/2006/main" xmlns:r="http://schemas.openxmlformats.org/officeDocument/2006/relationships" xmlns:p="http://schemas.openxmlformats.org/presentationml/2006/main">
+  <p:cSld>
+    <p:spTree>
+      <p:nvGrpSpPr>
+        <p:cNvPr id="1" name=""/>
+        <p:cNvGrpSpPr/>
+        <p:nvPr/>
+      </p:nvGrpSpPr>
+      <p:grpSpPr>
+        <a:xfrm>
+          <a:off x="0" y="0"/>
+          <a:ext cx="0" cy="0"/>
+          <a:chOff x="0" y="0"/>
+          <a:chExt cx="0" cy="0"/>
+        </a:xfrm>
+      </p:grpSpPr>
+      <p:sp>
+        <p:nvSpPr>
+          <p:cNvPr id="19" name="文本框 18">
+            <a:extLst>
+              <a:ext uri="{FF2B5EF4-FFF2-40B4-BE49-F238E27FC236}">
+                <a16:creationId xmlns:a16="http://schemas.microsoft.com/office/drawing/2014/main" id="{1C62A262-468B-9C81-5CFF-128DD20234F1}"/>
+              </a:ext>
+            </a:extLst>
+          </p:cNvPr>
+          <p:cNvSpPr txBox="1"/>
+          <p:nvPr/>
+        </p:nvSpPr>
+        <p:spPr>
+          <a:xfrm>
+            <a:off x="780438" y="313848"/>
+            <a:ext cx="6097464" cy="461665"/>
+          </a:xfrm>
+          <a:prstGeom prst="rect">
+            <a:avLst/>
+          </a:prstGeom>
+          <a:noFill/>
+        </p:spPr>
+        <p:txBody>
+          <a:bodyPr wrap="square">
+            <a:spAutoFit/>
+          </a:bodyPr>
+          <a:lstStyle/>
+          <a:p>
+            <a:r>
+              <a:rPr lang="zh-CN" altLang="en-US" sz="2400" b="1" dirty="0"/>
+              <a:t>输出层的设计</a:t>
+            </a:r>
+            <a:endParaRPr lang="en-US" altLang="zh-CN" sz="2400" b="1" dirty="0"/>
+          </a:p>
+        </p:txBody>
+      </p:sp>
+      <p:sp>
+        <p:nvSpPr>
+          <p:cNvPr id="2" name="文本框 1">
+            <a:extLst>
+              <a:ext uri="{FF2B5EF4-FFF2-40B4-BE49-F238E27FC236}">
+                <a16:creationId xmlns:a16="http://schemas.microsoft.com/office/drawing/2014/main" id="{303FB9E9-2249-AED8-F7B6-8C5AA5DB4D56}"/>
+              </a:ext>
+            </a:extLst>
+          </p:cNvPr>
+          <p:cNvSpPr txBox="1"/>
+          <p:nvPr/>
+        </p:nvSpPr>
+        <p:spPr>
+          <a:xfrm>
+            <a:off x="780438" y="916061"/>
+            <a:ext cx="6503703" cy="465640"/>
+          </a:xfrm>
+          <a:prstGeom prst="rect">
+            <a:avLst/>
+          </a:prstGeom>
+          <a:noFill/>
+        </p:spPr>
+        <p:txBody>
+          <a:bodyPr wrap="none" rtlCol="0">
+            <a:spAutoFit/>
+          </a:bodyPr>
+          <a:lstStyle/>
+          <a:p>
+            <a:pPr>
+              <a:lnSpc>
+                <a:spcPct val="150000"/>
+              </a:lnSpc>
+            </a:pPr>
+            <a:r>
+              <a:rPr lang="zh-CN" altLang="en-US" dirty="0"/>
+              <a:t>一般而言，回归问题用恒等函数，分类问题用</a:t>
+            </a:r>
+            <a:r>
+              <a:rPr lang="en-US" altLang="zh-CN" dirty="0" err="1"/>
+              <a:t>softmax</a:t>
+            </a:r>
+            <a:r>
+              <a:rPr lang="zh-CN" altLang="en-US" dirty="0"/>
+              <a:t>函数。</a:t>
+            </a:r>
+            <a:endParaRPr lang="en-US" altLang="zh-CN" dirty="0"/>
+          </a:p>
+        </p:txBody>
+      </p:sp>
+      <p:sp>
+        <p:nvSpPr>
+          <p:cNvPr id="4" name="文本框 3">
+            <a:extLst>
+              <a:ext uri="{FF2B5EF4-FFF2-40B4-BE49-F238E27FC236}">
+                <a16:creationId xmlns:a16="http://schemas.microsoft.com/office/drawing/2014/main" id="{ECF44126-09E1-34B3-F17B-34215750D360}"/>
+              </a:ext>
+            </a:extLst>
+          </p:cNvPr>
+          <p:cNvSpPr txBox="1"/>
+          <p:nvPr/>
+        </p:nvSpPr>
+        <p:spPr>
+          <a:xfrm>
+            <a:off x="1538555" y="1900987"/>
+            <a:ext cx="1533418" cy="369332"/>
+          </a:xfrm>
+          <a:prstGeom prst="rect">
+            <a:avLst/>
+          </a:prstGeom>
+          <a:noFill/>
+        </p:spPr>
+        <p:txBody>
+          <a:bodyPr wrap="square">
+            <a:spAutoFit/>
+          </a:bodyPr>
+          <a:lstStyle/>
+          <a:p>
+            <a:r>
+              <a:rPr lang="en-US" altLang="zh-CN" dirty="0" err="1"/>
+              <a:t>softmax</a:t>
+            </a:r>
+            <a:r>
+              <a:rPr lang="zh-CN" altLang="en-US" dirty="0"/>
+              <a:t>函数：</a:t>
+            </a:r>
+          </a:p>
+        </p:txBody>
+      </p:sp>
+      <mc:AlternateContent xmlns:mc="http://schemas.openxmlformats.org/markup-compatibility/2006">
+        <mc:Choice xmlns:a14="http://schemas.microsoft.com/office/drawing/2010/main" Requires="a14">
+          <p:sp>
+            <p:nvSpPr>
+              <p:cNvPr id="5" name="文本框 4">
+                <a:extLst>
+                  <a:ext uri="{FF2B5EF4-FFF2-40B4-BE49-F238E27FC236}">
+                    <a16:creationId xmlns:a16="http://schemas.microsoft.com/office/drawing/2014/main" id="{54B11265-64E2-8414-465D-B7AFEAC9A83F}"/>
+                  </a:ext>
+                </a:extLst>
+              </p:cNvPr>
+              <p:cNvSpPr txBox="1"/>
+              <p:nvPr/>
+            </p:nvSpPr>
+            <p:spPr>
+              <a:xfrm>
+                <a:off x="3829170" y="1756781"/>
+                <a:ext cx="2035237" cy="657744"/>
+              </a:xfrm>
+              <a:prstGeom prst="rect">
+                <a:avLst/>
+              </a:prstGeom>
+              <a:noFill/>
+            </p:spPr>
+            <p:txBody>
+              <a:bodyPr wrap="none" lIns="0" tIns="0" rIns="0" bIns="0" rtlCol="0">
+                <a:spAutoFit/>
+              </a:bodyPr>
+              <a:lstStyle/>
+              <a:p>
+                <a14:m>
+                  <m:oMathPara xmlns:m="http://schemas.openxmlformats.org/officeDocument/2006/math">
+                    <m:oMathParaPr>
+                      <m:jc m:val="centerGroup"/>
+                    </m:oMathParaPr>
+                    <m:oMath xmlns:m="http://schemas.openxmlformats.org/officeDocument/2006/math">
+                      <m:sSub>
+                        <m:sSubPr>
+                          <m:ctrlPr>
+                            <a:rPr lang="en-US" altLang="zh-CN" sz="2000" b="0" i="1" smtClean="0">
+                              <a:latin typeface="Cambria Math" panose="02040503050406030204" pitchFamily="18" charset="0"/>
+                            </a:rPr>
+                          </m:ctrlPr>
+                        </m:sSubPr>
+                        <m:e>
+                          <m:r>
+                            <m:rPr>
+                              <m:sty m:val="p"/>
+                            </m:rPr>
+                            <a:rPr lang="en-US" altLang="zh-CN" sz="2000" i="1" smtClean="0">
+                              <a:latin typeface="Cambria Math" panose="02040503050406030204" pitchFamily="18" charset="0"/>
+                            </a:rPr>
+                            <m:t>y</m:t>
+                          </m:r>
+                        </m:e>
+                        <m:sub>
+                          <m:r>
+                            <a:rPr lang="en-US" altLang="zh-CN" sz="2000" b="0" i="1" smtClean="0">
+                              <a:latin typeface="Cambria Math" panose="02040503050406030204" pitchFamily="18" charset="0"/>
+                            </a:rPr>
+                            <m:t>𝑘</m:t>
+                          </m:r>
+                        </m:sub>
+                      </m:sSub>
+                      <m:r>
+                        <a:rPr lang="en-US" altLang="zh-CN" sz="2000" b="0" i="1" smtClean="0">
+                          <a:latin typeface="Cambria Math" panose="02040503050406030204" pitchFamily="18" charset="0"/>
+                        </a:rPr>
+                        <m:t>=</m:t>
+                      </m:r>
+                      <m:f>
+                        <m:fPr>
+                          <m:ctrlPr>
+                            <a:rPr lang="en-US" altLang="zh-CN" sz="2000" b="0" i="1" smtClean="0">
+                              <a:latin typeface="Cambria Math" panose="02040503050406030204" pitchFamily="18" charset="0"/>
+                            </a:rPr>
+                          </m:ctrlPr>
+                        </m:fPr>
+                        <m:num>
+                          <m:r>
+                            <m:rPr>
+                              <m:sty m:val="p"/>
+                            </m:rPr>
+                            <a:rPr lang="en-US" altLang="zh-CN" sz="2000" b="0" i="0" smtClean="0">
+                              <a:latin typeface="Cambria Math" panose="02040503050406030204" pitchFamily="18" charset="0"/>
+                            </a:rPr>
+                            <m:t>exp</m:t>
+                          </m:r>
+                          <m:r>
+                            <a:rPr lang="en-US" altLang="zh-CN" sz="2000" b="0" i="1" smtClean="0">
+                              <a:latin typeface="Cambria Math" panose="02040503050406030204" pitchFamily="18" charset="0"/>
+                            </a:rPr>
+                            <m:t>⁡(</m:t>
+                          </m:r>
+                          <m:sSub>
+                            <m:sSubPr>
+                              <m:ctrlPr>
+                                <a:rPr lang="en-US" altLang="zh-CN" sz="2000" b="0" i="1" smtClean="0">
+                                  <a:latin typeface="Cambria Math" panose="02040503050406030204" pitchFamily="18" charset="0"/>
+                                </a:rPr>
+                              </m:ctrlPr>
+                            </m:sSubPr>
+                            <m:e>
+                              <m:r>
+                                <a:rPr lang="en-US" altLang="zh-CN" sz="2000" b="0" i="1" smtClean="0">
+                                  <a:latin typeface="Cambria Math" panose="02040503050406030204" pitchFamily="18" charset="0"/>
+                                </a:rPr>
+                                <m:t>𝑎</m:t>
+                              </m:r>
+                            </m:e>
+                            <m:sub>
+                              <m:r>
+                                <a:rPr lang="en-US" altLang="zh-CN" sz="2000" b="0" i="1" smtClean="0">
+                                  <a:latin typeface="Cambria Math" panose="02040503050406030204" pitchFamily="18" charset="0"/>
+                                </a:rPr>
+                                <m:t>𝑘</m:t>
+                              </m:r>
+                            </m:sub>
+                          </m:sSub>
+                          <m:r>
+                            <a:rPr lang="en-US" altLang="zh-CN" sz="2000" b="0" i="1" smtClean="0">
+                              <a:latin typeface="Cambria Math" panose="02040503050406030204" pitchFamily="18" charset="0"/>
+                            </a:rPr>
+                            <m:t>)</m:t>
+                          </m:r>
+                        </m:num>
+                        <m:den>
+                          <m:nary>
+                            <m:naryPr>
+                              <m:chr m:val="∑"/>
+                              <m:ctrlPr>
+                                <a:rPr lang="en-US" altLang="zh-CN" sz="2000" b="0" i="1" smtClean="0">
+                                  <a:latin typeface="Cambria Math" panose="02040503050406030204" pitchFamily="18" charset="0"/>
+                                </a:rPr>
+                              </m:ctrlPr>
+                            </m:naryPr>
+                            <m:sub>
+                              <m:r>
+                                <m:rPr>
+                                  <m:brk m:alnAt="23"/>
+                                </m:rPr>
+                                <a:rPr lang="en-US" altLang="zh-CN" sz="2000" b="0" i="1" smtClean="0">
+                                  <a:latin typeface="Cambria Math" panose="02040503050406030204" pitchFamily="18" charset="0"/>
+                                </a:rPr>
+                                <m:t>𝑖</m:t>
+                              </m:r>
+                              <m:r>
+                                <a:rPr lang="en-US" altLang="zh-CN" sz="2000" b="0" i="1" smtClean="0">
+                                  <a:latin typeface="Cambria Math" panose="02040503050406030204" pitchFamily="18" charset="0"/>
+                                </a:rPr>
+                                <m:t>=1</m:t>
+                              </m:r>
+                            </m:sub>
+                            <m:sup>
+                              <m:r>
+                                <a:rPr lang="en-US" altLang="zh-CN" sz="2000" b="0" i="1" smtClean="0">
+                                  <a:latin typeface="Cambria Math" panose="02040503050406030204" pitchFamily="18" charset="0"/>
+                                </a:rPr>
+                                <m:t>𝑛</m:t>
+                              </m:r>
+                            </m:sup>
+                            <m:e>
+                              <m:r>
+                                <m:rPr>
+                                  <m:sty m:val="p"/>
+                                </m:rPr>
+                                <a:rPr lang="en-US" altLang="zh-CN" sz="2000" b="0" i="0" smtClean="0">
+                                  <a:latin typeface="Cambria Math" panose="02040503050406030204" pitchFamily="18" charset="0"/>
+                                </a:rPr>
+                                <m:t>exp</m:t>
+                              </m:r>
+                              <m:r>
+                                <a:rPr lang="en-US" altLang="zh-CN" sz="2000" b="0" i="1" smtClean="0">
+                                  <a:latin typeface="Cambria Math" panose="02040503050406030204" pitchFamily="18" charset="0"/>
+                                </a:rPr>
+                                <m:t>⁡(</m:t>
+                              </m:r>
+                              <m:sSub>
+                                <m:sSubPr>
+                                  <m:ctrlPr>
+                                    <a:rPr lang="en-US" altLang="zh-CN" sz="2000" b="0" i="1" smtClean="0">
+                                      <a:latin typeface="Cambria Math" panose="02040503050406030204" pitchFamily="18" charset="0"/>
+                                    </a:rPr>
+                                  </m:ctrlPr>
+                                </m:sSubPr>
+                                <m:e>
+                                  <m:r>
+                                    <a:rPr lang="en-US" altLang="zh-CN" sz="2000" b="0" i="1" smtClean="0">
+                                      <a:latin typeface="Cambria Math" panose="02040503050406030204" pitchFamily="18" charset="0"/>
+                                    </a:rPr>
+                                    <m:t>𝑎</m:t>
+                                  </m:r>
+                                </m:e>
+                                <m:sub>
+                                  <m:r>
+                                    <a:rPr lang="en-US" altLang="zh-CN" sz="2000" b="0" i="1" smtClean="0">
+                                      <a:latin typeface="Cambria Math" panose="02040503050406030204" pitchFamily="18" charset="0"/>
+                                    </a:rPr>
+                                    <m:t>𝑖</m:t>
+                                  </m:r>
+                                </m:sub>
+                              </m:sSub>
+                              <m:r>
+                                <a:rPr lang="en-US" altLang="zh-CN" sz="2000" b="0" i="1" smtClean="0">
+                                  <a:latin typeface="Cambria Math" panose="02040503050406030204" pitchFamily="18" charset="0"/>
+                                </a:rPr>
+                                <m:t>)</m:t>
+                              </m:r>
+                            </m:e>
+                          </m:nary>
+                        </m:den>
+                      </m:f>
+                    </m:oMath>
+                  </m:oMathPara>
+                </a14:m>
+                <a:endParaRPr lang="zh-CN" altLang="en-US" sz="2000" dirty="0"/>
+              </a:p>
+            </p:txBody>
+          </p:sp>
+        </mc:Choice>
+        <mc:Fallback>
+          <p:sp>
+            <p:nvSpPr>
+              <p:cNvPr id="5" name="文本框 4">
+                <a:extLst>
+                  <a:ext uri="{FF2B5EF4-FFF2-40B4-BE49-F238E27FC236}">
+                    <a16:creationId xmlns:a16="http://schemas.microsoft.com/office/drawing/2014/main" id="{54B11265-64E2-8414-465D-B7AFEAC9A83F}"/>
+                  </a:ext>
+                </a:extLst>
+              </p:cNvPr>
+              <p:cNvSpPr txBox="1">
+                <a:spLocks noRot="1" noChangeAspect="1" noMove="1" noResize="1" noEditPoints="1" noAdjustHandles="1" noChangeArrowheads="1" noChangeShapeType="1" noTextEdit="1"/>
+              </p:cNvSpPr>
+              <p:nvPr/>
+            </p:nvSpPr>
+            <p:spPr>
+              <a:xfrm>
+                <a:off x="3829170" y="1756781"/>
+                <a:ext cx="2035237" cy="657744"/>
+              </a:xfrm>
+              <a:prstGeom prst="rect">
+                <a:avLst/>
+              </a:prstGeom>
+              <a:blipFill>
+                <a:blip r:embed="rId3"/>
+                <a:stretch>
+                  <a:fillRect/>
+                </a:stretch>
+              </a:blipFill>
+            </p:spPr>
+            <p:txBody>
+              <a:bodyPr/>
+              <a:lstStyle/>
+              <a:p>
+                <a:r>
+                  <a:rPr lang="zh-CN" altLang="en-US">
+                    <a:noFill/>
+                  </a:rPr>
+                  <a:t> </a:t>
+                </a:r>
+              </a:p>
+            </p:txBody>
+          </p:sp>
+        </mc:Fallback>
+      </mc:AlternateContent>
+      <p:sp>
+        <p:nvSpPr>
+          <p:cNvPr id="6" name="文本框 5">
+            <a:extLst>
+              <a:ext uri="{FF2B5EF4-FFF2-40B4-BE49-F238E27FC236}">
+                <a16:creationId xmlns:a16="http://schemas.microsoft.com/office/drawing/2014/main" id="{230895DC-B0D1-F3A8-92C1-40E47241C056}"/>
+              </a:ext>
+            </a:extLst>
+          </p:cNvPr>
+          <p:cNvSpPr txBox="1"/>
+          <p:nvPr/>
+        </p:nvSpPr>
+        <p:spPr>
+          <a:xfrm>
+            <a:off x="780438" y="2662744"/>
+            <a:ext cx="10099895" cy="922625"/>
+          </a:xfrm>
+          <a:prstGeom prst="rect">
+            <a:avLst/>
+          </a:prstGeom>
+          <a:noFill/>
+        </p:spPr>
+        <p:txBody>
+          <a:bodyPr wrap="square" rtlCol="0">
+            <a:spAutoFit/>
+          </a:bodyPr>
+          <a:lstStyle/>
+          <a:p>
+            <a:pPr>
+              <a:lnSpc>
+                <a:spcPct val="150000"/>
+              </a:lnSpc>
+            </a:pPr>
+            <a:r>
+              <a:rPr lang="zh-CN" altLang="en-US" dirty="0"/>
+              <a:t>结论</a:t>
+            </a:r>
+            <a:r>
+              <a:rPr lang="en-US" altLang="zh-CN" dirty="0"/>
+              <a:t>1</a:t>
+            </a:r>
+            <a:r>
+              <a:rPr lang="zh-CN" altLang="en-US" dirty="0"/>
+              <a:t>：输出层的各个神经元都受到所有输入信号的影响。</a:t>
+            </a:r>
+            <a:endParaRPr lang="en-US" altLang="zh-CN" dirty="0"/>
+          </a:p>
+          <a:p>
+            <a:pPr>
+              <a:lnSpc>
+                <a:spcPct val="150000"/>
+              </a:lnSpc>
+            </a:pPr>
+            <a:r>
+              <a:rPr lang="zh-CN" altLang="en-US" dirty="0"/>
+              <a:t>结论</a:t>
+            </a:r>
+            <a:r>
+              <a:rPr lang="en-US" altLang="zh-CN" dirty="0"/>
+              <a:t>2</a:t>
+            </a:r>
+            <a:r>
+              <a:rPr lang="zh-CN" altLang="en-US" dirty="0"/>
+              <a:t>：</a:t>
+            </a:r>
+            <a:r>
+              <a:rPr lang="zh-CN" altLang="en-US" sz="2000" b="1" dirty="0">
+                <a:solidFill>
+                  <a:srgbClr val="FF0000"/>
+                </a:solidFill>
+              </a:rPr>
+              <a:t>输出总和为</a:t>
+            </a:r>
+            <a:r>
+              <a:rPr lang="en-US" altLang="zh-CN" sz="2000" b="1" dirty="0">
+                <a:solidFill>
+                  <a:srgbClr val="FF0000"/>
+                </a:solidFill>
+              </a:rPr>
+              <a:t>1</a:t>
+            </a:r>
+            <a:r>
+              <a:rPr lang="zh-CN" altLang="en-US" dirty="0"/>
+              <a:t>，所以可以将输出解释为“概率” </a:t>
+            </a:r>
+            <a:r>
+              <a:rPr lang="zh-CN" altLang="en-US" sz="1600" dirty="0"/>
+              <a:t>（实际运算时</a:t>
+            </a:r>
+            <a:r>
+              <a:rPr lang="en-US" altLang="zh-CN" sz="1600" dirty="0" err="1"/>
+              <a:t>softmax</a:t>
+            </a:r>
+            <a:r>
+              <a:rPr lang="zh-CN" altLang="en-US" sz="1600" dirty="0"/>
+              <a:t>函数可以忽略）</a:t>
+            </a:r>
+            <a:r>
+              <a:rPr lang="zh-CN" altLang="en-US" dirty="0"/>
+              <a:t>。</a:t>
+            </a:r>
+            <a:endParaRPr lang="en-US" altLang="zh-CN" dirty="0"/>
+          </a:p>
+        </p:txBody>
+      </p:sp>
+      <mc:AlternateContent xmlns:mc="http://schemas.openxmlformats.org/markup-compatibility/2006">
+        <mc:Choice xmlns:a14="http://schemas.microsoft.com/office/drawing/2010/main" Requires="a14">
+          <p:sp>
+            <p:nvSpPr>
+              <p:cNvPr id="8" name="文本框 7">
+                <a:extLst>
+                  <a:ext uri="{FF2B5EF4-FFF2-40B4-BE49-F238E27FC236}">
+                    <a16:creationId xmlns:a16="http://schemas.microsoft.com/office/drawing/2014/main" id="{14123841-5A9B-664F-1AA7-A720180BE85D}"/>
+                  </a:ext>
+                </a:extLst>
+              </p:cNvPr>
+              <p:cNvSpPr txBox="1"/>
+              <p:nvPr/>
+            </p:nvSpPr>
+            <p:spPr>
+              <a:xfrm>
+                <a:off x="5864407" y="2147101"/>
+                <a:ext cx="2375898" cy="338554"/>
+              </a:xfrm>
+              <a:prstGeom prst="rect">
+                <a:avLst/>
+              </a:prstGeom>
+              <a:noFill/>
+            </p:spPr>
+            <p:txBody>
+              <a:bodyPr wrap="square">
+                <a:spAutoFit/>
+              </a:bodyPr>
+              <a:lstStyle/>
+              <a:p>
+                <a:pPr/>
+                <a14:m>
+                  <m:oMathPara xmlns:m="http://schemas.openxmlformats.org/officeDocument/2006/math">
+                    <m:oMathParaPr>
+                      <m:jc m:val="centerGroup"/>
+                    </m:oMathParaPr>
+                    <m:oMath xmlns:m="http://schemas.openxmlformats.org/officeDocument/2006/math">
+                      <m:r>
+                        <a:rPr lang="zh-CN" altLang="en-US" sz="1600" i="1">
+                          <a:latin typeface="Cambria Math" panose="02040503050406030204" pitchFamily="18" charset="0"/>
+                        </a:rPr>
+                        <m:t>注</m:t>
+                      </m:r>
+                      <m:r>
+                        <a:rPr lang="zh-CN" altLang="en-US" sz="1600" i="1" smtClean="0">
+                          <a:latin typeface="Cambria Math" panose="02040503050406030204" pitchFamily="18" charset="0"/>
+                        </a:rPr>
+                        <m:t>：</m:t>
+                      </m:r>
+                      <m:func>
+                        <m:funcPr>
+                          <m:ctrlPr>
+                            <a:rPr lang="en-US" altLang="zh-CN" sz="1600" b="0" i="1" smtClean="0">
+                              <a:latin typeface="Cambria Math" panose="02040503050406030204" pitchFamily="18" charset="0"/>
+                            </a:rPr>
+                          </m:ctrlPr>
+                        </m:funcPr>
+                        <m:fName>
+                          <m:r>
+                            <m:rPr>
+                              <m:sty m:val="p"/>
+                            </m:rPr>
+                            <a:rPr lang="en-US" altLang="zh-CN" sz="1600" b="0" i="0" smtClean="0">
+                              <a:latin typeface="Cambria Math" panose="02040503050406030204" pitchFamily="18" charset="0"/>
+                            </a:rPr>
+                            <m:t>exp</m:t>
+                          </m:r>
+                        </m:fName>
+                        <m:e>
+                          <m:d>
+                            <m:dPr>
+                              <m:ctrlPr>
+                                <a:rPr lang="en-US" altLang="zh-CN" sz="1600" b="0" i="1" smtClean="0">
+                                  <a:latin typeface="Cambria Math" panose="02040503050406030204" pitchFamily="18" charset="0"/>
+                                </a:rPr>
+                              </m:ctrlPr>
+                            </m:dPr>
+                            <m:e>
+                              <m:r>
+                                <m:rPr>
+                                  <m:sty m:val="p"/>
+                                </m:rPr>
+                                <a:rPr lang="en-US" altLang="zh-CN" sz="1600" i="1">
+                                  <a:latin typeface="Cambria Math" panose="02040503050406030204" pitchFamily="18" charset="0"/>
+                                </a:rPr>
+                                <m:t>x</m:t>
+                              </m:r>
+                            </m:e>
+                          </m:d>
+                        </m:e>
+                      </m:func>
+                      <m:r>
+                        <a:rPr lang="en-US" altLang="zh-CN" sz="1600" b="0" i="1" smtClean="0">
+                          <a:latin typeface="Cambria Math" panose="02040503050406030204" pitchFamily="18" charset="0"/>
+                        </a:rPr>
+                        <m:t>=</m:t>
+                      </m:r>
+                      <m:sSup>
+                        <m:sSupPr>
+                          <m:ctrlPr>
+                            <a:rPr lang="en-US" altLang="zh-CN" sz="1600" b="0" i="1" smtClean="0">
+                              <a:latin typeface="Cambria Math" panose="02040503050406030204" pitchFamily="18" charset="0"/>
+                            </a:rPr>
+                          </m:ctrlPr>
+                        </m:sSupPr>
+                        <m:e>
+                          <m:r>
+                            <a:rPr lang="en-US" altLang="zh-CN" sz="1600" b="0" i="1" smtClean="0">
+                              <a:latin typeface="Cambria Math" panose="02040503050406030204" pitchFamily="18" charset="0"/>
+                            </a:rPr>
+                            <m:t>𝑒</m:t>
+                          </m:r>
+                        </m:e>
+                        <m:sup>
+                          <m:r>
+                            <a:rPr lang="en-US" altLang="zh-CN" sz="1600" b="0" i="1" smtClean="0">
+                              <a:latin typeface="Cambria Math" panose="02040503050406030204" pitchFamily="18" charset="0"/>
+                            </a:rPr>
+                            <m:t>𝑥</m:t>
+                          </m:r>
+                        </m:sup>
+                      </m:sSup>
+                    </m:oMath>
+                  </m:oMathPara>
+                </a14:m>
+                <a:endParaRPr lang="zh-CN" altLang="en-US" sz="1600" dirty="0"/>
+              </a:p>
+            </p:txBody>
+          </p:sp>
+        </mc:Choice>
+        <mc:Fallback>
+          <p:sp>
+            <p:nvSpPr>
+              <p:cNvPr id="8" name="文本框 7">
+                <a:extLst>
+                  <a:ext uri="{FF2B5EF4-FFF2-40B4-BE49-F238E27FC236}">
+                    <a16:creationId xmlns:a16="http://schemas.microsoft.com/office/drawing/2014/main" id="{14123841-5A9B-664F-1AA7-A720180BE85D}"/>
+                  </a:ext>
+                </a:extLst>
+              </p:cNvPr>
+              <p:cNvSpPr txBox="1">
+                <a:spLocks noRot="1" noChangeAspect="1" noMove="1" noResize="1" noEditPoints="1" noAdjustHandles="1" noChangeArrowheads="1" noChangeShapeType="1" noTextEdit="1"/>
+              </p:cNvSpPr>
+              <p:nvPr/>
+            </p:nvSpPr>
+            <p:spPr>
+              <a:xfrm>
+                <a:off x="5864407" y="2147101"/>
+                <a:ext cx="2375898" cy="338554"/>
+              </a:xfrm>
+              <a:prstGeom prst="rect">
+                <a:avLst/>
+              </a:prstGeom>
+              <a:blipFill>
+                <a:blip r:embed="rId4"/>
+                <a:stretch>
+                  <a:fillRect b="-5357"/>
+                </a:stretch>
+              </a:blipFill>
+            </p:spPr>
+            <p:txBody>
+              <a:bodyPr/>
+              <a:lstStyle/>
+              <a:p>
+                <a:r>
+                  <a:rPr lang="zh-CN" altLang="en-US">
+                    <a:noFill/>
+                  </a:rPr>
+                  <a:t> </a:t>
+                </a:r>
+              </a:p>
+            </p:txBody>
+          </p:sp>
+        </mc:Fallback>
+      </mc:AlternateContent>
+      <p:sp>
+        <p:nvSpPr>
+          <p:cNvPr id="11" name="文本框 10">
+            <a:extLst>
+              <a:ext uri="{FF2B5EF4-FFF2-40B4-BE49-F238E27FC236}">
+                <a16:creationId xmlns:a16="http://schemas.microsoft.com/office/drawing/2014/main" id="{FADEDEB3-6E48-A44E-7135-155E26660C55}"/>
+              </a:ext>
+            </a:extLst>
+          </p:cNvPr>
+          <p:cNvSpPr txBox="1"/>
+          <p:nvPr/>
+        </p:nvSpPr>
+        <p:spPr>
+          <a:xfrm>
+            <a:off x="780438" y="3977836"/>
+            <a:ext cx="10099895" cy="465640"/>
+          </a:xfrm>
+          <a:prstGeom prst="rect">
+            <a:avLst/>
+          </a:prstGeom>
+          <a:noFill/>
+        </p:spPr>
+        <p:txBody>
+          <a:bodyPr wrap="square" rtlCol="0">
+            <a:spAutoFit/>
+          </a:bodyPr>
+          <a:lstStyle/>
+          <a:p>
+            <a:pPr>
+              <a:lnSpc>
+                <a:spcPct val="150000"/>
+              </a:lnSpc>
+            </a:pPr>
+            <a:r>
+              <a:rPr lang="zh-CN" altLang="en-US" b="1" dirty="0"/>
+              <a:t>对于分类问题，输出层的神经元数量一般设定为类别的数量。</a:t>
+            </a:r>
+            <a:endParaRPr lang="en-US" altLang="zh-CN" b="1" dirty="0"/>
+          </a:p>
+        </p:txBody>
+      </p:sp>
+    </p:spTree>
+    <p:extLst>
+      <p:ext uri="{BB962C8B-B14F-4D97-AF65-F5344CB8AC3E}">
+        <p14:creationId xmlns:p14="http://schemas.microsoft.com/office/powerpoint/2010/main" val="4043524606"/>
+      </p:ext>
+    </p:extLst>
+  </p:cSld>
+  <p:clrMapOvr>
+    <a:masterClrMapping/>
+  </p:clrMapOvr>
+</p:sld>
+</file>
+
+<file path=ppt/slides/slide11.xml><?xml version="1.0" encoding="utf-8"?>
+<p:sld xmlns:a="http://schemas.openxmlformats.org/drawingml/2006/main" xmlns:r="http://schemas.openxmlformats.org/officeDocument/2006/relationships" xmlns:p="http://schemas.openxmlformats.org/presentationml/2006/main">
+  <p:cSld>
+    <p:spTree>
+      <p:nvGrpSpPr>
+        <p:cNvPr id="1" name=""/>
+        <p:cNvGrpSpPr/>
+        <p:nvPr/>
+      </p:nvGrpSpPr>
+      <p:grpSpPr>
+        <a:xfrm>
+          <a:off x="0" y="0"/>
+          <a:ext cx="0" cy="0"/>
+          <a:chOff x="0" y="0"/>
+          <a:chExt cx="0" cy="0"/>
+        </a:xfrm>
+      </p:grpSpPr>
+      <p:sp>
+        <p:nvSpPr>
+          <p:cNvPr id="19" name="文本框 18">
+            <a:extLst>
+              <a:ext uri="{FF2B5EF4-FFF2-40B4-BE49-F238E27FC236}">
+                <a16:creationId xmlns:a16="http://schemas.microsoft.com/office/drawing/2014/main" id="{1C62A262-468B-9C81-5CFF-128DD20234F1}"/>
+              </a:ext>
+            </a:extLst>
+          </p:cNvPr>
+          <p:cNvSpPr txBox="1"/>
+          <p:nvPr/>
+        </p:nvSpPr>
+        <p:spPr>
+          <a:xfrm>
+            <a:off x="780438" y="313848"/>
+            <a:ext cx="6097464" cy="461665"/>
+          </a:xfrm>
+          <a:prstGeom prst="rect">
+            <a:avLst/>
+          </a:prstGeom>
+          <a:noFill/>
+        </p:spPr>
+        <p:txBody>
+          <a:bodyPr wrap="square">
+            <a:spAutoFit/>
+          </a:bodyPr>
+          <a:lstStyle/>
+          <a:p>
+            <a:r>
+              <a:rPr lang="zh-CN" altLang="en-US" sz="2400" b="1" dirty="0"/>
+              <a:t>手写数字识别</a:t>
+            </a:r>
+            <a:endParaRPr lang="en-US" altLang="zh-CN" sz="2400" b="1" dirty="0"/>
+          </a:p>
+        </p:txBody>
+      </p:sp>
+      <p:pic>
+        <p:nvPicPr>
+          <p:cNvPr id="1026" name="Picture 2">
+            <a:extLst>
+              <a:ext uri="{FF2B5EF4-FFF2-40B4-BE49-F238E27FC236}">
+                <a16:creationId xmlns:a16="http://schemas.microsoft.com/office/drawing/2014/main" id="{8172E35F-0F1C-EAF7-277C-D8067DA79C53}"/>
+              </a:ext>
+            </a:extLst>
+          </p:cNvPr>
+          <p:cNvPicPr>
+            <a:picLocks noChangeAspect="1" noChangeArrowheads="1"/>
+          </p:cNvPicPr>
+          <p:nvPr/>
+        </p:nvPicPr>
+        <p:blipFill>
+          <a:blip r:embed="rId3">
+            <a:extLst>
+              <a:ext uri="{28A0092B-C50C-407E-A947-70E740481C1C}">
+                <a14:useLocalDpi xmlns:a14="http://schemas.microsoft.com/office/drawing/2010/main" val="0"/>
+              </a:ext>
+            </a:extLst>
+          </a:blip>
+          <a:srcRect/>
+          <a:stretch>
+            <a:fillRect/>
+          </a:stretch>
+        </p:blipFill>
+        <p:spPr bwMode="auto">
+          <a:xfrm>
+            <a:off x="172970" y="2247924"/>
+            <a:ext cx="5704727" cy="3838553"/>
+          </a:xfrm>
+          <a:prstGeom prst="rect">
+            <a:avLst/>
+          </a:prstGeom>
+          <a:noFill/>
+          <a:extLst>
+            <a:ext uri="{909E8E84-426E-40DD-AFC4-6F175D3DCCD1}">
+              <a14:hiddenFill xmlns:a14="http://schemas.microsoft.com/office/drawing/2010/main">
+                <a:solidFill>
+                  <a:srgbClr val="FFFFFF"/>
+                </a:solidFill>
+              </a14:hiddenFill>
+            </a:ext>
+          </a:extLst>
+        </p:spPr>
+      </p:pic>
+      <p:sp>
+        <p:nvSpPr>
+          <p:cNvPr id="7" name="文本框 6">
+            <a:extLst>
+              <a:ext uri="{FF2B5EF4-FFF2-40B4-BE49-F238E27FC236}">
+                <a16:creationId xmlns:a16="http://schemas.microsoft.com/office/drawing/2014/main" id="{974FD5F6-B241-826A-73F5-44D4AA9C724C}"/>
+              </a:ext>
+            </a:extLst>
+          </p:cNvPr>
+          <p:cNvSpPr txBox="1"/>
+          <p:nvPr/>
+        </p:nvSpPr>
+        <p:spPr>
+          <a:xfrm>
+            <a:off x="780437" y="1139257"/>
+            <a:ext cx="8918367" cy="646331"/>
+          </a:xfrm>
+          <a:prstGeom prst="rect">
+            <a:avLst/>
+          </a:prstGeom>
+          <a:noFill/>
+        </p:spPr>
+        <p:txBody>
+          <a:bodyPr wrap="square">
+            <a:spAutoFit/>
+          </a:bodyPr>
+          <a:lstStyle/>
+          <a:p>
+            <a:r>
+              <a:rPr lang="en-US" altLang="zh-CN" b="0" i="0" dirty="0">
+                <a:solidFill>
+                  <a:srgbClr val="1B1B1B"/>
+                </a:solidFill>
+                <a:effectLst/>
+                <a:latin typeface="consolas" panose="020B0609020204030204" pitchFamily="49" charset="0"/>
+              </a:rPr>
+              <a:t>MNIST</a:t>
+            </a:r>
+            <a:r>
+              <a:rPr lang="zh-CN" altLang="en-US" b="0" i="0" dirty="0">
+                <a:solidFill>
+                  <a:srgbClr val="1B1B1B"/>
+                </a:solidFill>
+                <a:effectLst/>
+                <a:latin typeface="consolas" panose="020B0609020204030204" pitchFamily="49" charset="0"/>
+              </a:rPr>
+              <a:t>数据集（手写数字数据集）是一个公开的公共数据集，已经是一个作为机器学习入门的通用性特别强的数据集之一</a:t>
+            </a:r>
+            <a:r>
+              <a:rPr lang="zh-CN" altLang="en-US" dirty="0">
+                <a:solidFill>
+                  <a:srgbClr val="1B1B1B"/>
+                </a:solidFill>
+                <a:latin typeface="consolas" panose="020B0609020204030204" pitchFamily="49" charset="0"/>
+              </a:rPr>
+              <a:t>。</a:t>
+            </a:r>
+            <a:endParaRPr lang="zh-CN" altLang="en-US" dirty="0"/>
+          </a:p>
+        </p:txBody>
+      </p:sp>
+      <p:grpSp>
+        <p:nvGrpSpPr>
+          <p:cNvPr id="1051" name="组合 1050">
+            <a:extLst>
+              <a:ext uri="{FF2B5EF4-FFF2-40B4-BE49-F238E27FC236}">
+                <a16:creationId xmlns:a16="http://schemas.microsoft.com/office/drawing/2014/main" id="{C2702102-FAF7-980F-37A9-DAB69347A8B3}"/>
+              </a:ext>
+            </a:extLst>
+          </p:cNvPr>
+          <p:cNvGrpSpPr/>
+          <p:nvPr/>
+        </p:nvGrpSpPr>
+        <p:grpSpPr>
+          <a:xfrm>
+            <a:off x="6331329" y="2329528"/>
+            <a:ext cx="5042936" cy="799449"/>
+            <a:chOff x="6331329" y="2329528"/>
+            <a:chExt cx="5042936" cy="799449"/>
+          </a:xfrm>
+        </p:grpSpPr>
+        <p:sp>
+          <p:nvSpPr>
+            <p:cNvPr id="12" name="文本框 11">
+              <a:extLst>
+                <a:ext uri="{FF2B5EF4-FFF2-40B4-BE49-F238E27FC236}">
+                  <a16:creationId xmlns:a16="http://schemas.microsoft.com/office/drawing/2014/main" id="{6D45A5B3-1D42-DC76-0E95-D76E36732EAF}"/>
+                </a:ext>
+              </a:extLst>
+            </p:cNvPr>
+            <p:cNvSpPr txBox="1"/>
+            <p:nvPr/>
+          </p:nvSpPr>
+          <p:spPr>
+            <a:xfrm>
+              <a:off x="7416639" y="2686099"/>
+              <a:ext cx="992579" cy="442878"/>
+            </a:xfrm>
+            <a:prstGeom prst="rect">
+              <a:avLst/>
+            </a:prstGeom>
+            <a:noFill/>
+          </p:spPr>
+          <p:txBody>
+            <a:bodyPr wrap="none" rtlCol="0">
+              <a:spAutoFit/>
+            </a:bodyPr>
+            <a:lstStyle/>
+            <a:p>
+              <a:pPr>
+                <a:lnSpc>
+                  <a:spcPct val="150000"/>
+                </a:lnSpc>
+              </a:pPr>
+              <a:r>
+                <a:rPr lang="en-US" altLang="zh-CN" dirty="0">
+                  <a:latin typeface="黑体" panose="02010609060101010101" pitchFamily="49" charset="-122"/>
+                  <a:ea typeface="黑体" panose="02010609060101010101" pitchFamily="49" charset="-122"/>
+                </a:rPr>
+                <a:t>784×50</a:t>
+              </a:r>
+            </a:p>
+          </p:txBody>
+        </p:sp>
+        <p:sp>
+          <p:nvSpPr>
+            <p:cNvPr id="13" name="文本框 12">
+              <a:extLst>
+                <a:ext uri="{FF2B5EF4-FFF2-40B4-BE49-F238E27FC236}">
+                  <a16:creationId xmlns:a16="http://schemas.microsoft.com/office/drawing/2014/main" id="{7DA06DB5-FCA3-E94F-B757-869351C06305}"/>
+                </a:ext>
+              </a:extLst>
+            </p:cNvPr>
+            <p:cNvSpPr txBox="1"/>
+            <p:nvPr/>
+          </p:nvSpPr>
+          <p:spPr>
+            <a:xfrm>
+              <a:off x="8500587" y="2685098"/>
+              <a:ext cx="992579" cy="442878"/>
+            </a:xfrm>
+            <a:prstGeom prst="rect">
+              <a:avLst/>
+            </a:prstGeom>
+            <a:noFill/>
+          </p:spPr>
+          <p:txBody>
+            <a:bodyPr wrap="none" rtlCol="0">
+              <a:spAutoFit/>
+            </a:bodyPr>
+            <a:lstStyle/>
+            <a:p>
+              <a:pPr>
+                <a:lnSpc>
+                  <a:spcPct val="150000"/>
+                </a:lnSpc>
+              </a:pPr>
+              <a:r>
+                <a:rPr lang="en-US" altLang="zh-CN" dirty="0">
+                  <a:latin typeface="黑体" panose="02010609060101010101" pitchFamily="49" charset="-122"/>
+                  <a:ea typeface="黑体" panose="02010609060101010101" pitchFamily="49" charset="-122"/>
+                </a:rPr>
+                <a:t>50×128</a:t>
+              </a:r>
+            </a:p>
+          </p:txBody>
+        </p:sp>
+        <p:sp>
+          <p:nvSpPr>
+            <p:cNvPr id="14" name="文本框 13">
+              <a:extLst>
+                <a:ext uri="{FF2B5EF4-FFF2-40B4-BE49-F238E27FC236}">
+                  <a16:creationId xmlns:a16="http://schemas.microsoft.com/office/drawing/2014/main" id="{BD17079D-3F7A-58F2-AE24-BE5C0E5D2D7E}"/>
+                </a:ext>
+              </a:extLst>
+            </p:cNvPr>
+            <p:cNvSpPr txBox="1"/>
+            <p:nvPr/>
+          </p:nvSpPr>
+          <p:spPr>
+            <a:xfrm>
+              <a:off x="10958767" y="2685098"/>
+              <a:ext cx="415498" cy="442878"/>
+            </a:xfrm>
+            <a:prstGeom prst="rect">
+              <a:avLst/>
+            </a:prstGeom>
+            <a:noFill/>
+          </p:spPr>
+          <p:txBody>
+            <a:bodyPr wrap="none" rtlCol="0">
+              <a:spAutoFit/>
+            </a:bodyPr>
+            <a:lstStyle/>
+            <a:p>
+              <a:pPr>
+                <a:lnSpc>
+                  <a:spcPct val="150000"/>
+                </a:lnSpc>
+              </a:pPr>
+              <a:r>
+                <a:rPr lang="en-US" altLang="zh-CN" dirty="0">
+                  <a:latin typeface="黑体" panose="02010609060101010101" pitchFamily="49" charset="-122"/>
+                  <a:ea typeface="黑体" panose="02010609060101010101" pitchFamily="49" charset="-122"/>
+                </a:rPr>
+                <a:t>10</a:t>
+              </a:r>
+            </a:p>
+          </p:txBody>
+        </p:sp>
+        <p:sp>
+          <p:nvSpPr>
+            <p:cNvPr id="15" name="文本框 14">
+              <a:extLst>
+                <a:ext uri="{FF2B5EF4-FFF2-40B4-BE49-F238E27FC236}">
+                  <a16:creationId xmlns:a16="http://schemas.microsoft.com/office/drawing/2014/main" id="{DCDC80F2-12B4-2A18-2006-050B5E760847}"/>
+                </a:ext>
+              </a:extLst>
+            </p:cNvPr>
+            <p:cNvSpPr txBox="1"/>
+            <p:nvPr/>
+          </p:nvSpPr>
+          <p:spPr>
+            <a:xfrm>
+              <a:off x="7705179" y="2329528"/>
+              <a:ext cx="415498" cy="442878"/>
+            </a:xfrm>
+            <a:prstGeom prst="rect">
+              <a:avLst/>
+            </a:prstGeom>
+            <a:noFill/>
+          </p:spPr>
+          <p:txBody>
+            <a:bodyPr wrap="none" rtlCol="0">
+              <a:spAutoFit/>
+            </a:bodyPr>
+            <a:lstStyle/>
+            <a:p>
+              <a:pPr>
+                <a:lnSpc>
+                  <a:spcPct val="150000"/>
+                </a:lnSpc>
+              </a:pPr>
+              <a:r>
+                <a:rPr lang="en-US" altLang="zh-CN" b="1" dirty="0">
+                  <a:latin typeface="黑体" panose="02010609060101010101" pitchFamily="49" charset="-122"/>
+                  <a:ea typeface="黑体" panose="02010609060101010101" pitchFamily="49" charset="-122"/>
+                </a:rPr>
+                <a:t>W1</a:t>
+              </a:r>
+            </a:p>
+          </p:txBody>
+        </p:sp>
+        <p:sp>
+          <p:nvSpPr>
+            <p:cNvPr id="17" name="文本框 16">
+              <a:extLst>
+                <a:ext uri="{FF2B5EF4-FFF2-40B4-BE49-F238E27FC236}">
+                  <a16:creationId xmlns:a16="http://schemas.microsoft.com/office/drawing/2014/main" id="{109C7B14-8F57-7235-358A-81D927DB02F6}"/>
+                </a:ext>
+              </a:extLst>
+            </p:cNvPr>
+            <p:cNvSpPr txBox="1"/>
+            <p:nvPr/>
+          </p:nvSpPr>
+          <p:spPr>
+            <a:xfrm>
+              <a:off x="11016475" y="2329528"/>
+              <a:ext cx="300082" cy="442878"/>
+            </a:xfrm>
+            <a:prstGeom prst="rect">
+              <a:avLst/>
+            </a:prstGeom>
+            <a:noFill/>
+          </p:spPr>
+          <p:txBody>
+            <a:bodyPr wrap="none" rtlCol="0">
+              <a:spAutoFit/>
+            </a:bodyPr>
+            <a:lstStyle/>
+            <a:p>
+              <a:pPr>
+                <a:lnSpc>
+                  <a:spcPct val="150000"/>
+                </a:lnSpc>
+              </a:pPr>
+              <a:r>
+                <a:rPr lang="en-US" altLang="zh-CN" b="1" dirty="0">
+                  <a:latin typeface="黑体" panose="02010609060101010101" pitchFamily="49" charset="-122"/>
+                  <a:ea typeface="黑体" panose="02010609060101010101" pitchFamily="49" charset="-122"/>
+                </a:rPr>
+                <a:t>Y</a:t>
+              </a:r>
+            </a:p>
+          </p:txBody>
+        </p:sp>
+        <p:sp>
+          <p:nvSpPr>
+            <p:cNvPr id="18" name="文本框 17">
+              <a:extLst>
+                <a:ext uri="{FF2B5EF4-FFF2-40B4-BE49-F238E27FC236}">
+                  <a16:creationId xmlns:a16="http://schemas.microsoft.com/office/drawing/2014/main" id="{8954D67D-2EA7-774F-371D-CAF7F761C430}"/>
+                </a:ext>
+              </a:extLst>
+            </p:cNvPr>
+            <p:cNvSpPr txBox="1"/>
+            <p:nvPr/>
+          </p:nvSpPr>
+          <p:spPr>
+            <a:xfrm>
+              <a:off x="10543269" y="2351656"/>
+              <a:ext cx="415498" cy="442878"/>
+            </a:xfrm>
+            <a:prstGeom prst="rect">
+              <a:avLst/>
+            </a:prstGeom>
+            <a:noFill/>
+          </p:spPr>
+          <p:txBody>
+            <a:bodyPr wrap="none" rtlCol="0">
+              <a:spAutoFit/>
+            </a:bodyPr>
+            <a:lstStyle/>
+            <a:p>
+              <a:pPr>
+                <a:lnSpc>
+                  <a:spcPct val="150000"/>
+                </a:lnSpc>
+              </a:pPr>
+              <a:r>
+                <a:rPr lang="zh-CN" altLang="en-US" b="1" dirty="0">
+                  <a:latin typeface="黑体" panose="02010609060101010101" pitchFamily="49" charset="-122"/>
+                  <a:ea typeface="黑体" panose="02010609060101010101" pitchFamily="49" charset="-122"/>
+                </a:rPr>
+                <a:t>→</a:t>
+              </a:r>
+              <a:endParaRPr lang="en-US" altLang="zh-CN" b="1" dirty="0">
+                <a:latin typeface="黑体" panose="02010609060101010101" pitchFamily="49" charset="-122"/>
+                <a:ea typeface="黑体" panose="02010609060101010101" pitchFamily="49" charset="-122"/>
+              </a:endParaRPr>
+            </a:p>
+          </p:txBody>
+        </p:sp>
+        <p:sp>
+          <p:nvSpPr>
+            <p:cNvPr id="1032" name="文本框 1031">
+              <a:extLst>
+                <a:ext uri="{FF2B5EF4-FFF2-40B4-BE49-F238E27FC236}">
+                  <a16:creationId xmlns:a16="http://schemas.microsoft.com/office/drawing/2014/main" id="{5325AA2B-4BDD-D52C-FD0A-379BFB787F6B}"/>
+                </a:ext>
+              </a:extLst>
+            </p:cNvPr>
+            <p:cNvSpPr txBox="1"/>
+            <p:nvPr/>
+          </p:nvSpPr>
+          <p:spPr>
+            <a:xfrm>
+              <a:off x="9586278" y="2685098"/>
+              <a:ext cx="992579" cy="442878"/>
+            </a:xfrm>
+            <a:prstGeom prst="rect">
+              <a:avLst/>
+            </a:prstGeom>
+            <a:noFill/>
+          </p:spPr>
+          <p:txBody>
+            <a:bodyPr wrap="none" rtlCol="0">
+              <a:spAutoFit/>
+            </a:bodyPr>
+            <a:lstStyle/>
+            <a:p>
+              <a:pPr>
+                <a:lnSpc>
+                  <a:spcPct val="150000"/>
+                </a:lnSpc>
+              </a:pPr>
+              <a:r>
+                <a:rPr lang="en-US" altLang="zh-CN" dirty="0">
+                  <a:latin typeface="黑体" panose="02010609060101010101" pitchFamily="49" charset="-122"/>
+                  <a:ea typeface="黑体" panose="02010609060101010101" pitchFamily="49" charset="-122"/>
+                </a:rPr>
+                <a:t>128×10</a:t>
+              </a:r>
+            </a:p>
+          </p:txBody>
+        </p:sp>
+        <p:sp>
+          <p:nvSpPr>
+            <p:cNvPr id="1033" name="文本框 1032">
+              <a:extLst>
+                <a:ext uri="{FF2B5EF4-FFF2-40B4-BE49-F238E27FC236}">
+                  <a16:creationId xmlns:a16="http://schemas.microsoft.com/office/drawing/2014/main" id="{C6E58359-6652-449D-19E5-3D336FA25635}"/>
+                </a:ext>
+              </a:extLst>
+            </p:cNvPr>
+            <p:cNvSpPr txBox="1"/>
+            <p:nvPr/>
+          </p:nvSpPr>
+          <p:spPr>
+            <a:xfrm>
+              <a:off x="6877902" y="2685098"/>
+              <a:ext cx="530915" cy="442878"/>
+            </a:xfrm>
+            <a:prstGeom prst="rect">
+              <a:avLst/>
+            </a:prstGeom>
+            <a:noFill/>
+          </p:spPr>
+          <p:txBody>
+            <a:bodyPr wrap="none" rtlCol="0">
+              <a:spAutoFit/>
+            </a:bodyPr>
+            <a:lstStyle/>
+            <a:p>
+              <a:pPr>
+                <a:lnSpc>
+                  <a:spcPct val="150000"/>
+                </a:lnSpc>
+              </a:pPr>
+              <a:r>
+                <a:rPr lang="en-US" altLang="zh-CN" dirty="0">
+                  <a:latin typeface="黑体" panose="02010609060101010101" pitchFamily="49" charset="-122"/>
+                  <a:ea typeface="黑体" panose="02010609060101010101" pitchFamily="49" charset="-122"/>
+                </a:rPr>
+                <a:t>784</a:t>
+              </a:r>
+            </a:p>
+          </p:txBody>
+        </p:sp>
+        <p:sp>
+          <p:nvSpPr>
+            <p:cNvPr id="1034" name="文本框 1033">
+              <a:extLst>
+                <a:ext uri="{FF2B5EF4-FFF2-40B4-BE49-F238E27FC236}">
+                  <a16:creationId xmlns:a16="http://schemas.microsoft.com/office/drawing/2014/main" id="{2A7552DE-6576-666C-70FC-E502B790B79E}"/>
+                </a:ext>
+              </a:extLst>
+            </p:cNvPr>
+            <p:cNvSpPr txBox="1"/>
+            <p:nvPr/>
+          </p:nvSpPr>
+          <p:spPr>
+            <a:xfrm>
+              <a:off x="6995523" y="2341003"/>
+              <a:ext cx="300082" cy="442878"/>
+            </a:xfrm>
+            <a:prstGeom prst="rect">
+              <a:avLst/>
+            </a:prstGeom>
+            <a:noFill/>
+          </p:spPr>
+          <p:txBody>
+            <a:bodyPr wrap="none" rtlCol="0">
+              <a:spAutoFit/>
+            </a:bodyPr>
+            <a:lstStyle/>
+            <a:p>
+              <a:pPr>
+                <a:lnSpc>
+                  <a:spcPct val="150000"/>
+                </a:lnSpc>
+              </a:pPr>
+              <a:r>
+                <a:rPr lang="en-US" altLang="zh-CN" b="1" dirty="0">
+                  <a:latin typeface="黑体" panose="02010609060101010101" pitchFamily="49" charset="-122"/>
+                  <a:ea typeface="黑体" panose="02010609060101010101" pitchFamily="49" charset="-122"/>
+                </a:rPr>
+                <a:t>X</a:t>
+              </a:r>
+            </a:p>
+          </p:txBody>
+        </p:sp>
+        <p:sp>
+          <p:nvSpPr>
+            <p:cNvPr id="1035" name="文本框 1034">
+              <a:extLst>
+                <a:ext uri="{FF2B5EF4-FFF2-40B4-BE49-F238E27FC236}">
+                  <a16:creationId xmlns:a16="http://schemas.microsoft.com/office/drawing/2014/main" id="{5CD280A3-BAB1-8051-F66E-EA859B8B5D32}"/>
+                </a:ext>
+              </a:extLst>
+            </p:cNvPr>
+            <p:cNvSpPr txBox="1"/>
+            <p:nvPr/>
+          </p:nvSpPr>
+          <p:spPr>
+            <a:xfrm>
+              <a:off x="8714434" y="2351656"/>
+              <a:ext cx="415498" cy="442878"/>
+            </a:xfrm>
+            <a:prstGeom prst="rect">
+              <a:avLst/>
+            </a:prstGeom>
+            <a:noFill/>
+          </p:spPr>
+          <p:txBody>
+            <a:bodyPr wrap="none" rtlCol="0">
+              <a:spAutoFit/>
+            </a:bodyPr>
+            <a:lstStyle/>
+            <a:p>
+              <a:pPr>
+                <a:lnSpc>
+                  <a:spcPct val="150000"/>
+                </a:lnSpc>
+              </a:pPr>
+              <a:r>
+                <a:rPr lang="en-US" altLang="zh-CN" b="1" dirty="0">
+                  <a:latin typeface="黑体" panose="02010609060101010101" pitchFamily="49" charset="-122"/>
+                  <a:ea typeface="黑体" panose="02010609060101010101" pitchFamily="49" charset="-122"/>
+                </a:rPr>
+                <a:t>W2</a:t>
+              </a:r>
+            </a:p>
+          </p:txBody>
+        </p:sp>
+        <p:sp>
+          <p:nvSpPr>
+            <p:cNvPr id="1036" name="文本框 1035">
+              <a:extLst>
+                <a:ext uri="{FF2B5EF4-FFF2-40B4-BE49-F238E27FC236}">
+                  <a16:creationId xmlns:a16="http://schemas.microsoft.com/office/drawing/2014/main" id="{54AD25FA-C853-F6C6-DD4F-F2D563D16F19}"/>
+                </a:ext>
+              </a:extLst>
+            </p:cNvPr>
+            <p:cNvSpPr txBox="1"/>
+            <p:nvPr/>
+          </p:nvSpPr>
+          <p:spPr>
+            <a:xfrm>
+              <a:off x="9875697" y="2351656"/>
+              <a:ext cx="415498" cy="442878"/>
+            </a:xfrm>
+            <a:prstGeom prst="rect">
+              <a:avLst/>
+            </a:prstGeom>
+            <a:noFill/>
+          </p:spPr>
+          <p:txBody>
+            <a:bodyPr wrap="none" rtlCol="0">
+              <a:spAutoFit/>
+            </a:bodyPr>
+            <a:lstStyle/>
+            <a:p>
+              <a:pPr>
+                <a:lnSpc>
+                  <a:spcPct val="150000"/>
+                </a:lnSpc>
+              </a:pPr>
+              <a:r>
+                <a:rPr lang="en-US" altLang="zh-CN" b="1" dirty="0">
+                  <a:latin typeface="黑体" panose="02010609060101010101" pitchFamily="49" charset="-122"/>
+                  <a:ea typeface="黑体" panose="02010609060101010101" pitchFamily="49" charset="-122"/>
+                </a:rPr>
+                <a:t>W3</a:t>
+              </a:r>
+            </a:p>
+          </p:txBody>
+        </p:sp>
+        <p:sp>
+          <p:nvSpPr>
+            <p:cNvPr id="1050" name="文本框 1049">
+              <a:extLst>
+                <a:ext uri="{FF2B5EF4-FFF2-40B4-BE49-F238E27FC236}">
+                  <a16:creationId xmlns:a16="http://schemas.microsoft.com/office/drawing/2014/main" id="{E85164C5-5F41-760D-05E8-0C3C5D495ABB}"/>
+                </a:ext>
+              </a:extLst>
+            </p:cNvPr>
+            <p:cNvSpPr txBox="1"/>
+            <p:nvPr/>
+          </p:nvSpPr>
+          <p:spPr>
+            <a:xfrm>
+              <a:off x="6331329" y="2744567"/>
+              <a:ext cx="543739" cy="365036"/>
+            </a:xfrm>
+            <a:prstGeom prst="rect">
+              <a:avLst/>
+            </a:prstGeom>
+            <a:noFill/>
+          </p:spPr>
+          <p:txBody>
+            <a:bodyPr wrap="none" rtlCol="0">
+              <a:spAutoFit/>
+            </a:bodyPr>
+            <a:lstStyle/>
+            <a:p>
+              <a:pPr>
+                <a:lnSpc>
+                  <a:spcPct val="150000"/>
+                </a:lnSpc>
+              </a:pPr>
+              <a:r>
+                <a:rPr lang="zh-CN" altLang="en-US" sz="1400" dirty="0">
+                  <a:latin typeface="黑体" panose="02010609060101010101" pitchFamily="49" charset="-122"/>
+                  <a:ea typeface="黑体" panose="02010609060101010101" pitchFamily="49" charset="-122"/>
+                </a:rPr>
+                <a:t>形状</a:t>
+              </a:r>
+              <a:endParaRPr lang="en-US" altLang="zh-CN" sz="1400" dirty="0">
+                <a:latin typeface="黑体" panose="02010609060101010101" pitchFamily="49" charset="-122"/>
+                <a:ea typeface="黑体" panose="02010609060101010101" pitchFamily="49" charset="-122"/>
+              </a:endParaRPr>
+            </a:p>
+          </p:txBody>
+        </p:sp>
+      </p:grpSp>
+      <p:grpSp>
+        <p:nvGrpSpPr>
+          <p:cNvPr id="1065" name="组合 1064">
+            <a:extLst>
+              <a:ext uri="{FF2B5EF4-FFF2-40B4-BE49-F238E27FC236}">
+                <a16:creationId xmlns:a16="http://schemas.microsoft.com/office/drawing/2014/main" id="{DE068EAA-5B39-F9FC-84B9-078FC590D45A}"/>
+              </a:ext>
+            </a:extLst>
+          </p:cNvPr>
+          <p:cNvGrpSpPr/>
+          <p:nvPr/>
+        </p:nvGrpSpPr>
+        <p:grpSpPr>
+          <a:xfrm>
+            <a:off x="5986841" y="4600117"/>
+            <a:ext cx="5883713" cy="818996"/>
+            <a:chOff x="5986841" y="4600117"/>
+            <a:chExt cx="5883713" cy="818996"/>
+          </a:xfrm>
+        </p:grpSpPr>
+        <p:sp>
+          <p:nvSpPr>
+            <p:cNvPr id="1053" name="文本框 1052">
+              <a:extLst>
+                <a:ext uri="{FF2B5EF4-FFF2-40B4-BE49-F238E27FC236}">
+                  <a16:creationId xmlns:a16="http://schemas.microsoft.com/office/drawing/2014/main" id="{2CFEEDFB-EAA4-5ACB-FE8F-F76A72779CA9}"/>
+                </a:ext>
+              </a:extLst>
+            </p:cNvPr>
+            <p:cNvSpPr txBox="1"/>
+            <p:nvPr/>
+          </p:nvSpPr>
+          <p:spPr>
+            <a:xfrm>
+              <a:off x="7542543" y="4956688"/>
+              <a:ext cx="992579" cy="442878"/>
+            </a:xfrm>
+            <a:prstGeom prst="rect">
+              <a:avLst/>
+            </a:prstGeom>
+            <a:noFill/>
+          </p:spPr>
+          <p:txBody>
+            <a:bodyPr wrap="none" rtlCol="0">
+              <a:spAutoFit/>
+            </a:bodyPr>
+            <a:lstStyle/>
+            <a:p>
+              <a:pPr>
+                <a:lnSpc>
+                  <a:spcPct val="150000"/>
+                </a:lnSpc>
+              </a:pPr>
+              <a:r>
+                <a:rPr lang="en-US" altLang="zh-CN" dirty="0">
+                  <a:latin typeface="黑体" panose="02010609060101010101" pitchFamily="49" charset="-122"/>
+                  <a:ea typeface="黑体" panose="02010609060101010101" pitchFamily="49" charset="-122"/>
+                </a:rPr>
+                <a:t>784×50</a:t>
+              </a:r>
+            </a:p>
+          </p:txBody>
+        </p:sp>
+        <p:sp>
+          <p:nvSpPr>
+            <p:cNvPr id="1054" name="文本框 1053">
+              <a:extLst>
+                <a:ext uri="{FF2B5EF4-FFF2-40B4-BE49-F238E27FC236}">
+                  <a16:creationId xmlns:a16="http://schemas.microsoft.com/office/drawing/2014/main" id="{091DBDCA-0331-5E92-2207-3A721A2C58BA}"/>
+                </a:ext>
+              </a:extLst>
+            </p:cNvPr>
+            <p:cNvSpPr txBox="1"/>
+            <p:nvPr/>
+          </p:nvSpPr>
+          <p:spPr>
+            <a:xfrm>
+              <a:off x="8626491" y="4955687"/>
+              <a:ext cx="992579" cy="442878"/>
+            </a:xfrm>
+            <a:prstGeom prst="rect">
+              <a:avLst/>
+            </a:prstGeom>
+            <a:noFill/>
+          </p:spPr>
+          <p:txBody>
+            <a:bodyPr wrap="none" rtlCol="0">
+              <a:spAutoFit/>
+            </a:bodyPr>
+            <a:lstStyle/>
+            <a:p>
+              <a:pPr>
+                <a:lnSpc>
+                  <a:spcPct val="150000"/>
+                </a:lnSpc>
+              </a:pPr>
+              <a:r>
+                <a:rPr lang="en-US" altLang="zh-CN" dirty="0">
+                  <a:latin typeface="黑体" panose="02010609060101010101" pitchFamily="49" charset="-122"/>
+                  <a:ea typeface="黑体" panose="02010609060101010101" pitchFamily="49" charset="-122"/>
+                </a:rPr>
+                <a:t>50×128</a:t>
+              </a:r>
+            </a:p>
+          </p:txBody>
+        </p:sp>
+        <p:sp>
+          <p:nvSpPr>
+            <p:cNvPr id="1055" name="文本框 1054">
+              <a:extLst>
+                <a:ext uri="{FF2B5EF4-FFF2-40B4-BE49-F238E27FC236}">
+                  <a16:creationId xmlns:a16="http://schemas.microsoft.com/office/drawing/2014/main" id="{BBC2F320-518E-2E04-C321-98FF8EA0B3C9}"/>
+                </a:ext>
+              </a:extLst>
+            </p:cNvPr>
+            <p:cNvSpPr txBox="1"/>
+            <p:nvPr/>
+          </p:nvSpPr>
+          <p:spPr>
+            <a:xfrm>
+              <a:off x="10877975" y="4976235"/>
+              <a:ext cx="992579" cy="442878"/>
+            </a:xfrm>
+            <a:prstGeom prst="rect">
+              <a:avLst/>
+            </a:prstGeom>
+            <a:noFill/>
+          </p:spPr>
+          <p:txBody>
+            <a:bodyPr wrap="none" rtlCol="0">
+              <a:spAutoFit/>
+            </a:bodyPr>
+            <a:lstStyle/>
+            <a:p>
+              <a:pPr>
+                <a:lnSpc>
+                  <a:spcPct val="150000"/>
+                </a:lnSpc>
+              </a:pPr>
+              <a:r>
+                <a:rPr lang="en-US" altLang="zh-CN" b="1" dirty="0">
+                  <a:solidFill>
+                    <a:srgbClr val="C00000"/>
+                  </a:solidFill>
+                  <a:latin typeface="黑体" panose="02010609060101010101" pitchFamily="49" charset="-122"/>
+                  <a:ea typeface="黑体" panose="02010609060101010101" pitchFamily="49" charset="-122"/>
+                </a:rPr>
+                <a:t>100</a:t>
+              </a:r>
+              <a:r>
+                <a:rPr lang="en-US" altLang="zh-CN" dirty="0">
+                  <a:latin typeface="黑体" panose="02010609060101010101" pitchFamily="49" charset="-122"/>
+                  <a:ea typeface="黑体" panose="02010609060101010101" pitchFamily="49" charset="-122"/>
+                </a:rPr>
+                <a:t>×10</a:t>
+              </a:r>
+            </a:p>
+          </p:txBody>
+        </p:sp>
+        <p:sp>
+          <p:nvSpPr>
+            <p:cNvPr id="1056" name="文本框 1055">
+              <a:extLst>
+                <a:ext uri="{FF2B5EF4-FFF2-40B4-BE49-F238E27FC236}">
+                  <a16:creationId xmlns:a16="http://schemas.microsoft.com/office/drawing/2014/main" id="{7E0C67D1-BBC9-40A0-D18D-08F74EAD047B}"/>
+                </a:ext>
+              </a:extLst>
+            </p:cNvPr>
+            <p:cNvSpPr txBox="1"/>
+            <p:nvPr/>
+          </p:nvSpPr>
+          <p:spPr>
+            <a:xfrm>
+              <a:off x="7831083" y="4600117"/>
+              <a:ext cx="415498" cy="442878"/>
+            </a:xfrm>
+            <a:prstGeom prst="rect">
+              <a:avLst/>
+            </a:prstGeom>
+            <a:noFill/>
+          </p:spPr>
+          <p:txBody>
+            <a:bodyPr wrap="none" rtlCol="0">
+              <a:spAutoFit/>
+            </a:bodyPr>
+            <a:lstStyle/>
+            <a:p>
+              <a:pPr>
+                <a:lnSpc>
+                  <a:spcPct val="150000"/>
+                </a:lnSpc>
+              </a:pPr>
+              <a:r>
+                <a:rPr lang="en-US" altLang="zh-CN" b="1" dirty="0">
+                  <a:latin typeface="黑体" panose="02010609060101010101" pitchFamily="49" charset="-122"/>
+                  <a:ea typeface="黑体" panose="02010609060101010101" pitchFamily="49" charset="-122"/>
+                </a:rPr>
+                <a:t>W1</a:t>
+              </a:r>
+            </a:p>
+          </p:txBody>
+        </p:sp>
+        <p:sp>
+          <p:nvSpPr>
+            <p:cNvPr id="1057" name="文本框 1056">
+              <a:extLst>
+                <a:ext uri="{FF2B5EF4-FFF2-40B4-BE49-F238E27FC236}">
+                  <a16:creationId xmlns:a16="http://schemas.microsoft.com/office/drawing/2014/main" id="{B881A381-F03C-500C-D449-69F81C59C97E}"/>
+                </a:ext>
+              </a:extLst>
+            </p:cNvPr>
+            <p:cNvSpPr txBox="1"/>
+            <p:nvPr/>
+          </p:nvSpPr>
+          <p:spPr>
+            <a:xfrm>
+              <a:off x="11142379" y="4600117"/>
+              <a:ext cx="300082" cy="442878"/>
+            </a:xfrm>
+            <a:prstGeom prst="rect">
+              <a:avLst/>
+            </a:prstGeom>
+            <a:noFill/>
+          </p:spPr>
+          <p:txBody>
+            <a:bodyPr wrap="none" rtlCol="0">
+              <a:spAutoFit/>
+            </a:bodyPr>
+            <a:lstStyle/>
+            <a:p>
+              <a:pPr>
+                <a:lnSpc>
+                  <a:spcPct val="150000"/>
+                </a:lnSpc>
+              </a:pPr>
+              <a:r>
+                <a:rPr lang="en-US" altLang="zh-CN" b="1" dirty="0">
+                  <a:latin typeface="黑体" panose="02010609060101010101" pitchFamily="49" charset="-122"/>
+                  <a:ea typeface="黑体" panose="02010609060101010101" pitchFamily="49" charset="-122"/>
+                </a:rPr>
+                <a:t>Y</a:t>
+              </a:r>
+            </a:p>
+          </p:txBody>
+        </p:sp>
+        <p:sp>
+          <p:nvSpPr>
+            <p:cNvPr id="1058" name="文本框 1057">
+              <a:extLst>
+                <a:ext uri="{FF2B5EF4-FFF2-40B4-BE49-F238E27FC236}">
+                  <a16:creationId xmlns:a16="http://schemas.microsoft.com/office/drawing/2014/main" id="{91EFBD6E-761C-2E54-562D-38D7FECBAA03}"/>
+                </a:ext>
+              </a:extLst>
+            </p:cNvPr>
+            <p:cNvSpPr txBox="1"/>
+            <p:nvPr/>
+          </p:nvSpPr>
+          <p:spPr>
+            <a:xfrm>
+              <a:off x="10669173" y="4622245"/>
+              <a:ext cx="415498" cy="442878"/>
+            </a:xfrm>
+            <a:prstGeom prst="rect">
+              <a:avLst/>
+            </a:prstGeom>
+            <a:noFill/>
+          </p:spPr>
+          <p:txBody>
+            <a:bodyPr wrap="none" rtlCol="0">
+              <a:spAutoFit/>
+            </a:bodyPr>
+            <a:lstStyle/>
+            <a:p>
+              <a:pPr>
+                <a:lnSpc>
+                  <a:spcPct val="150000"/>
+                </a:lnSpc>
+              </a:pPr>
+              <a:r>
+                <a:rPr lang="zh-CN" altLang="en-US" b="1" dirty="0">
+                  <a:latin typeface="黑体" panose="02010609060101010101" pitchFamily="49" charset="-122"/>
+                  <a:ea typeface="黑体" panose="02010609060101010101" pitchFamily="49" charset="-122"/>
+                </a:rPr>
+                <a:t>→</a:t>
+              </a:r>
+              <a:endParaRPr lang="en-US" altLang="zh-CN" b="1" dirty="0">
+                <a:latin typeface="黑体" panose="02010609060101010101" pitchFamily="49" charset="-122"/>
+                <a:ea typeface="黑体" panose="02010609060101010101" pitchFamily="49" charset="-122"/>
+              </a:endParaRPr>
+            </a:p>
+          </p:txBody>
+        </p:sp>
+        <p:sp>
+          <p:nvSpPr>
+            <p:cNvPr id="1059" name="文本框 1058">
+              <a:extLst>
+                <a:ext uri="{FF2B5EF4-FFF2-40B4-BE49-F238E27FC236}">
+                  <a16:creationId xmlns:a16="http://schemas.microsoft.com/office/drawing/2014/main" id="{010F5BE5-163E-A358-183D-26EEE1AA4A51}"/>
+                </a:ext>
+              </a:extLst>
+            </p:cNvPr>
+            <p:cNvSpPr txBox="1"/>
+            <p:nvPr/>
+          </p:nvSpPr>
+          <p:spPr>
+            <a:xfrm>
+              <a:off x="9712182" y="4955687"/>
+              <a:ext cx="992579" cy="442878"/>
+            </a:xfrm>
+            <a:prstGeom prst="rect">
+              <a:avLst/>
+            </a:prstGeom>
+            <a:noFill/>
+          </p:spPr>
+          <p:txBody>
+            <a:bodyPr wrap="none" rtlCol="0">
+              <a:spAutoFit/>
+            </a:bodyPr>
+            <a:lstStyle/>
+            <a:p>
+              <a:pPr>
+                <a:lnSpc>
+                  <a:spcPct val="150000"/>
+                </a:lnSpc>
+              </a:pPr>
+              <a:r>
+                <a:rPr lang="en-US" altLang="zh-CN" dirty="0">
+                  <a:latin typeface="黑体" panose="02010609060101010101" pitchFamily="49" charset="-122"/>
+                  <a:ea typeface="黑体" panose="02010609060101010101" pitchFamily="49" charset="-122"/>
+                </a:rPr>
+                <a:t>128×10</a:t>
+              </a:r>
+            </a:p>
+          </p:txBody>
+        </p:sp>
+        <p:sp>
+          <p:nvSpPr>
+            <p:cNvPr id="1060" name="文本框 1059">
+              <a:extLst>
+                <a:ext uri="{FF2B5EF4-FFF2-40B4-BE49-F238E27FC236}">
+                  <a16:creationId xmlns:a16="http://schemas.microsoft.com/office/drawing/2014/main" id="{B78B1FCA-3F5E-AE48-DD59-49409B120EA9}"/>
+                </a:ext>
+              </a:extLst>
+            </p:cNvPr>
+            <p:cNvSpPr txBox="1"/>
+            <p:nvPr/>
+          </p:nvSpPr>
+          <p:spPr>
+            <a:xfrm>
+              <a:off x="6388683" y="4955687"/>
+              <a:ext cx="1107996" cy="442878"/>
+            </a:xfrm>
+            <a:prstGeom prst="rect">
+              <a:avLst/>
+            </a:prstGeom>
+            <a:noFill/>
+          </p:spPr>
+          <p:txBody>
+            <a:bodyPr wrap="none" rtlCol="0">
+              <a:spAutoFit/>
+            </a:bodyPr>
+            <a:lstStyle/>
+            <a:p>
+              <a:pPr>
+                <a:lnSpc>
+                  <a:spcPct val="150000"/>
+                </a:lnSpc>
+              </a:pPr>
+              <a:r>
+                <a:rPr lang="en-US" altLang="zh-CN" b="1" dirty="0">
+                  <a:solidFill>
+                    <a:srgbClr val="C00000"/>
+                  </a:solidFill>
+                  <a:latin typeface="黑体" panose="02010609060101010101" pitchFamily="49" charset="-122"/>
+                  <a:ea typeface="黑体" panose="02010609060101010101" pitchFamily="49" charset="-122"/>
+                </a:rPr>
+                <a:t>100</a:t>
+              </a:r>
+              <a:r>
+                <a:rPr lang="en-US" altLang="zh-CN" dirty="0">
+                  <a:latin typeface="黑体" panose="02010609060101010101" pitchFamily="49" charset="-122"/>
+                  <a:ea typeface="黑体" panose="02010609060101010101" pitchFamily="49" charset="-122"/>
+                </a:rPr>
+                <a:t>×784</a:t>
+              </a:r>
+            </a:p>
+          </p:txBody>
+        </p:sp>
+        <p:sp>
+          <p:nvSpPr>
+            <p:cNvPr id="1061" name="文本框 1060">
+              <a:extLst>
+                <a:ext uri="{FF2B5EF4-FFF2-40B4-BE49-F238E27FC236}">
+                  <a16:creationId xmlns:a16="http://schemas.microsoft.com/office/drawing/2014/main" id="{EA0A348B-2BF2-9A52-C068-FFD53D92F141}"/>
+                </a:ext>
+              </a:extLst>
+            </p:cNvPr>
+            <p:cNvSpPr txBox="1"/>
+            <p:nvPr/>
+          </p:nvSpPr>
+          <p:spPr>
+            <a:xfrm>
+              <a:off x="6795424" y="4622245"/>
+              <a:ext cx="300082" cy="442878"/>
+            </a:xfrm>
+            <a:prstGeom prst="rect">
+              <a:avLst/>
+            </a:prstGeom>
+            <a:noFill/>
+          </p:spPr>
+          <p:txBody>
+            <a:bodyPr wrap="none" rtlCol="0">
+              <a:spAutoFit/>
+            </a:bodyPr>
+            <a:lstStyle/>
+            <a:p>
+              <a:pPr>
+                <a:lnSpc>
+                  <a:spcPct val="150000"/>
+                </a:lnSpc>
+              </a:pPr>
+              <a:r>
+                <a:rPr lang="en-US" altLang="zh-CN" b="1" dirty="0">
+                  <a:latin typeface="黑体" panose="02010609060101010101" pitchFamily="49" charset="-122"/>
+                  <a:ea typeface="黑体" panose="02010609060101010101" pitchFamily="49" charset="-122"/>
+                </a:rPr>
+                <a:t>X</a:t>
+              </a:r>
+            </a:p>
+          </p:txBody>
+        </p:sp>
+        <p:sp>
+          <p:nvSpPr>
+            <p:cNvPr id="1062" name="文本框 1061">
+              <a:extLst>
+                <a:ext uri="{FF2B5EF4-FFF2-40B4-BE49-F238E27FC236}">
+                  <a16:creationId xmlns:a16="http://schemas.microsoft.com/office/drawing/2014/main" id="{C92F178C-05AA-558F-DCBA-D524576FB199}"/>
+                </a:ext>
+              </a:extLst>
+            </p:cNvPr>
+            <p:cNvSpPr txBox="1"/>
+            <p:nvPr/>
+          </p:nvSpPr>
+          <p:spPr>
+            <a:xfrm>
+              <a:off x="8840338" y="4622245"/>
+              <a:ext cx="415498" cy="442878"/>
+            </a:xfrm>
+            <a:prstGeom prst="rect">
+              <a:avLst/>
+            </a:prstGeom>
+            <a:noFill/>
+          </p:spPr>
+          <p:txBody>
+            <a:bodyPr wrap="none" rtlCol="0">
+              <a:spAutoFit/>
+            </a:bodyPr>
+            <a:lstStyle/>
+            <a:p>
+              <a:pPr>
+                <a:lnSpc>
+                  <a:spcPct val="150000"/>
+                </a:lnSpc>
+              </a:pPr>
+              <a:r>
+                <a:rPr lang="en-US" altLang="zh-CN" b="1" dirty="0">
+                  <a:latin typeface="黑体" panose="02010609060101010101" pitchFamily="49" charset="-122"/>
+                  <a:ea typeface="黑体" panose="02010609060101010101" pitchFamily="49" charset="-122"/>
+                </a:rPr>
+                <a:t>W2</a:t>
+              </a:r>
+            </a:p>
+          </p:txBody>
+        </p:sp>
+        <p:sp>
+          <p:nvSpPr>
+            <p:cNvPr id="1063" name="文本框 1062">
+              <a:extLst>
+                <a:ext uri="{FF2B5EF4-FFF2-40B4-BE49-F238E27FC236}">
+                  <a16:creationId xmlns:a16="http://schemas.microsoft.com/office/drawing/2014/main" id="{F94C54DB-7494-2DD2-104B-74FE8CC1AFCA}"/>
+                </a:ext>
+              </a:extLst>
+            </p:cNvPr>
+            <p:cNvSpPr txBox="1"/>
+            <p:nvPr/>
+          </p:nvSpPr>
+          <p:spPr>
+            <a:xfrm>
+              <a:off x="10001601" y="4622245"/>
+              <a:ext cx="415498" cy="442878"/>
+            </a:xfrm>
+            <a:prstGeom prst="rect">
+              <a:avLst/>
+            </a:prstGeom>
+            <a:noFill/>
+          </p:spPr>
+          <p:txBody>
+            <a:bodyPr wrap="none" rtlCol="0">
+              <a:spAutoFit/>
+            </a:bodyPr>
+            <a:lstStyle/>
+            <a:p>
+              <a:pPr>
+                <a:lnSpc>
+                  <a:spcPct val="150000"/>
+                </a:lnSpc>
+              </a:pPr>
+              <a:r>
+                <a:rPr lang="en-US" altLang="zh-CN" b="1" dirty="0">
+                  <a:latin typeface="黑体" panose="02010609060101010101" pitchFamily="49" charset="-122"/>
+                  <a:ea typeface="黑体" panose="02010609060101010101" pitchFamily="49" charset="-122"/>
+                </a:rPr>
+                <a:t>W3</a:t>
+              </a:r>
+            </a:p>
+          </p:txBody>
+        </p:sp>
+        <p:sp>
+          <p:nvSpPr>
+            <p:cNvPr id="1064" name="文本框 1063">
+              <a:extLst>
+                <a:ext uri="{FF2B5EF4-FFF2-40B4-BE49-F238E27FC236}">
+                  <a16:creationId xmlns:a16="http://schemas.microsoft.com/office/drawing/2014/main" id="{225DFF86-5C79-295A-7EF0-EEC35BE63C34}"/>
+                </a:ext>
+              </a:extLst>
+            </p:cNvPr>
+            <p:cNvSpPr txBox="1"/>
+            <p:nvPr/>
+          </p:nvSpPr>
+          <p:spPr>
+            <a:xfrm>
+              <a:off x="5986841" y="5015156"/>
+              <a:ext cx="543739" cy="365036"/>
+            </a:xfrm>
+            <a:prstGeom prst="rect">
+              <a:avLst/>
+            </a:prstGeom>
+            <a:noFill/>
+          </p:spPr>
+          <p:txBody>
+            <a:bodyPr wrap="none" rtlCol="0">
+              <a:spAutoFit/>
+            </a:bodyPr>
+            <a:lstStyle/>
+            <a:p>
+              <a:pPr>
+                <a:lnSpc>
+                  <a:spcPct val="150000"/>
+                </a:lnSpc>
+              </a:pPr>
+              <a:r>
+                <a:rPr lang="zh-CN" altLang="en-US" sz="1400" dirty="0">
+                  <a:latin typeface="黑体" panose="02010609060101010101" pitchFamily="49" charset="-122"/>
+                  <a:ea typeface="黑体" panose="02010609060101010101" pitchFamily="49" charset="-122"/>
+                </a:rPr>
+                <a:t>形状</a:t>
+              </a:r>
+              <a:endParaRPr lang="en-US" altLang="zh-CN" sz="1400" dirty="0">
+                <a:latin typeface="黑体" panose="02010609060101010101" pitchFamily="49" charset="-122"/>
+                <a:ea typeface="黑体" panose="02010609060101010101" pitchFamily="49" charset="-122"/>
+              </a:endParaRPr>
+            </a:p>
+          </p:txBody>
+        </p:sp>
+      </p:grpSp>
+    </p:spTree>
+    <p:extLst>
+      <p:ext uri="{BB962C8B-B14F-4D97-AF65-F5344CB8AC3E}">
+        <p14:creationId xmlns:p14="http://schemas.microsoft.com/office/powerpoint/2010/main" val="3552791411"/>
       </p:ext>
     </p:extLst>
   </p:cSld>
@@ -6568,8 +8916,8 @@
           </a:p>
         </p:txBody>
       </p:sp>
-      <mc:AlternateContent xmlns:mc="http://schemas.openxmlformats.org/markup-compatibility/2006">
-        <mc:Choice xmlns:a14="http://schemas.microsoft.com/office/drawing/2010/main" Requires="a14">
+      <mc:AlternateContent xmlns:mc="http://schemas.openxmlformats.org/markup-compatibility/2006" xmlns:a14="http://schemas.microsoft.com/office/drawing/2010/main">
+        <mc:Choice Requires="a14">
           <p:sp>
             <p:nvSpPr>
               <p:cNvPr id="21" name="文本框 20">
@@ -6598,6 +8946,7 @@
               </a:bodyPr>
               <a:lstStyle/>
               <a:p>
+                <a:pPr/>
                 <a14:m>
                   <m:oMathPara xmlns:m="http://schemas.openxmlformats.org/officeDocument/2006/math">
                     <m:oMathParaPr>
@@ -6697,7 +9046,7 @@
             </p:txBody>
           </p:sp>
         </mc:Choice>
-        <mc:Fallback>
+        <mc:Fallback xmlns="">
           <p:sp>
             <p:nvSpPr>
               <p:cNvPr id="21" name="文本框 20">
@@ -6742,8 +9091,8 @@
           </p:sp>
         </mc:Fallback>
       </mc:AlternateContent>
-      <mc:AlternateContent xmlns:mc="http://schemas.openxmlformats.org/markup-compatibility/2006">
-        <mc:Choice xmlns:a14="http://schemas.microsoft.com/office/drawing/2010/main" Requires="a14">
+      <mc:AlternateContent xmlns:mc="http://schemas.openxmlformats.org/markup-compatibility/2006" xmlns:a14="http://schemas.microsoft.com/office/drawing/2010/main">
+        <mc:Choice Requires="a14">
           <p:sp>
             <p:nvSpPr>
               <p:cNvPr id="22" name="文本框 21">
@@ -6772,6 +9121,7 @@
               </a:bodyPr>
               <a:lstStyle/>
               <a:p>
+                <a:pPr/>
                 <a14:m>
                   <m:oMathPara xmlns:m="http://schemas.openxmlformats.org/officeDocument/2006/math">
                     <m:oMathParaPr>
@@ -6888,7 +9238,7 @@
             </p:txBody>
           </p:sp>
         </mc:Choice>
-        <mc:Fallback>
+        <mc:Fallback xmlns="">
           <p:sp>
             <p:nvSpPr>
               <p:cNvPr id="22" name="文本框 21">
@@ -7099,8 +9449,8 @@
           </a:p>
         </p:txBody>
       </p:sp>
-      <mc:AlternateContent xmlns:mc="http://schemas.openxmlformats.org/markup-compatibility/2006">
-        <mc:Choice xmlns:a14="http://schemas.microsoft.com/office/drawing/2010/main" Requires="a14">
+      <mc:AlternateContent xmlns:mc="http://schemas.openxmlformats.org/markup-compatibility/2006" xmlns:a14="http://schemas.microsoft.com/office/drawing/2010/main">
+        <mc:Choice Requires="a14">
           <p:sp>
             <p:nvSpPr>
               <p:cNvPr id="5" name="文本框 4">
@@ -7129,6 +9479,7 @@
               </a:bodyPr>
               <a:lstStyle/>
               <a:p>
+                <a:pPr/>
                 <a14:m>
                   <m:oMathPara xmlns:m="http://schemas.openxmlformats.org/officeDocument/2006/math">
                     <m:oMathParaPr>
@@ -7321,13 +9672,7 @@
                                 <a:rPr lang="en-US" altLang="zh-CN" sz="2400" b="0" i="1" smtClean="0">
                                   <a:latin typeface="Cambria Math" panose="02040503050406030204" pitchFamily="18" charset="0"/>
                                 </a:rPr>
-                                <m:t>1</m:t>
-                              </m:r>
-                              <m:r>
-                                <a:rPr lang="en-US" altLang="zh-CN" sz="2400" b="0" i="1" smtClean="0">
-                                  <a:latin typeface="Cambria Math" panose="02040503050406030204" pitchFamily="18" charset="0"/>
-                                </a:rPr>
-                                <m:t>     (</m:t>
+                                <m:t>1     (</m:t>
                               </m:r>
                               <m:sSub>
                                 <m:sSubPr>
@@ -7463,13 +9808,7 @@
                                 <a:rPr lang="en-US" altLang="zh-CN" sz="2400" b="0" i="1" smtClean="0">
                                   <a:latin typeface="Cambria Math" panose="02040503050406030204" pitchFamily="18" charset="0"/>
                                 </a:rPr>
-                                <m:t>&gt;0</m:t>
-                              </m:r>
-                              <m:r>
-                                <a:rPr lang="en-US" altLang="zh-CN" sz="2400" b="0" i="1" smtClean="0">
-                                  <a:latin typeface="Cambria Math" panose="02040503050406030204" pitchFamily="18" charset="0"/>
-                                </a:rPr>
-                                <m:t>)</m:t>
+                                <m:t>&gt;0)</m:t>
                               </m:r>
                             </m:e>
                           </m:eqArr>
@@ -7483,7 +9822,7 @@
             </p:txBody>
           </p:sp>
         </mc:Choice>
-        <mc:Fallback>
+        <mc:Fallback xmlns="">
           <p:sp>
             <p:nvSpPr>
               <p:cNvPr id="5" name="文本框 4">
@@ -14326,8 +16665,8 @@
           </a:p>
         </p:txBody>
       </p:sp>
-      <mc:AlternateContent xmlns:mc="http://schemas.openxmlformats.org/markup-compatibility/2006">
-        <mc:Choice xmlns:a14="http://schemas.microsoft.com/office/drawing/2010/main" Requires="a14">
+      <mc:AlternateContent xmlns:mc="http://schemas.openxmlformats.org/markup-compatibility/2006" xmlns:a14="http://schemas.microsoft.com/office/drawing/2010/main">
+        <mc:Choice Requires="a14">
           <p:sp>
             <p:nvSpPr>
               <p:cNvPr id="2" name="文本框 1">
@@ -14356,6 +16695,7 @@
               </a:bodyPr>
               <a:lstStyle/>
               <a:p>
+                <a:pPr/>
                 <a14:m>
                   <m:oMathPara xmlns:m="http://schemas.openxmlformats.org/officeDocument/2006/math">
                     <m:oMathParaPr>
@@ -14585,7 +16925,7 @@
             </p:txBody>
           </p:sp>
         </mc:Choice>
-        <mc:Fallback>
+        <mc:Fallback xmlns="">
           <p:sp>
             <p:nvSpPr>
               <p:cNvPr id="2" name="文本框 1">
@@ -15404,15 +17744,7 @@
           <a:p>
             <a:r>
               <a:rPr lang="zh-CN" altLang="en-US" sz="2400" b="1" dirty="0"/>
-              <a:t>激活函数（</a:t>
-            </a:r>
-            <a:r>
-              <a:rPr lang="en-US" altLang="zh-CN" sz="2400" b="1" dirty="0"/>
-              <a:t>1</a:t>
-            </a:r>
-            <a:r>
-              <a:rPr lang="zh-CN" altLang="en-US" sz="2400" b="1" dirty="0"/>
-              <a:t>）</a:t>
+              <a:t>激活函数</a:t>
             </a:r>
             <a:endParaRPr lang="en-US" altLang="zh-CN" sz="2400" b="1" dirty="0"/>
           </a:p>
@@ -15471,8 +17803,8 @@
           </a:p>
         </p:txBody>
       </p:sp>
-      <mc:AlternateContent xmlns:mc="http://schemas.openxmlformats.org/markup-compatibility/2006">
-        <mc:Choice xmlns:a14="http://schemas.microsoft.com/office/drawing/2010/main" Requires="a14">
+      <mc:AlternateContent xmlns:mc="http://schemas.openxmlformats.org/markup-compatibility/2006" xmlns:a14="http://schemas.microsoft.com/office/drawing/2010/main">
+        <mc:Choice Requires="a14">
           <p:sp>
             <p:nvSpPr>
               <p:cNvPr id="5" name="文本框 4">
@@ -15501,6 +17833,7 @@
               </a:bodyPr>
               <a:lstStyle/>
               <a:p>
+                <a:pPr/>
                 <a14:m>
                   <m:oMathPara xmlns:m="http://schemas.openxmlformats.org/officeDocument/2006/math">
                     <m:oMathParaPr>
@@ -15578,13 +17911,7 @@
                                 <a:rPr lang="en-US" altLang="zh-CN" sz="2400" b="0" i="1" smtClean="0">
                                   <a:latin typeface="Cambria Math" panose="02040503050406030204" pitchFamily="18" charset="0"/>
                                 </a:rPr>
-                                <m:t>0</m:t>
-                              </m:r>
-                              <m:r>
-                                <a:rPr lang="en-US" altLang="zh-CN" sz="2400" b="0" i="1" smtClean="0">
-                                  <a:latin typeface="Cambria Math" panose="02040503050406030204" pitchFamily="18" charset="0"/>
-                                </a:rPr>
-                                <m:t>     (</m:t>
+                                <m:t>0     (</m:t>
                               </m:r>
                               <m:r>
                                 <a:rPr lang="en-US" altLang="zh-CN" sz="2400" b="0" i="1" smtClean="0">
@@ -15610,7 +17937,7 @@
             </p:txBody>
           </p:sp>
         </mc:Choice>
-        <mc:Fallback>
+        <mc:Fallback xmlns="">
           <p:sp>
             <p:nvSpPr>
               <p:cNvPr id="5" name="文本框 4">
@@ -15695,8 +18022,8 @@
           </a:p>
         </p:txBody>
       </p:sp>
-      <mc:AlternateContent xmlns:mc="http://schemas.openxmlformats.org/markup-compatibility/2006">
-        <mc:Choice xmlns:a14="http://schemas.microsoft.com/office/drawing/2010/main" Requires="a14">
+      <mc:AlternateContent xmlns:mc="http://schemas.openxmlformats.org/markup-compatibility/2006" xmlns:a14="http://schemas.microsoft.com/office/drawing/2010/main">
+        <mc:Choice Requires="a14">
           <p:sp>
             <p:nvSpPr>
               <p:cNvPr id="7" name="文本框 6">
@@ -15725,6 +18052,7 @@
               </a:bodyPr>
               <a:lstStyle/>
               <a:p>
+                <a:pPr/>
                 <a14:m>
                   <m:oMathPara xmlns:m="http://schemas.openxmlformats.org/officeDocument/2006/math">
                     <m:oMathParaPr>
@@ -15831,7 +18159,7 @@
             </p:txBody>
           </p:sp>
         </mc:Choice>
-        <mc:Fallback>
+        <mc:Fallback xmlns="">
           <p:sp>
             <p:nvSpPr>
               <p:cNvPr id="7" name="文本框 6">
@@ -15932,8 +18260,8 @@
           </a:p>
         </p:txBody>
       </p:sp>
-      <mc:AlternateContent xmlns:mc="http://schemas.openxmlformats.org/markup-compatibility/2006">
-        <mc:Choice xmlns:a14="http://schemas.microsoft.com/office/drawing/2010/main" Requires="a14">
+      <mc:AlternateContent xmlns:mc="http://schemas.openxmlformats.org/markup-compatibility/2006" xmlns:a14="http://schemas.microsoft.com/office/drawing/2010/main">
+        <mc:Choice Requires="a14">
           <p:sp>
             <p:nvSpPr>
               <p:cNvPr id="10" name="文本框 9">
@@ -15962,6 +18290,7 @@
               </a:bodyPr>
               <a:lstStyle/>
               <a:p>
+                <a:pPr/>
                 <a14:m>
                   <m:oMathPara xmlns:m="http://schemas.openxmlformats.org/officeDocument/2006/math">
                     <m:oMathParaPr>
@@ -16048,13 +18377,7 @@
                                 <a:rPr lang="en-US" altLang="zh-CN" sz="2400" b="0" i="1" smtClean="0">
                                   <a:latin typeface="Cambria Math" panose="02040503050406030204" pitchFamily="18" charset="0"/>
                                 </a:rPr>
-                                <m:t>0</m:t>
-                              </m:r>
-                              <m:r>
-                                <a:rPr lang="en-US" altLang="zh-CN" sz="2400" b="0" i="1" smtClean="0">
-                                  <a:latin typeface="Cambria Math" panose="02040503050406030204" pitchFamily="18" charset="0"/>
-                                </a:rPr>
-                                <m:t>     (</m:t>
+                                <m:t>0     (</m:t>
                               </m:r>
                               <m:r>
                                 <a:rPr lang="en-US" altLang="zh-CN" sz="2400" b="0" i="1" smtClean="0">
@@ -16080,7 +18403,7 @@
             </p:txBody>
           </p:sp>
         </mc:Choice>
-        <mc:Fallback>
+        <mc:Fallback xmlns="">
           <p:sp>
             <p:nvSpPr>
               <p:cNvPr id="10" name="文本框 9">
@@ -16159,6 +18482,5144 @@
     <p:extLst>
       <p:ext uri="{BB962C8B-B14F-4D97-AF65-F5344CB8AC3E}">
         <p14:creationId xmlns:p14="http://schemas.microsoft.com/office/powerpoint/2010/main" val="3492192197"/>
+      </p:ext>
+    </p:extLst>
+  </p:cSld>
+  <p:clrMapOvr>
+    <a:masterClrMapping/>
+  </p:clrMapOvr>
+</p:sld>
+</file>
+
+<file path=ppt/slides/slide8.xml><?xml version="1.0" encoding="utf-8"?>
+<p:sld xmlns:a="http://schemas.openxmlformats.org/drawingml/2006/main" xmlns:r="http://schemas.openxmlformats.org/officeDocument/2006/relationships" xmlns:p="http://schemas.openxmlformats.org/presentationml/2006/main">
+  <p:cSld>
+    <p:spTree>
+      <p:nvGrpSpPr>
+        <p:cNvPr id="1" name=""/>
+        <p:cNvGrpSpPr/>
+        <p:nvPr/>
+      </p:nvGrpSpPr>
+      <p:grpSpPr>
+        <a:xfrm>
+          <a:off x="0" y="0"/>
+          <a:ext cx="0" cy="0"/>
+          <a:chOff x="0" y="0"/>
+          <a:chExt cx="0" cy="0"/>
+        </a:xfrm>
+      </p:grpSpPr>
+      <p:sp>
+        <p:nvSpPr>
+          <p:cNvPr id="19" name="文本框 18">
+            <a:extLst>
+              <a:ext uri="{FF2B5EF4-FFF2-40B4-BE49-F238E27FC236}">
+                <a16:creationId xmlns:a16="http://schemas.microsoft.com/office/drawing/2014/main" id="{1C62A262-468B-9C81-5CFF-128DD20234F1}"/>
+              </a:ext>
+            </a:extLst>
+          </p:cNvPr>
+          <p:cNvSpPr txBox="1"/>
+          <p:nvPr/>
+        </p:nvSpPr>
+        <p:spPr>
+          <a:xfrm>
+            <a:off x="780438" y="313848"/>
+            <a:ext cx="6097464" cy="461665"/>
+          </a:xfrm>
+          <a:prstGeom prst="rect">
+            <a:avLst/>
+          </a:prstGeom>
+          <a:noFill/>
+        </p:spPr>
+        <p:txBody>
+          <a:bodyPr wrap="square">
+            <a:spAutoFit/>
+          </a:bodyPr>
+          <a:lstStyle/>
+          <a:p>
+            <a:r>
+              <a:rPr lang="zh-CN" altLang="en-US" sz="2400" b="1" dirty="0"/>
+              <a:t>多维数组的运算</a:t>
+            </a:r>
+            <a:endParaRPr lang="en-US" altLang="zh-CN" sz="2400" b="1" dirty="0"/>
+          </a:p>
+        </p:txBody>
+      </p:sp>
+      <p:sp>
+        <p:nvSpPr>
+          <p:cNvPr id="2" name="文本框 1">
+            <a:extLst>
+              <a:ext uri="{FF2B5EF4-FFF2-40B4-BE49-F238E27FC236}">
+                <a16:creationId xmlns:a16="http://schemas.microsoft.com/office/drawing/2014/main" id="{88B8BD40-63F6-B571-4158-8E029C7F0486}"/>
+              </a:ext>
+            </a:extLst>
+          </p:cNvPr>
+          <p:cNvSpPr txBox="1"/>
+          <p:nvPr/>
+        </p:nvSpPr>
+        <p:spPr>
+          <a:xfrm>
+            <a:off x="780438" y="916061"/>
+            <a:ext cx="9629559" cy="465640"/>
+          </a:xfrm>
+          <a:prstGeom prst="rect">
+            <a:avLst/>
+          </a:prstGeom>
+          <a:noFill/>
+        </p:spPr>
+        <p:txBody>
+          <a:bodyPr wrap="none" rtlCol="0">
+            <a:spAutoFit/>
+          </a:bodyPr>
+          <a:lstStyle/>
+          <a:p>
+            <a:pPr>
+              <a:lnSpc>
+                <a:spcPct val="150000"/>
+              </a:lnSpc>
+            </a:pPr>
+            <a:r>
+              <a:rPr lang="zh-CN" altLang="en-US" dirty="0"/>
+              <a:t>如下所示为</a:t>
+            </a:r>
+            <a:r>
+              <a:rPr lang="en-US" altLang="zh-CN" dirty="0"/>
+              <a:t>2×2</a:t>
+            </a:r>
+            <a:r>
+              <a:rPr lang="zh-CN" altLang="en-US" dirty="0"/>
+              <a:t>矩阵的乘积运算，乘积运算中操作数（</a:t>
+            </a:r>
+            <a:r>
+              <a:rPr lang="en-US" altLang="zh-CN" dirty="0"/>
+              <a:t>A</a:t>
+            </a:r>
+            <a:r>
+              <a:rPr lang="zh-CN" altLang="en-US" dirty="0"/>
+              <a:t>，</a:t>
+            </a:r>
+            <a:r>
+              <a:rPr lang="en-US" altLang="zh-CN" dirty="0"/>
+              <a:t>B</a:t>
+            </a:r>
+            <a:r>
+              <a:rPr lang="zh-CN" altLang="en-US" dirty="0"/>
+              <a:t>）的顺序不同，计算结果也不同。</a:t>
+            </a:r>
+            <a:endParaRPr lang="en-US" altLang="zh-CN" dirty="0"/>
+          </a:p>
+        </p:txBody>
+      </p:sp>
+      <p:grpSp>
+        <p:nvGrpSpPr>
+          <p:cNvPr id="37" name="组合 36">
+            <a:extLst>
+              <a:ext uri="{FF2B5EF4-FFF2-40B4-BE49-F238E27FC236}">
+                <a16:creationId xmlns:a16="http://schemas.microsoft.com/office/drawing/2014/main" id="{E16F7DC8-BDC2-92D6-1CEA-0C54CE413575}"/>
+              </a:ext>
+            </a:extLst>
+          </p:cNvPr>
+          <p:cNvGrpSpPr/>
+          <p:nvPr/>
+        </p:nvGrpSpPr>
+        <p:grpSpPr>
+          <a:xfrm>
+            <a:off x="3108080" y="1530393"/>
+            <a:ext cx="4348306" cy="2009864"/>
+            <a:chOff x="3108080" y="1530393"/>
+            <a:chExt cx="4348306" cy="2009864"/>
+          </a:xfrm>
+        </p:grpSpPr>
+        <mc:AlternateContent xmlns:mc="http://schemas.openxmlformats.org/markup-compatibility/2006">
+          <mc:Choice xmlns:a14="http://schemas.microsoft.com/office/drawing/2010/main" Requires="a14">
+            <p:sp>
+              <p:nvSpPr>
+                <p:cNvPr id="3" name="文本框 2">
+                  <a:extLst>
+                    <a:ext uri="{FF2B5EF4-FFF2-40B4-BE49-F238E27FC236}">
+                      <a16:creationId xmlns:a16="http://schemas.microsoft.com/office/drawing/2014/main" id="{34BFB23C-E05D-4964-4AD4-63ADEEBF25F2}"/>
+                    </a:ext>
+                  </a:extLst>
+                </p:cNvPr>
+                <p:cNvSpPr txBox="1"/>
+                <p:nvPr/>
+              </p:nvSpPr>
+              <p:spPr>
+                <a:xfrm>
+                  <a:off x="3108080" y="2171700"/>
+                  <a:ext cx="4348306" cy="727250"/>
+                </a:xfrm>
+                <a:prstGeom prst="rect">
+                  <a:avLst/>
+                </a:prstGeom>
+                <a:noFill/>
+              </p:spPr>
+              <p:txBody>
+                <a:bodyPr wrap="none" lIns="0" tIns="0" rIns="0" bIns="0" rtlCol="0">
+                  <a:spAutoFit/>
+                </a:bodyPr>
+                <a:lstStyle/>
+                <a:p>
+                  <a14:m>
+                    <m:oMathPara xmlns:m="http://schemas.openxmlformats.org/officeDocument/2006/math">
+                      <m:oMathParaPr>
+                        <m:jc m:val="centerGroup"/>
+                      </m:oMathParaPr>
+                      <m:oMath xmlns:m="http://schemas.openxmlformats.org/officeDocument/2006/math">
+                        <m:d>
+                          <m:dPr>
+                            <m:ctrlPr>
+                              <a:rPr lang="en-US" altLang="zh-CN" sz="2800" i="1" smtClean="0">
+                                <a:latin typeface="Cambria Math" panose="02040503050406030204" pitchFamily="18" charset="0"/>
+                              </a:rPr>
+                            </m:ctrlPr>
+                          </m:dPr>
+                          <m:e>
+                            <m:m>
+                              <m:mPr>
+                                <m:mcs>
+                                  <m:mc>
+                                    <m:mcPr>
+                                      <m:count m:val="2"/>
+                                      <m:mcJc m:val="center"/>
+                                    </m:mcPr>
+                                  </m:mc>
+                                </m:mcs>
+                                <m:ctrlPr>
+                                  <a:rPr lang="en-US" altLang="zh-CN" sz="2800" i="1">
+                                    <a:latin typeface="Cambria Math" panose="02040503050406030204" pitchFamily="18" charset="0"/>
+                                  </a:rPr>
+                                </m:ctrlPr>
+                              </m:mPr>
+                              <m:mr>
+                                <m:e>
+                                  <m:r>
+                                    <m:rPr>
+                                      <m:brk m:alnAt="7"/>
+                                    </m:rPr>
+                                    <a:rPr lang="en-US" altLang="zh-CN" sz="2800" i="1">
+                                      <a:latin typeface="Cambria Math" panose="02040503050406030204" pitchFamily="18" charset="0"/>
+                                    </a:rPr>
+                                    <m:t>1</m:t>
+                                  </m:r>
+                                </m:e>
+                                <m:e>
+                                  <m:r>
+                                    <a:rPr lang="en-US" altLang="zh-CN" sz="2800" i="1">
+                                      <a:latin typeface="Cambria Math" panose="02040503050406030204" pitchFamily="18" charset="0"/>
+                                    </a:rPr>
+                                    <m:t>2</m:t>
+                                  </m:r>
+                                </m:e>
+                              </m:mr>
+                              <m:mr>
+                                <m:e>
+                                  <m:r>
+                                    <a:rPr lang="en-US" altLang="zh-CN" sz="2800" i="1">
+                                      <a:latin typeface="Cambria Math" panose="02040503050406030204" pitchFamily="18" charset="0"/>
+                                    </a:rPr>
+                                    <m:t>3</m:t>
+                                  </m:r>
+                                </m:e>
+                                <m:e>
+                                  <m:r>
+                                    <a:rPr lang="en-US" altLang="zh-CN" sz="2800" i="1">
+                                      <a:latin typeface="Cambria Math" panose="02040503050406030204" pitchFamily="18" charset="0"/>
+                                    </a:rPr>
+                                    <m:t>4</m:t>
+                                  </m:r>
+                                </m:e>
+                              </m:mr>
+                            </m:m>
+                          </m:e>
+                        </m:d>
+                        <m:d>
+                          <m:dPr>
+                            <m:ctrlPr>
+                              <a:rPr lang="en-US" altLang="zh-CN" sz="2800" i="1" smtClean="0">
+                                <a:latin typeface="Cambria Math" panose="02040503050406030204" pitchFamily="18" charset="0"/>
+                              </a:rPr>
+                            </m:ctrlPr>
+                          </m:dPr>
+                          <m:e>
+                            <m:m>
+                              <m:mPr>
+                                <m:mcs>
+                                  <m:mc>
+                                    <m:mcPr>
+                                      <m:count m:val="2"/>
+                                      <m:mcJc m:val="center"/>
+                                    </m:mcPr>
+                                  </m:mc>
+                                </m:mcs>
+                                <m:ctrlPr>
+                                  <a:rPr lang="en-US" altLang="zh-CN" sz="2800" i="1" smtClean="0">
+                                    <a:latin typeface="Cambria Math" panose="02040503050406030204" pitchFamily="18" charset="0"/>
+                                  </a:rPr>
+                                </m:ctrlPr>
+                              </m:mPr>
+                              <m:mr>
+                                <m:e>
+                                  <m:r>
+                                    <m:rPr>
+                                      <m:brk m:alnAt="7"/>
+                                    </m:rPr>
+                                    <a:rPr lang="en-US" altLang="zh-CN" sz="2800" b="0" i="1" smtClean="0">
+                                      <a:latin typeface="Cambria Math" panose="02040503050406030204" pitchFamily="18" charset="0"/>
+                                    </a:rPr>
+                                    <m:t>5</m:t>
+                                  </m:r>
+                                </m:e>
+                                <m:e>
+                                  <m:r>
+                                    <a:rPr lang="en-US" altLang="zh-CN" sz="2800" b="0" i="1" smtClean="0">
+                                      <a:latin typeface="Cambria Math" panose="02040503050406030204" pitchFamily="18" charset="0"/>
+                                    </a:rPr>
+                                    <m:t>6</m:t>
+                                  </m:r>
+                                </m:e>
+                              </m:mr>
+                              <m:mr>
+                                <m:e>
+                                  <m:r>
+                                    <a:rPr lang="en-US" altLang="zh-CN" sz="2800" b="0" i="1" smtClean="0">
+                                      <a:latin typeface="Cambria Math" panose="02040503050406030204" pitchFamily="18" charset="0"/>
+                                    </a:rPr>
+                                    <m:t>7</m:t>
+                                  </m:r>
+                                </m:e>
+                                <m:e>
+                                  <m:r>
+                                    <a:rPr lang="en-US" altLang="zh-CN" sz="2800" b="0" i="1" smtClean="0">
+                                      <a:latin typeface="Cambria Math" panose="02040503050406030204" pitchFamily="18" charset="0"/>
+                                    </a:rPr>
+                                    <m:t>8</m:t>
+                                  </m:r>
+                                </m:e>
+                              </m:mr>
+                            </m:m>
+                          </m:e>
+                        </m:d>
+                        <m:r>
+                          <a:rPr lang="en-US" altLang="zh-CN" sz="2800" i="1">
+                            <a:latin typeface="Cambria Math" panose="02040503050406030204" pitchFamily="18" charset="0"/>
+                          </a:rPr>
+                          <m:t>=</m:t>
+                        </m:r>
+                        <m:d>
+                          <m:dPr>
+                            <m:ctrlPr>
+                              <a:rPr lang="en-US" altLang="zh-CN" sz="2800" i="1" smtClean="0">
+                                <a:latin typeface="Cambria Math" panose="02040503050406030204" pitchFamily="18" charset="0"/>
+                              </a:rPr>
+                            </m:ctrlPr>
+                          </m:dPr>
+                          <m:e>
+                            <m:m>
+                              <m:mPr>
+                                <m:mcs>
+                                  <m:mc>
+                                    <m:mcPr>
+                                      <m:count m:val="2"/>
+                                      <m:mcJc m:val="center"/>
+                                    </m:mcPr>
+                                  </m:mc>
+                                </m:mcs>
+                                <m:ctrlPr>
+                                  <a:rPr lang="en-US" altLang="zh-CN" sz="2800" i="1">
+                                    <a:latin typeface="Cambria Math" panose="02040503050406030204" pitchFamily="18" charset="0"/>
+                                  </a:rPr>
+                                </m:ctrlPr>
+                              </m:mPr>
+                              <m:mr>
+                                <m:e>
+                                  <m:r>
+                                    <m:rPr>
+                                      <m:brk m:alnAt="7"/>
+                                    </m:rPr>
+                                    <a:rPr lang="en-US" altLang="zh-CN" sz="2800" b="0" i="1" smtClean="0">
+                                      <a:latin typeface="Cambria Math" panose="02040503050406030204" pitchFamily="18" charset="0"/>
+                                    </a:rPr>
+                                    <m:t>19</m:t>
+                                  </m:r>
+                                </m:e>
+                                <m:e>
+                                  <m:r>
+                                    <a:rPr lang="en-US" altLang="zh-CN" sz="2800" b="0" i="1" smtClean="0">
+                                      <a:latin typeface="Cambria Math" panose="02040503050406030204" pitchFamily="18" charset="0"/>
+                                    </a:rPr>
+                                    <m:t>22</m:t>
+                                  </m:r>
+                                </m:e>
+                              </m:mr>
+                              <m:mr>
+                                <m:e>
+                                  <m:r>
+                                    <a:rPr lang="en-US" altLang="zh-CN" sz="2800" b="0" i="1" smtClean="0">
+                                      <a:latin typeface="Cambria Math" panose="02040503050406030204" pitchFamily="18" charset="0"/>
+                                    </a:rPr>
+                                    <m:t>43</m:t>
+                                  </m:r>
+                                </m:e>
+                                <m:e>
+                                  <m:r>
+                                    <a:rPr lang="en-US" altLang="zh-CN" sz="2800" b="0" i="1" smtClean="0">
+                                      <a:latin typeface="Cambria Math" panose="02040503050406030204" pitchFamily="18" charset="0"/>
+                                    </a:rPr>
+                                    <m:t>50</m:t>
+                                  </m:r>
+                                </m:e>
+                              </m:mr>
+                            </m:m>
+                          </m:e>
+                        </m:d>
+                      </m:oMath>
+                    </m:oMathPara>
+                  </a14:m>
+                  <a:endParaRPr lang="zh-CN" altLang="en-US" dirty="0"/>
+                </a:p>
+              </p:txBody>
+            </p:sp>
+          </mc:Choice>
+          <mc:Fallback>
+            <p:sp>
+              <p:nvSpPr>
+                <p:cNvPr id="3" name="文本框 2">
+                  <a:extLst>
+                    <a:ext uri="{FF2B5EF4-FFF2-40B4-BE49-F238E27FC236}">
+                      <a16:creationId xmlns:a16="http://schemas.microsoft.com/office/drawing/2014/main" id="{34BFB23C-E05D-4964-4AD4-63ADEEBF25F2}"/>
+                    </a:ext>
+                  </a:extLst>
+                </p:cNvPr>
+                <p:cNvSpPr txBox="1">
+                  <a:spLocks noRot="1" noChangeAspect="1" noMove="1" noResize="1" noEditPoints="1" noAdjustHandles="1" noChangeArrowheads="1" noChangeShapeType="1" noTextEdit="1"/>
+                </p:cNvSpPr>
+                <p:nvPr/>
+              </p:nvSpPr>
+              <p:spPr>
+                <a:xfrm>
+                  <a:off x="3108080" y="2171700"/>
+                  <a:ext cx="4348306" cy="727250"/>
+                </a:xfrm>
+                <a:prstGeom prst="rect">
+                  <a:avLst/>
+                </a:prstGeom>
+                <a:blipFill>
+                  <a:blip r:embed="rId3"/>
+                  <a:stretch>
+                    <a:fillRect/>
+                  </a:stretch>
+                </a:blipFill>
+              </p:spPr>
+              <p:txBody>
+                <a:bodyPr/>
+                <a:lstStyle/>
+                <a:p>
+                  <a:r>
+                    <a:rPr lang="zh-CN" altLang="en-US">
+                      <a:noFill/>
+                    </a:rPr>
+                    <a:t> </a:t>
+                  </a:r>
+                </a:p>
+              </p:txBody>
+            </p:sp>
+          </mc:Fallback>
+        </mc:AlternateContent>
+        <p:sp>
+          <p:nvSpPr>
+            <p:cNvPr id="8" name="矩形 7">
+              <a:extLst>
+                <a:ext uri="{FF2B5EF4-FFF2-40B4-BE49-F238E27FC236}">
+                  <a16:creationId xmlns:a16="http://schemas.microsoft.com/office/drawing/2014/main" id="{8B6329DF-24FD-CED9-9C00-EFD618D14ED9}"/>
+                </a:ext>
+              </a:extLst>
+            </p:cNvPr>
+            <p:cNvSpPr/>
+            <p:nvPr/>
+          </p:nvSpPr>
+          <p:spPr>
+            <a:xfrm>
+              <a:off x="4466492" y="2139671"/>
+              <a:ext cx="290145" cy="791308"/>
+            </a:xfrm>
+            <a:prstGeom prst="rect">
+              <a:avLst/>
+            </a:prstGeom>
+            <a:noFill/>
+            <a:ln w="19050"/>
+          </p:spPr>
+          <p:style>
+            <a:lnRef idx="2">
+              <a:schemeClr val="dk1"/>
+            </a:lnRef>
+            <a:fillRef idx="1">
+              <a:schemeClr val="lt1"/>
+            </a:fillRef>
+            <a:effectRef idx="0">
+              <a:schemeClr val="dk1"/>
+            </a:effectRef>
+            <a:fontRef idx="minor">
+              <a:schemeClr val="dk1"/>
+            </a:fontRef>
+          </p:style>
+          <p:txBody>
+            <a:bodyPr rtlCol="0" anchor="ctr"/>
+            <a:lstStyle/>
+            <a:p>
+              <a:pPr algn="ctr"/>
+              <a:endParaRPr lang="zh-CN" altLang="en-US"/>
+            </a:p>
+          </p:txBody>
+        </p:sp>
+        <p:sp>
+          <p:nvSpPr>
+            <p:cNvPr id="11" name="矩形 10">
+              <a:extLst>
+                <a:ext uri="{FF2B5EF4-FFF2-40B4-BE49-F238E27FC236}">
+                  <a16:creationId xmlns:a16="http://schemas.microsoft.com/office/drawing/2014/main" id="{769E2E9E-EA0B-02E5-2BB9-0C3FF524BC5B}"/>
+                </a:ext>
+              </a:extLst>
+            </p:cNvPr>
+            <p:cNvSpPr/>
+            <p:nvPr/>
+          </p:nvSpPr>
+          <p:spPr>
+            <a:xfrm>
+              <a:off x="3253155" y="2210011"/>
+              <a:ext cx="940776" cy="290146"/>
+            </a:xfrm>
+            <a:prstGeom prst="rect">
+              <a:avLst/>
+            </a:prstGeom>
+            <a:noFill/>
+            <a:ln w="19050"/>
+          </p:spPr>
+          <p:style>
+            <a:lnRef idx="2">
+              <a:schemeClr val="dk1"/>
+            </a:lnRef>
+            <a:fillRef idx="1">
+              <a:schemeClr val="lt1"/>
+            </a:fillRef>
+            <a:effectRef idx="0">
+              <a:schemeClr val="dk1"/>
+            </a:effectRef>
+            <a:fontRef idx="minor">
+              <a:schemeClr val="dk1"/>
+            </a:fontRef>
+          </p:style>
+          <p:txBody>
+            <a:bodyPr rtlCol="0" anchor="ctr"/>
+            <a:lstStyle/>
+            <a:p>
+              <a:pPr algn="ctr"/>
+              <a:endParaRPr lang="zh-CN" altLang="en-US"/>
+            </a:p>
+          </p:txBody>
+        </p:sp>
+        <p:sp>
+          <p:nvSpPr>
+            <p:cNvPr id="12" name="矩形 11">
+              <a:extLst>
+                <a:ext uri="{FF2B5EF4-FFF2-40B4-BE49-F238E27FC236}">
+                  <a16:creationId xmlns:a16="http://schemas.microsoft.com/office/drawing/2014/main" id="{774F77CC-AD7D-2FB2-5F9C-66D0F8A11731}"/>
+                </a:ext>
+              </a:extLst>
+            </p:cNvPr>
+            <p:cNvSpPr/>
+            <p:nvPr/>
+          </p:nvSpPr>
+          <p:spPr>
+            <a:xfrm>
+              <a:off x="3253155" y="2610374"/>
+              <a:ext cx="940776" cy="290146"/>
+            </a:xfrm>
+            <a:prstGeom prst="rect">
+              <a:avLst/>
+            </a:prstGeom>
+            <a:noFill/>
+            <a:ln w="19050"/>
+          </p:spPr>
+          <p:style>
+            <a:lnRef idx="2">
+              <a:schemeClr val="dk1"/>
+            </a:lnRef>
+            <a:fillRef idx="1">
+              <a:schemeClr val="lt1"/>
+            </a:fillRef>
+            <a:effectRef idx="0">
+              <a:schemeClr val="dk1"/>
+            </a:effectRef>
+            <a:fontRef idx="minor">
+              <a:schemeClr val="dk1"/>
+            </a:fontRef>
+          </p:style>
+          <p:txBody>
+            <a:bodyPr rtlCol="0" anchor="ctr"/>
+            <a:lstStyle/>
+            <a:p>
+              <a:pPr algn="ctr"/>
+              <a:endParaRPr lang="zh-CN" altLang="en-US"/>
+            </a:p>
+          </p:txBody>
+        </p:sp>
+        <p:sp>
+          <p:nvSpPr>
+            <p:cNvPr id="13" name="矩形 12">
+              <a:extLst>
+                <a:ext uri="{FF2B5EF4-FFF2-40B4-BE49-F238E27FC236}">
+                  <a16:creationId xmlns:a16="http://schemas.microsoft.com/office/drawing/2014/main" id="{C0ECAFD4-C3B3-A052-C4DD-C2A65C27AB2D}"/>
+                </a:ext>
+              </a:extLst>
+            </p:cNvPr>
+            <p:cNvSpPr/>
+            <p:nvPr/>
+          </p:nvSpPr>
+          <p:spPr>
+            <a:xfrm>
+              <a:off x="6096000" y="2190855"/>
+              <a:ext cx="392723" cy="309302"/>
+            </a:xfrm>
+            <a:prstGeom prst="rect">
+              <a:avLst/>
+            </a:prstGeom>
+            <a:noFill/>
+            <a:ln w="19050"/>
+          </p:spPr>
+          <p:style>
+            <a:lnRef idx="2">
+              <a:schemeClr val="dk1"/>
+            </a:lnRef>
+            <a:fillRef idx="1">
+              <a:schemeClr val="lt1"/>
+            </a:fillRef>
+            <a:effectRef idx="0">
+              <a:schemeClr val="dk1"/>
+            </a:effectRef>
+            <a:fontRef idx="minor">
+              <a:schemeClr val="dk1"/>
+            </a:fontRef>
+          </p:style>
+          <p:txBody>
+            <a:bodyPr rtlCol="0" anchor="ctr"/>
+            <a:lstStyle/>
+            <a:p>
+              <a:pPr algn="ctr"/>
+              <a:endParaRPr lang="zh-CN" altLang="en-US"/>
+            </a:p>
+          </p:txBody>
+        </p:sp>
+        <p:sp>
+          <p:nvSpPr>
+            <p:cNvPr id="14" name="矩形 13">
+              <a:extLst>
+                <a:ext uri="{FF2B5EF4-FFF2-40B4-BE49-F238E27FC236}">
+                  <a16:creationId xmlns:a16="http://schemas.microsoft.com/office/drawing/2014/main" id="{8F703D86-D6B5-012A-2990-09A4C94E6695}"/>
+                </a:ext>
+              </a:extLst>
+            </p:cNvPr>
+            <p:cNvSpPr/>
+            <p:nvPr/>
+          </p:nvSpPr>
+          <p:spPr>
+            <a:xfrm>
+              <a:off x="6095999" y="2611158"/>
+              <a:ext cx="392723" cy="309302"/>
+            </a:xfrm>
+            <a:prstGeom prst="rect">
+              <a:avLst/>
+            </a:prstGeom>
+            <a:noFill/>
+            <a:ln w="19050"/>
+          </p:spPr>
+          <p:style>
+            <a:lnRef idx="2">
+              <a:schemeClr val="dk1"/>
+            </a:lnRef>
+            <a:fillRef idx="1">
+              <a:schemeClr val="lt1"/>
+            </a:fillRef>
+            <a:effectRef idx="0">
+              <a:schemeClr val="dk1"/>
+            </a:effectRef>
+            <a:fontRef idx="minor">
+              <a:schemeClr val="dk1"/>
+            </a:fontRef>
+          </p:style>
+          <p:txBody>
+            <a:bodyPr rtlCol="0" anchor="ctr"/>
+            <a:lstStyle/>
+            <a:p>
+              <a:pPr algn="ctr"/>
+              <a:endParaRPr lang="zh-CN" altLang="en-US"/>
+            </a:p>
+          </p:txBody>
+        </p:sp>
+        <p:cxnSp>
+          <p:nvCxnSpPr>
+            <p:cNvPr id="16" name="连接符: 肘形 15">
+              <a:extLst>
+                <a:ext uri="{FF2B5EF4-FFF2-40B4-BE49-F238E27FC236}">
+                  <a16:creationId xmlns:a16="http://schemas.microsoft.com/office/drawing/2014/main" id="{357A4B6F-AC3C-146A-35E1-1AEC15E119E4}"/>
+                </a:ext>
+              </a:extLst>
+            </p:cNvPr>
+            <p:cNvCxnSpPr>
+              <a:stCxn id="11" idx="0"/>
+              <a:endCxn id="13" idx="0"/>
+            </p:cNvCxnSpPr>
+            <p:nvPr/>
+          </p:nvCxnSpPr>
+          <p:spPr>
+            <a:xfrm rot="5400000" flipH="1" flipV="1">
+              <a:off x="4998374" y="916024"/>
+              <a:ext cx="19156" cy="2568819"/>
+            </a:xfrm>
+            <a:prstGeom prst="bentConnector3">
+              <a:avLst>
+                <a:gd name="adj1" fmla="val 1844138"/>
+              </a:avLst>
+            </a:prstGeom>
+            <a:ln w="19050">
+              <a:solidFill>
+                <a:schemeClr val="tx1"/>
+              </a:solidFill>
+              <a:tailEnd type="triangle"/>
+            </a:ln>
+          </p:spPr>
+          <p:style>
+            <a:lnRef idx="1">
+              <a:schemeClr val="accent1"/>
+            </a:lnRef>
+            <a:fillRef idx="0">
+              <a:schemeClr val="accent1"/>
+            </a:fillRef>
+            <a:effectRef idx="0">
+              <a:schemeClr val="accent1"/>
+            </a:effectRef>
+            <a:fontRef idx="minor">
+              <a:schemeClr val="tx1"/>
+            </a:fontRef>
+          </p:style>
+        </p:cxnSp>
+        <p:cxnSp>
+          <p:nvCxnSpPr>
+            <p:cNvPr id="22" name="直接连接符 21">
+              <a:extLst>
+                <a:ext uri="{FF2B5EF4-FFF2-40B4-BE49-F238E27FC236}">
+                  <a16:creationId xmlns:a16="http://schemas.microsoft.com/office/drawing/2014/main" id="{D5AD4BD9-4812-98B8-B1B1-4068A62A78CE}"/>
+                </a:ext>
+              </a:extLst>
+            </p:cNvPr>
+            <p:cNvCxnSpPr>
+              <a:cxnSpLocks/>
+              <a:stCxn id="8" idx="0"/>
+            </p:cNvCxnSpPr>
+            <p:nvPr/>
+          </p:nvCxnSpPr>
+          <p:spPr>
+            <a:xfrm flipV="1">
+              <a:off x="4611565" y="1855178"/>
+              <a:ext cx="396387" cy="284493"/>
+            </a:xfrm>
+            <a:prstGeom prst="line">
+              <a:avLst/>
+            </a:prstGeom>
+            <a:ln w="19050">
+              <a:solidFill>
+                <a:schemeClr val="tx1"/>
+              </a:solidFill>
+              <a:headEnd type="none" w="med" len="med"/>
+              <a:tailEnd type="none" w="med" len="med"/>
+            </a:ln>
+          </p:spPr>
+          <p:style>
+            <a:lnRef idx="1">
+              <a:schemeClr val="accent1"/>
+            </a:lnRef>
+            <a:fillRef idx="0">
+              <a:schemeClr val="accent1"/>
+            </a:fillRef>
+            <a:effectRef idx="0">
+              <a:schemeClr val="accent1"/>
+            </a:effectRef>
+            <a:fontRef idx="minor">
+              <a:schemeClr val="tx1"/>
+            </a:fontRef>
+          </p:style>
+        </p:cxnSp>
+        <p:sp>
+          <p:nvSpPr>
+            <p:cNvPr id="25" name="文本框 24">
+              <a:extLst>
+                <a:ext uri="{FF2B5EF4-FFF2-40B4-BE49-F238E27FC236}">
+                  <a16:creationId xmlns:a16="http://schemas.microsoft.com/office/drawing/2014/main" id="{C8D72095-1AAA-DABD-B7F9-A6C1217A3645}"/>
+                </a:ext>
+              </a:extLst>
+            </p:cNvPr>
+            <p:cNvSpPr txBox="1"/>
+            <p:nvPr/>
+          </p:nvSpPr>
+          <p:spPr>
+            <a:xfrm>
+              <a:off x="4500441" y="1530393"/>
+              <a:ext cx="1015021" cy="369332"/>
+            </a:xfrm>
+            <a:prstGeom prst="rect">
+              <a:avLst/>
+            </a:prstGeom>
+            <a:noFill/>
+          </p:spPr>
+          <p:txBody>
+            <a:bodyPr wrap="none" rtlCol="0">
+              <a:spAutoFit/>
+            </a:bodyPr>
+            <a:lstStyle/>
+            <a:p>
+              <a:r>
+                <a:rPr lang="en-US" altLang="zh-CN" dirty="0"/>
+                <a:t>1</a:t>
+              </a:r>
+              <a:r>
+                <a:rPr lang="zh-CN" altLang="en-US" dirty="0"/>
+                <a:t>*</a:t>
+              </a:r>
+              <a:r>
+                <a:rPr lang="en-US" altLang="zh-CN" dirty="0"/>
+                <a:t>5+2</a:t>
+              </a:r>
+              <a:r>
+                <a:rPr lang="zh-CN" altLang="en-US" dirty="0"/>
+                <a:t>*</a:t>
+              </a:r>
+              <a:r>
+                <a:rPr lang="en-US" altLang="zh-CN" dirty="0"/>
+                <a:t>7</a:t>
+              </a:r>
+              <a:endParaRPr lang="zh-CN" altLang="en-US" dirty="0"/>
+            </a:p>
+          </p:txBody>
+        </p:sp>
+        <p:cxnSp>
+          <p:nvCxnSpPr>
+            <p:cNvPr id="29" name="连接符: 肘形 28">
+              <a:extLst>
+                <a:ext uri="{FF2B5EF4-FFF2-40B4-BE49-F238E27FC236}">
+                  <a16:creationId xmlns:a16="http://schemas.microsoft.com/office/drawing/2014/main" id="{4647C35F-A71A-94E5-B043-9F05FFD5D520}"/>
+                </a:ext>
+              </a:extLst>
+            </p:cNvPr>
+            <p:cNvCxnSpPr>
+              <a:stCxn id="12" idx="2"/>
+              <a:endCxn id="14" idx="2"/>
+            </p:cNvCxnSpPr>
+            <p:nvPr/>
+          </p:nvCxnSpPr>
+          <p:spPr>
+            <a:xfrm rot="16200000" flipH="1">
+              <a:off x="4997982" y="1626081"/>
+              <a:ext cx="19940" cy="2568818"/>
+            </a:xfrm>
+            <a:prstGeom prst="bentConnector3">
+              <a:avLst>
+                <a:gd name="adj1" fmla="val 1246439"/>
+              </a:avLst>
+            </a:prstGeom>
+            <a:ln w="19050">
+              <a:solidFill>
+                <a:schemeClr val="tx1"/>
+              </a:solidFill>
+              <a:tailEnd type="triangle"/>
+            </a:ln>
+          </p:spPr>
+          <p:style>
+            <a:lnRef idx="1">
+              <a:schemeClr val="accent1"/>
+            </a:lnRef>
+            <a:fillRef idx="0">
+              <a:schemeClr val="accent1"/>
+            </a:fillRef>
+            <a:effectRef idx="0">
+              <a:schemeClr val="accent1"/>
+            </a:effectRef>
+            <a:fontRef idx="minor">
+              <a:schemeClr val="tx1"/>
+            </a:fontRef>
+          </p:style>
+        </p:cxnSp>
+        <p:cxnSp>
+          <p:nvCxnSpPr>
+            <p:cNvPr id="31" name="直接连接符 30">
+              <a:extLst>
+                <a:ext uri="{FF2B5EF4-FFF2-40B4-BE49-F238E27FC236}">
+                  <a16:creationId xmlns:a16="http://schemas.microsoft.com/office/drawing/2014/main" id="{3736F93E-77C8-7C66-D1FA-9A2FC1AA6A59}"/>
+                </a:ext>
+              </a:extLst>
+            </p:cNvPr>
+            <p:cNvCxnSpPr>
+              <a:cxnSpLocks/>
+              <a:stCxn id="8" idx="2"/>
+            </p:cNvCxnSpPr>
+            <p:nvPr/>
+          </p:nvCxnSpPr>
+          <p:spPr>
+            <a:xfrm>
+              <a:off x="4611565" y="2930979"/>
+              <a:ext cx="396386" cy="208199"/>
+            </a:xfrm>
+            <a:prstGeom prst="line">
+              <a:avLst/>
+            </a:prstGeom>
+            <a:ln w="19050">
+              <a:solidFill>
+                <a:schemeClr val="tx1"/>
+              </a:solidFill>
+            </a:ln>
+          </p:spPr>
+          <p:style>
+            <a:lnRef idx="1">
+              <a:schemeClr val="accent1"/>
+            </a:lnRef>
+            <a:fillRef idx="0">
+              <a:schemeClr val="accent1"/>
+            </a:fillRef>
+            <a:effectRef idx="0">
+              <a:schemeClr val="accent1"/>
+            </a:effectRef>
+            <a:fontRef idx="minor">
+              <a:schemeClr val="tx1"/>
+            </a:fontRef>
+          </p:style>
+        </p:cxnSp>
+        <p:sp>
+          <p:nvSpPr>
+            <p:cNvPr id="34" name="文本框 33">
+              <a:extLst>
+                <a:ext uri="{FF2B5EF4-FFF2-40B4-BE49-F238E27FC236}">
+                  <a16:creationId xmlns:a16="http://schemas.microsoft.com/office/drawing/2014/main" id="{91B18FB5-ABA8-3E84-698F-415574D3B628}"/>
+                </a:ext>
+              </a:extLst>
+            </p:cNvPr>
+            <p:cNvSpPr txBox="1"/>
+            <p:nvPr/>
+          </p:nvSpPr>
+          <p:spPr>
+            <a:xfrm>
+              <a:off x="4466492" y="3170925"/>
+              <a:ext cx="1015021" cy="369332"/>
+            </a:xfrm>
+            <a:prstGeom prst="rect">
+              <a:avLst/>
+            </a:prstGeom>
+            <a:noFill/>
+          </p:spPr>
+          <p:txBody>
+            <a:bodyPr wrap="none" rtlCol="0">
+              <a:spAutoFit/>
+            </a:bodyPr>
+            <a:lstStyle/>
+            <a:p>
+              <a:r>
+                <a:rPr lang="en-US" altLang="zh-CN" dirty="0"/>
+                <a:t>3</a:t>
+              </a:r>
+              <a:r>
+                <a:rPr lang="zh-CN" altLang="en-US" dirty="0"/>
+                <a:t>*</a:t>
+              </a:r>
+              <a:r>
+                <a:rPr lang="en-US" altLang="zh-CN" dirty="0"/>
+                <a:t>5+4</a:t>
+              </a:r>
+              <a:r>
+                <a:rPr lang="zh-CN" altLang="en-US" dirty="0"/>
+                <a:t>*</a:t>
+              </a:r>
+              <a:r>
+                <a:rPr lang="en-US" altLang="zh-CN" dirty="0"/>
+                <a:t>7</a:t>
+              </a:r>
+              <a:endParaRPr lang="zh-CN" altLang="en-US" dirty="0"/>
+            </a:p>
+          </p:txBody>
+        </p:sp>
+      </p:grpSp>
+      <p:sp>
+        <p:nvSpPr>
+          <p:cNvPr id="36" name="文本框 35">
+            <a:extLst>
+              <a:ext uri="{FF2B5EF4-FFF2-40B4-BE49-F238E27FC236}">
+                <a16:creationId xmlns:a16="http://schemas.microsoft.com/office/drawing/2014/main" id="{45B410E2-CAAB-1C90-DB5C-BA32FA4D34A7}"/>
+              </a:ext>
+            </a:extLst>
+          </p:cNvPr>
+          <p:cNvSpPr txBox="1"/>
+          <p:nvPr/>
+        </p:nvSpPr>
+        <p:spPr>
+          <a:xfrm>
+            <a:off x="780438" y="3780203"/>
+            <a:ext cx="7066358" cy="465640"/>
+          </a:xfrm>
+          <a:prstGeom prst="rect">
+            <a:avLst/>
+          </a:prstGeom>
+          <a:noFill/>
+        </p:spPr>
+        <p:txBody>
+          <a:bodyPr wrap="none" rtlCol="0">
+            <a:spAutoFit/>
+          </a:bodyPr>
+          <a:lstStyle/>
+          <a:p>
+            <a:pPr>
+              <a:lnSpc>
+                <a:spcPct val="150000"/>
+              </a:lnSpc>
+            </a:pPr>
+            <a:r>
+              <a:rPr lang="zh-CN" altLang="en-US" dirty="0"/>
+              <a:t>矩阵乘法的运算结果</a:t>
+            </a:r>
+            <a:r>
+              <a:rPr lang="en-US" altLang="zh-CN" dirty="0"/>
+              <a:t>C</a:t>
+            </a:r>
+            <a:r>
+              <a:rPr lang="zh-CN" altLang="en-US" dirty="0"/>
+              <a:t>的形状是由矩阵</a:t>
+            </a:r>
+            <a:r>
+              <a:rPr lang="en-US" altLang="zh-CN" dirty="0"/>
+              <a:t>A</a:t>
+            </a:r>
+            <a:r>
+              <a:rPr lang="zh-CN" altLang="en-US" dirty="0"/>
+              <a:t>的行数和矩阵</a:t>
+            </a:r>
+            <a:r>
+              <a:rPr lang="en-US" altLang="zh-CN" dirty="0"/>
+              <a:t>B</a:t>
+            </a:r>
+            <a:r>
+              <a:rPr lang="zh-CN" altLang="en-US" dirty="0"/>
+              <a:t>的列数构成。</a:t>
+            </a:r>
+            <a:endParaRPr lang="en-US" altLang="zh-CN" dirty="0"/>
+          </a:p>
+        </p:txBody>
+      </p:sp>
+      <p:grpSp>
+        <p:nvGrpSpPr>
+          <p:cNvPr id="105" name="组合 104">
+            <a:extLst>
+              <a:ext uri="{FF2B5EF4-FFF2-40B4-BE49-F238E27FC236}">
+                <a16:creationId xmlns:a16="http://schemas.microsoft.com/office/drawing/2014/main" id="{B4E8543A-CE4E-2E47-EB10-BF1A228092C8}"/>
+              </a:ext>
+            </a:extLst>
+          </p:cNvPr>
+          <p:cNvGrpSpPr/>
+          <p:nvPr/>
+        </p:nvGrpSpPr>
+        <p:grpSpPr>
+          <a:xfrm>
+            <a:off x="2074512" y="4355972"/>
+            <a:ext cx="5544171" cy="1641655"/>
+            <a:chOff x="2074512" y="4355972"/>
+            <a:chExt cx="5544171" cy="1641655"/>
+          </a:xfrm>
+        </p:grpSpPr>
+        <p:sp>
+          <p:nvSpPr>
+            <p:cNvPr id="38" name="文本框 37">
+              <a:extLst>
+                <a:ext uri="{FF2B5EF4-FFF2-40B4-BE49-F238E27FC236}">
+                  <a16:creationId xmlns:a16="http://schemas.microsoft.com/office/drawing/2014/main" id="{3088B45E-7985-02ED-88B8-2DAAAED97316}"/>
+                </a:ext>
+              </a:extLst>
+            </p:cNvPr>
+            <p:cNvSpPr txBox="1"/>
+            <p:nvPr/>
+          </p:nvSpPr>
+          <p:spPr>
+            <a:xfrm>
+              <a:off x="2074512" y="4798850"/>
+              <a:ext cx="723275" cy="365036"/>
+            </a:xfrm>
+            <a:prstGeom prst="rect">
+              <a:avLst/>
+            </a:prstGeom>
+            <a:noFill/>
+          </p:spPr>
+          <p:txBody>
+            <a:bodyPr wrap="none" rtlCol="0">
+              <a:spAutoFit/>
+            </a:bodyPr>
+            <a:lstStyle/>
+            <a:p>
+              <a:pPr>
+                <a:lnSpc>
+                  <a:spcPct val="150000"/>
+                </a:lnSpc>
+              </a:pPr>
+              <a:r>
+                <a:rPr lang="zh-CN" altLang="en-US" sz="1400" dirty="0">
+                  <a:latin typeface="黑体" panose="02010609060101010101" pitchFamily="49" charset="-122"/>
+                  <a:ea typeface="黑体" panose="02010609060101010101" pitchFamily="49" charset="-122"/>
+                </a:rPr>
+                <a:t>形状：</a:t>
+              </a:r>
+              <a:endParaRPr lang="en-US" altLang="zh-CN" sz="1400" dirty="0">
+                <a:latin typeface="黑体" panose="02010609060101010101" pitchFamily="49" charset="-122"/>
+                <a:ea typeface="黑体" panose="02010609060101010101" pitchFamily="49" charset="-122"/>
+              </a:endParaRPr>
+            </a:p>
+          </p:txBody>
+        </p:sp>
+        <p:sp>
+          <p:nvSpPr>
+            <p:cNvPr id="39" name="文本框 38">
+              <a:extLst>
+                <a:ext uri="{FF2B5EF4-FFF2-40B4-BE49-F238E27FC236}">
+                  <a16:creationId xmlns:a16="http://schemas.microsoft.com/office/drawing/2014/main" id="{CC753640-B13A-B7D1-4728-AA6FC7836EEC}"/>
+                </a:ext>
+              </a:extLst>
+            </p:cNvPr>
+            <p:cNvSpPr txBox="1"/>
+            <p:nvPr/>
+          </p:nvSpPr>
+          <p:spPr>
+            <a:xfrm>
+              <a:off x="3126072" y="4722009"/>
+              <a:ext cx="877163" cy="442878"/>
+            </a:xfrm>
+            <a:prstGeom prst="rect">
+              <a:avLst/>
+            </a:prstGeom>
+            <a:noFill/>
+          </p:spPr>
+          <p:txBody>
+            <a:bodyPr wrap="none" rtlCol="0">
+              <a:spAutoFit/>
+            </a:bodyPr>
+            <a:lstStyle/>
+            <a:p>
+              <a:pPr>
+                <a:lnSpc>
+                  <a:spcPct val="150000"/>
+                </a:lnSpc>
+              </a:pPr>
+              <a:r>
+                <a:rPr lang="en-US" altLang="zh-CN" dirty="0">
+                  <a:latin typeface="黑体" panose="02010609060101010101" pitchFamily="49" charset="-122"/>
+                  <a:ea typeface="黑体" panose="02010609060101010101" pitchFamily="49" charset="-122"/>
+                </a:rPr>
+                <a:t>3 × 2</a:t>
+              </a:r>
+            </a:p>
+          </p:txBody>
+        </p:sp>
+        <p:sp>
+          <p:nvSpPr>
+            <p:cNvPr id="40" name="文本框 39">
+              <a:extLst>
+                <a:ext uri="{FF2B5EF4-FFF2-40B4-BE49-F238E27FC236}">
+                  <a16:creationId xmlns:a16="http://schemas.microsoft.com/office/drawing/2014/main" id="{9AFF4F82-123D-46F9-9C53-A6033302BBD2}"/>
+                </a:ext>
+              </a:extLst>
+            </p:cNvPr>
+            <p:cNvSpPr txBox="1"/>
+            <p:nvPr/>
+          </p:nvSpPr>
+          <p:spPr>
+            <a:xfrm>
+              <a:off x="4933796" y="4722009"/>
+              <a:ext cx="877163" cy="442878"/>
+            </a:xfrm>
+            <a:prstGeom prst="rect">
+              <a:avLst/>
+            </a:prstGeom>
+            <a:noFill/>
+          </p:spPr>
+          <p:txBody>
+            <a:bodyPr wrap="none" rtlCol="0">
+              <a:spAutoFit/>
+            </a:bodyPr>
+            <a:lstStyle/>
+            <a:p>
+              <a:pPr>
+                <a:lnSpc>
+                  <a:spcPct val="150000"/>
+                </a:lnSpc>
+              </a:pPr>
+              <a:r>
+                <a:rPr lang="en-US" altLang="zh-CN" dirty="0">
+                  <a:latin typeface="黑体" panose="02010609060101010101" pitchFamily="49" charset="-122"/>
+                  <a:ea typeface="黑体" panose="02010609060101010101" pitchFamily="49" charset="-122"/>
+                </a:rPr>
+                <a:t>2 × 4</a:t>
+              </a:r>
+            </a:p>
+          </p:txBody>
+        </p:sp>
+        <p:sp>
+          <p:nvSpPr>
+            <p:cNvPr id="41" name="文本框 40">
+              <a:extLst>
+                <a:ext uri="{FF2B5EF4-FFF2-40B4-BE49-F238E27FC236}">
+                  <a16:creationId xmlns:a16="http://schemas.microsoft.com/office/drawing/2014/main" id="{D38F4C10-5001-0BD5-8C47-76B9E67CDB4F}"/>
+                </a:ext>
+              </a:extLst>
+            </p:cNvPr>
+            <p:cNvSpPr txBox="1"/>
+            <p:nvPr/>
+          </p:nvSpPr>
+          <p:spPr>
+            <a:xfrm>
+              <a:off x="6741520" y="4721008"/>
+              <a:ext cx="877163" cy="442878"/>
+            </a:xfrm>
+            <a:prstGeom prst="rect">
+              <a:avLst/>
+            </a:prstGeom>
+            <a:noFill/>
+          </p:spPr>
+          <p:txBody>
+            <a:bodyPr wrap="none" rtlCol="0">
+              <a:spAutoFit/>
+            </a:bodyPr>
+            <a:lstStyle/>
+            <a:p>
+              <a:pPr>
+                <a:lnSpc>
+                  <a:spcPct val="150000"/>
+                </a:lnSpc>
+              </a:pPr>
+              <a:r>
+                <a:rPr lang="en-US" altLang="zh-CN" dirty="0">
+                  <a:latin typeface="黑体" panose="02010609060101010101" pitchFamily="49" charset="-122"/>
+                  <a:ea typeface="黑体" panose="02010609060101010101" pitchFamily="49" charset="-122"/>
+                </a:rPr>
+                <a:t>3 × 4</a:t>
+              </a:r>
+            </a:p>
+          </p:txBody>
+        </p:sp>
+        <p:sp>
+          <p:nvSpPr>
+            <p:cNvPr id="42" name="文本框 41">
+              <a:extLst>
+                <a:ext uri="{FF2B5EF4-FFF2-40B4-BE49-F238E27FC236}">
+                  <a16:creationId xmlns:a16="http://schemas.microsoft.com/office/drawing/2014/main" id="{71CEF142-8442-2060-AEC8-979A1FD1F294}"/>
+                </a:ext>
+              </a:extLst>
+            </p:cNvPr>
+            <p:cNvSpPr txBox="1"/>
+            <p:nvPr/>
+          </p:nvSpPr>
+          <p:spPr>
+            <a:xfrm>
+              <a:off x="3414612" y="4376913"/>
+              <a:ext cx="300082" cy="442878"/>
+            </a:xfrm>
+            <a:prstGeom prst="rect">
+              <a:avLst/>
+            </a:prstGeom>
+            <a:noFill/>
+          </p:spPr>
+          <p:txBody>
+            <a:bodyPr wrap="none" rtlCol="0">
+              <a:spAutoFit/>
+            </a:bodyPr>
+            <a:lstStyle/>
+            <a:p>
+              <a:pPr>
+                <a:lnSpc>
+                  <a:spcPct val="150000"/>
+                </a:lnSpc>
+              </a:pPr>
+              <a:r>
+                <a:rPr lang="en-US" altLang="zh-CN" dirty="0">
+                  <a:latin typeface="黑体" panose="02010609060101010101" pitchFamily="49" charset="-122"/>
+                  <a:ea typeface="黑体" panose="02010609060101010101" pitchFamily="49" charset="-122"/>
+                </a:rPr>
+                <a:t>A</a:t>
+              </a:r>
+            </a:p>
+          </p:txBody>
+        </p:sp>
+        <p:sp>
+          <p:nvSpPr>
+            <p:cNvPr id="43" name="文本框 42">
+              <a:extLst>
+                <a:ext uri="{FF2B5EF4-FFF2-40B4-BE49-F238E27FC236}">
+                  <a16:creationId xmlns:a16="http://schemas.microsoft.com/office/drawing/2014/main" id="{F295663E-A0F2-F316-33CA-72F91A6BADFD}"/>
+                </a:ext>
+              </a:extLst>
+            </p:cNvPr>
+            <p:cNvSpPr txBox="1"/>
+            <p:nvPr/>
+          </p:nvSpPr>
+          <p:spPr>
+            <a:xfrm>
+              <a:off x="5222337" y="4376913"/>
+              <a:ext cx="300082" cy="442878"/>
+            </a:xfrm>
+            <a:prstGeom prst="rect">
+              <a:avLst/>
+            </a:prstGeom>
+            <a:noFill/>
+          </p:spPr>
+          <p:txBody>
+            <a:bodyPr wrap="none" rtlCol="0">
+              <a:spAutoFit/>
+            </a:bodyPr>
+            <a:lstStyle/>
+            <a:p>
+              <a:pPr>
+                <a:lnSpc>
+                  <a:spcPct val="150000"/>
+                </a:lnSpc>
+              </a:pPr>
+              <a:r>
+                <a:rPr lang="en-US" altLang="zh-CN" dirty="0">
+                  <a:latin typeface="黑体" panose="02010609060101010101" pitchFamily="49" charset="-122"/>
+                  <a:ea typeface="黑体" panose="02010609060101010101" pitchFamily="49" charset="-122"/>
+                </a:rPr>
+                <a:t>B</a:t>
+              </a:r>
+            </a:p>
+          </p:txBody>
+        </p:sp>
+        <p:sp>
+          <p:nvSpPr>
+            <p:cNvPr id="44" name="文本框 43">
+              <a:extLst>
+                <a:ext uri="{FF2B5EF4-FFF2-40B4-BE49-F238E27FC236}">
+                  <a16:creationId xmlns:a16="http://schemas.microsoft.com/office/drawing/2014/main" id="{C3018C08-B3DB-F866-8BA3-A0D1C847A781}"/>
+                </a:ext>
+              </a:extLst>
+            </p:cNvPr>
+            <p:cNvSpPr txBox="1"/>
+            <p:nvPr/>
+          </p:nvSpPr>
+          <p:spPr>
+            <a:xfrm>
+              <a:off x="7030060" y="4387566"/>
+              <a:ext cx="300082" cy="442878"/>
+            </a:xfrm>
+            <a:prstGeom prst="rect">
+              <a:avLst/>
+            </a:prstGeom>
+            <a:noFill/>
+          </p:spPr>
+          <p:txBody>
+            <a:bodyPr wrap="none" rtlCol="0">
+              <a:spAutoFit/>
+            </a:bodyPr>
+            <a:lstStyle/>
+            <a:p>
+              <a:pPr>
+                <a:lnSpc>
+                  <a:spcPct val="150000"/>
+                </a:lnSpc>
+              </a:pPr>
+              <a:r>
+                <a:rPr lang="en-US" altLang="zh-CN" dirty="0">
+                  <a:latin typeface="黑体" panose="02010609060101010101" pitchFamily="49" charset="-122"/>
+                  <a:ea typeface="黑体" panose="02010609060101010101" pitchFamily="49" charset="-122"/>
+                </a:rPr>
+                <a:t>C</a:t>
+              </a:r>
+            </a:p>
+          </p:txBody>
+        </p:sp>
+        <p:sp>
+          <p:nvSpPr>
+            <p:cNvPr id="45" name="文本框 44">
+              <a:extLst>
+                <a:ext uri="{FF2B5EF4-FFF2-40B4-BE49-F238E27FC236}">
+                  <a16:creationId xmlns:a16="http://schemas.microsoft.com/office/drawing/2014/main" id="{54E0B46F-68F7-D17E-3AB9-B2976B23998F}"/>
+                </a:ext>
+              </a:extLst>
+            </p:cNvPr>
+            <p:cNvSpPr txBox="1"/>
+            <p:nvPr/>
+          </p:nvSpPr>
+          <p:spPr>
+            <a:xfrm>
+              <a:off x="6142319" y="4355972"/>
+              <a:ext cx="300082" cy="442878"/>
+            </a:xfrm>
+            <a:prstGeom prst="rect">
+              <a:avLst/>
+            </a:prstGeom>
+            <a:noFill/>
+          </p:spPr>
+          <p:txBody>
+            <a:bodyPr wrap="none" rtlCol="0">
+              <a:spAutoFit/>
+            </a:bodyPr>
+            <a:lstStyle/>
+            <a:p>
+              <a:pPr>
+                <a:lnSpc>
+                  <a:spcPct val="150000"/>
+                </a:lnSpc>
+              </a:pPr>
+              <a:r>
+                <a:rPr lang="en-US" altLang="zh-CN" dirty="0">
+                  <a:latin typeface="黑体" panose="02010609060101010101" pitchFamily="49" charset="-122"/>
+                  <a:ea typeface="黑体" panose="02010609060101010101" pitchFamily="49" charset="-122"/>
+                </a:rPr>
+                <a:t>=</a:t>
+              </a:r>
+            </a:p>
+          </p:txBody>
+        </p:sp>
+        <p:cxnSp>
+          <p:nvCxnSpPr>
+            <p:cNvPr id="47" name="直接连接符 46">
+              <a:extLst>
+                <a:ext uri="{FF2B5EF4-FFF2-40B4-BE49-F238E27FC236}">
+                  <a16:creationId xmlns:a16="http://schemas.microsoft.com/office/drawing/2014/main" id="{604F54B9-E0C3-9329-F39A-CBCF9016396A}"/>
+                </a:ext>
+              </a:extLst>
+            </p:cNvPr>
+            <p:cNvCxnSpPr>
+              <a:cxnSpLocks/>
+            </p:cNvCxnSpPr>
+            <p:nvPr/>
+          </p:nvCxnSpPr>
+          <p:spPr>
+            <a:xfrm>
+              <a:off x="3199522" y="5131435"/>
+              <a:ext cx="146928" cy="0"/>
+            </a:xfrm>
+            <a:prstGeom prst="line">
+              <a:avLst/>
+            </a:prstGeom>
+            <a:ln w="28575">
+              <a:solidFill>
+                <a:schemeClr val="tx1"/>
+              </a:solidFill>
+            </a:ln>
+          </p:spPr>
+          <p:style>
+            <a:lnRef idx="1">
+              <a:schemeClr val="accent1"/>
+            </a:lnRef>
+            <a:fillRef idx="0">
+              <a:schemeClr val="accent1"/>
+            </a:fillRef>
+            <a:effectRef idx="0">
+              <a:schemeClr val="accent1"/>
+            </a:effectRef>
+            <a:fontRef idx="minor">
+              <a:schemeClr val="tx1"/>
+            </a:fontRef>
+          </p:style>
+        </p:cxnSp>
+        <p:cxnSp>
+          <p:nvCxnSpPr>
+            <p:cNvPr id="49" name="直接连接符 48">
+              <a:extLst>
+                <a:ext uri="{FF2B5EF4-FFF2-40B4-BE49-F238E27FC236}">
+                  <a16:creationId xmlns:a16="http://schemas.microsoft.com/office/drawing/2014/main" id="{B6D34F5F-2B57-6171-D2FA-16986E0BF8B1}"/>
+                </a:ext>
+              </a:extLst>
+            </p:cNvPr>
+            <p:cNvCxnSpPr>
+              <a:cxnSpLocks/>
+            </p:cNvCxnSpPr>
+            <p:nvPr/>
+          </p:nvCxnSpPr>
+          <p:spPr>
+            <a:xfrm>
+              <a:off x="3755706" y="5131435"/>
+              <a:ext cx="146928" cy="0"/>
+            </a:xfrm>
+            <a:prstGeom prst="line">
+              <a:avLst/>
+            </a:prstGeom>
+            <a:ln w="28575">
+              <a:solidFill>
+                <a:schemeClr val="tx1"/>
+              </a:solidFill>
+            </a:ln>
+          </p:spPr>
+          <p:style>
+            <a:lnRef idx="1">
+              <a:schemeClr val="accent1"/>
+            </a:lnRef>
+            <a:fillRef idx="0">
+              <a:schemeClr val="accent1"/>
+            </a:fillRef>
+            <a:effectRef idx="0">
+              <a:schemeClr val="accent1"/>
+            </a:effectRef>
+            <a:fontRef idx="minor">
+              <a:schemeClr val="tx1"/>
+            </a:fontRef>
+          </p:style>
+        </p:cxnSp>
+        <p:cxnSp>
+          <p:nvCxnSpPr>
+            <p:cNvPr id="50" name="直接连接符 49">
+              <a:extLst>
+                <a:ext uri="{FF2B5EF4-FFF2-40B4-BE49-F238E27FC236}">
+                  <a16:creationId xmlns:a16="http://schemas.microsoft.com/office/drawing/2014/main" id="{A027F7ED-E7DF-EA0F-6AE0-13282B04494B}"/>
+                </a:ext>
+              </a:extLst>
+            </p:cNvPr>
+            <p:cNvCxnSpPr>
+              <a:cxnSpLocks/>
+            </p:cNvCxnSpPr>
+            <p:nvPr/>
+          </p:nvCxnSpPr>
+          <p:spPr>
+            <a:xfrm>
+              <a:off x="5006097" y="5131435"/>
+              <a:ext cx="146928" cy="0"/>
+            </a:xfrm>
+            <a:prstGeom prst="line">
+              <a:avLst/>
+            </a:prstGeom>
+            <a:ln w="28575">
+              <a:solidFill>
+                <a:schemeClr val="tx1"/>
+              </a:solidFill>
+            </a:ln>
+          </p:spPr>
+          <p:style>
+            <a:lnRef idx="1">
+              <a:schemeClr val="accent1"/>
+            </a:lnRef>
+            <a:fillRef idx="0">
+              <a:schemeClr val="accent1"/>
+            </a:fillRef>
+            <a:effectRef idx="0">
+              <a:schemeClr val="accent1"/>
+            </a:effectRef>
+            <a:fontRef idx="minor">
+              <a:schemeClr val="tx1"/>
+            </a:fontRef>
+          </p:style>
+        </p:cxnSp>
+        <p:cxnSp>
+          <p:nvCxnSpPr>
+            <p:cNvPr id="51" name="直接连接符 50">
+              <a:extLst>
+                <a:ext uri="{FF2B5EF4-FFF2-40B4-BE49-F238E27FC236}">
+                  <a16:creationId xmlns:a16="http://schemas.microsoft.com/office/drawing/2014/main" id="{94659FFD-AC86-E7A6-F192-51862EB6572B}"/>
+                </a:ext>
+              </a:extLst>
+            </p:cNvPr>
+            <p:cNvCxnSpPr>
+              <a:cxnSpLocks/>
+            </p:cNvCxnSpPr>
+            <p:nvPr/>
+          </p:nvCxnSpPr>
+          <p:spPr>
+            <a:xfrm>
+              <a:off x="5562281" y="5131435"/>
+              <a:ext cx="146928" cy="0"/>
+            </a:xfrm>
+            <a:prstGeom prst="line">
+              <a:avLst/>
+            </a:prstGeom>
+            <a:ln w="28575">
+              <a:solidFill>
+                <a:schemeClr val="tx1"/>
+              </a:solidFill>
+            </a:ln>
+          </p:spPr>
+          <p:style>
+            <a:lnRef idx="1">
+              <a:schemeClr val="accent1"/>
+            </a:lnRef>
+            <a:fillRef idx="0">
+              <a:schemeClr val="accent1"/>
+            </a:fillRef>
+            <a:effectRef idx="0">
+              <a:schemeClr val="accent1"/>
+            </a:effectRef>
+            <a:fontRef idx="minor">
+              <a:schemeClr val="tx1"/>
+            </a:fontRef>
+          </p:style>
+        </p:cxnSp>
+        <p:cxnSp>
+          <p:nvCxnSpPr>
+            <p:cNvPr id="52" name="直接连接符 51">
+              <a:extLst>
+                <a:ext uri="{FF2B5EF4-FFF2-40B4-BE49-F238E27FC236}">
+                  <a16:creationId xmlns:a16="http://schemas.microsoft.com/office/drawing/2014/main" id="{F3A4E636-3816-D7FC-7C59-8A823C50E4D1}"/>
+                </a:ext>
+              </a:extLst>
+            </p:cNvPr>
+            <p:cNvCxnSpPr>
+              <a:cxnSpLocks/>
+            </p:cNvCxnSpPr>
+            <p:nvPr/>
+          </p:nvCxnSpPr>
+          <p:spPr>
+            <a:xfrm>
+              <a:off x="6826738" y="5131435"/>
+              <a:ext cx="146928" cy="0"/>
+            </a:xfrm>
+            <a:prstGeom prst="line">
+              <a:avLst/>
+            </a:prstGeom>
+            <a:ln w="28575">
+              <a:solidFill>
+                <a:schemeClr val="tx1"/>
+              </a:solidFill>
+            </a:ln>
+          </p:spPr>
+          <p:style>
+            <a:lnRef idx="1">
+              <a:schemeClr val="accent1"/>
+            </a:lnRef>
+            <a:fillRef idx="0">
+              <a:schemeClr val="accent1"/>
+            </a:fillRef>
+            <a:effectRef idx="0">
+              <a:schemeClr val="accent1"/>
+            </a:effectRef>
+            <a:fontRef idx="minor">
+              <a:schemeClr val="tx1"/>
+            </a:fontRef>
+          </p:style>
+        </p:cxnSp>
+        <p:cxnSp>
+          <p:nvCxnSpPr>
+            <p:cNvPr id="53" name="直接连接符 52">
+              <a:extLst>
+                <a:ext uri="{FF2B5EF4-FFF2-40B4-BE49-F238E27FC236}">
+                  <a16:creationId xmlns:a16="http://schemas.microsoft.com/office/drawing/2014/main" id="{7A03925A-363A-7321-40CB-51FA78ECE5BB}"/>
+                </a:ext>
+              </a:extLst>
+            </p:cNvPr>
+            <p:cNvCxnSpPr>
+              <a:cxnSpLocks/>
+            </p:cNvCxnSpPr>
+            <p:nvPr/>
+          </p:nvCxnSpPr>
+          <p:spPr>
+            <a:xfrm>
+              <a:off x="7382922" y="5131435"/>
+              <a:ext cx="146928" cy="0"/>
+            </a:xfrm>
+            <a:prstGeom prst="line">
+              <a:avLst/>
+            </a:prstGeom>
+            <a:ln w="28575">
+              <a:solidFill>
+                <a:schemeClr val="tx1"/>
+              </a:solidFill>
+            </a:ln>
+          </p:spPr>
+          <p:style>
+            <a:lnRef idx="1">
+              <a:schemeClr val="accent1"/>
+            </a:lnRef>
+            <a:fillRef idx="0">
+              <a:schemeClr val="accent1"/>
+            </a:fillRef>
+            <a:effectRef idx="0">
+              <a:schemeClr val="accent1"/>
+            </a:effectRef>
+            <a:fontRef idx="minor">
+              <a:schemeClr val="tx1"/>
+            </a:fontRef>
+          </p:style>
+        </p:cxnSp>
+        <p:grpSp>
+          <p:nvGrpSpPr>
+            <p:cNvPr id="84" name="组合 83">
+              <a:extLst>
+                <a:ext uri="{FF2B5EF4-FFF2-40B4-BE49-F238E27FC236}">
+                  <a16:creationId xmlns:a16="http://schemas.microsoft.com/office/drawing/2014/main" id="{ECEA075A-4131-0512-E015-0B9E90D7A77B}"/>
+                </a:ext>
+              </a:extLst>
+            </p:cNvPr>
+            <p:cNvGrpSpPr/>
+            <p:nvPr/>
+          </p:nvGrpSpPr>
+          <p:grpSpPr>
+            <a:xfrm>
+              <a:off x="3829170" y="5140960"/>
+              <a:ext cx="1262517" cy="602615"/>
+              <a:chOff x="3829170" y="5137785"/>
+              <a:chExt cx="1262517" cy="602615"/>
+            </a:xfrm>
+          </p:grpSpPr>
+          <p:cxnSp>
+            <p:nvCxnSpPr>
+              <p:cNvPr id="78" name="直接连接符 77">
+                <a:extLst>
+                  <a:ext uri="{FF2B5EF4-FFF2-40B4-BE49-F238E27FC236}">
+                    <a16:creationId xmlns:a16="http://schemas.microsoft.com/office/drawing/2014/main" id="{0CB7732C-5649-FD27-42D4-15FB91624372}"/>
+                  </a:ext>
+                </a:extLst>
+              </p:cNvPr>
+              <p:cNvCxnSpPr>
+                <a:cxnSpLocks/>
+              </p:cNvCxnSpPr>
+              <p:nvPr/>
+            </p:nvCxnSpPr>
+            <p:spPr>
+              <a:xfrm>
+                <a:off x="3829170" y="5137785"/>
+                <a:ext cx="0" cy="602615"/>
+              </a:xfrm>
+              <a:prstGeom prst="line">
+                <a:avLst/>
+              </a:prstGeom>
+              <a:ln w="12700"/>
+            </p:spPr>
+            <p:style>
+              <a:lnRef idx="1">
+                <a:schemeClr val="accent1"/>
+              </a:lnRef>
+              <a:fillRef idx="0">
+                <a:schemeClr val="accent1"/>
+              </a:fillRef>
+              <a:effectRef idx="0">
+                <a:schemeClr val="accent1"/>
+              </a:effectRef>
+              <a:fontRef idx="minor">
+                <a:schemeClr val="tx1"/>
+              </a:fontRef>
+            </p:style>
+          </p:cxnSp>
+          <p:cxnSp>
+            <p:nvCxnSpPr>
+              <p:cNvPr id="80" name="直接连接符 79">
+                <a:extLst>
+                  <a:ext uri="{FF2B5EF4-FFF2-40B4-BE49-F238E27FC236}">
+                    <a16:creationId xmlns:a16="http://schemas.microsoft.com/office/drawing/2014/main" id="{AD65EF31-B2E3-51B8-42C5-8494AFB92484}"/>
+                  </a:ext>
+                </a:extLst>
+              </p:cNvPr>
+              <p:cNvCxnSpPr>
+                <a:cxnSpLocks/>
+              </p:cNvCxnSpPr>
+              <p:nvPr/>
+            </p:nvCxnSpPr>
+            <p:spPr>
+              <a:xfrm>
+                <a:off x="3829170" y="5740400"/>
+                <a:ext cx="1262517" cy="0"/>
+              </a:xfrm>
+              <a:prstGeom prst="line">
+                <a:avLst/>
+              </a:prstGeom>
+              <a:ln w="12700"/>
+            </p:spPr>
+            <p:style>
+              <a:lnRef idx="1">
+                <a:schemeClr val="accent1"/>
+              </a:lnRef>
+              <a:fillRef idx="0">
+                <a:schemeClr val="accent1"/>
+              </a:fillRef>
+              <a:effectRef idx="0">
+                <a:schemeClr val="accent1"/>
+              </a:effectRef>
+              <a:fontRef idx="minor">
+                <a:schemeClr val="tx1"/>
+              </a:fontRef>
+            </p:style>
+          </p:cxnSp>
+          <p:cxnSp>
+            <p:nvCxnSpPr>
+              <p:cNvPr id="83" name="直接连接符 82">
+                <a:extLst>
+                  <a:ext uri="{FF2B5EF4-FFF2-40B4-BE49-F238E27FC236}">
+                    <a16:creationId xmlns:a16="http://schemas.microsoft.com/office/drawing/2014/main" id="{E9A5F7C2-68ED-4C51-969B-EB154079A1A2}"/>
+                  </a:ext>
+                </a:extLst>
+              </p:cNvPr>
+              <p:cNvCxnSpPr>
+                <a:cxnSpLocks/>
+              </p:cNvCxnSpPr>
+              <p:nvPr/>
+            </p:nvCxnSpPr>
+            <p:spPr>
+              <a:xfrm>
+                <a:off x="5079561" y="5137785"/>
+                <a:ext cx="0" cy="602614"/>
+              </a:xfrm>
+              <a:prstGeom prst="line">
+                <a:avLst/>
+              </a:prstGeom>
+              <a:ln w="12700"/>
+            </p:spPr>
+            <p:style>
+              <a:lnRef idx="1">
+                <a:schemeClr val="accent1"/>
+              </a:lnRef>
+              <a:fillRef idx="0">
+                <a:schemeClr val="accent1"/>
+              </a:fillRef>
+              <a:effectRef idx="0">
+                <a:schemeClr val="accent1"/>
+              </a:effectRef>
+              <a:fontRef idx="minor">
+                <a:schemeClr val="tx1"/>
+              </a:fontRef>
+            </p:style>
+          </p:cxnSp>
+        </p:grpSp>
+        <p:grpSp>
+          <p:nvGrpSpPr>
+            <p:cNvPr id="91" name="组合 90">
+              <a:extLst>
+                <a:ext uri="{FF2B5EF4-FFF2-40B4-BE49-F238E27FC236}">
+                  <a16:creationId xmlns:a16="http://schemas.microsoft.com/office/drawing/2014/main" id="{9D73BB30-9B15-E54A-B172-2DC8CC863B3B}"/>
+                </a:ext>
+              </a:extLst>
+            </p:cNvPr>
+            <p:cNvGrpSpPr/>
+            <p:nvPr/>
+          </p:nvGrpSpPr>
+          <p:grpSpPr>
+            <a:xfrm>
+              <a:off x="3253156" y="5140957"/>
+              <a:ext cx="3639462" cy="287020"/>
+              <a:chOff x="3829170" y="5132267"/>
+              <a:chExt cx="1262517" cy="608133"/>
+            </a:xfrm>
+          </p:grpSpPr>
+          <p:cxnSp>
+            <p:nvCxnSpPr>
+              <p:cNvPr id="92" name="直接连接符 91">
+                <a:extLst>
+                  <a:ext uri="{FF2B5EF4-FFF2-40B4-BE49-F238E27FC236}">
+                    <a16:creationId xmlns:a16="http://schemas.microsoft.com/office/drawing/2014/main" id="{E7DF8FA7-06F4-6593-5829-5CA08970C764}"/>
+                  </a:ext>
+                </a:extLst>
+              </p:cNvPr>
+              <p:cNvCxnSpPr>
+                <a:cxnSpLocks/>
+              </p:cNvCxnSpPr>
+              <p:nvPr/>
+            </p:nvCxnSpPr>
+            <p:spPr>
+              <a:xfrm>
+                <a:off x="3829170" y="5137785"/>
+                <a:ext cx="0" cy="602615"/>
+              </a:xfrm>
+              <a:prstGeom prst="line">
+                <a:avLst/>
+              </a:prstGeom>
+              <a:ln w="12700"/>
+            </p:spPr>
+            <p:style>
+              <a:lnRef idx="1">
+                <a:schemeClr val="accent1"/>
+              </a:lnRef>
+              <a:fillRef idx="0">
+                <a:schemeClr val="accent1"/>
+              </a:fillRef>
+              <a:effectRef idx="0">
+                <a:schemeClr val="accent1"/>
+              </a:effectRef>
+              <a:fontRef idx="minor">
+                <a:schemeClr val="tx1"/>
+              </a:fontRef>
+            </p:style>
+          </p:cxnSp>
+          <p:cxnSp>
+            <p:nvCxnSpPr>
+              <p:cNvPr id="93" name="直接连接符 92">
+                <a:extLst>
+                  <a:ext uri="{FF2B5EF4-FFF2-40B4-BE49-F238E27FC236}">
+                    <a16:creationId xmlns:a16="http://schemas.microsoft.com/office/drawing/2014/main" id="{B64C31F7-CF08-5E37-433C-37E37FB572CC}"/>
+                  </a:ext>
+                </a:extLst>
+              </p:cNvPr>
+              <p:cNvCxnSpPr>
+                <a:cxnSpLocks/>
+              </p:cNvCxnSpPr>
+              <p:nvPr/>
+            </p:nvCxnSpPr>
+            <p:spPr>
+              <a:xfrm>
+                <a:off x="3829170" y="5740400"/>
+                <a:ext cx="1262517" cy="0"/>
+              </a:xfrm>
+              <a:prstGeom prst="line">
+                <a:avLst/>
+              </a:prstGeom>
+              <a:ln w="12700"/>
+            </p:spPr>
+            <p:style>
+              <a:lnRef idx="1">
+                <a:schemeClr val="accent1"/>
+              </a:lnRef>
+              <a:fillRef idx="0">
+                <a:schemeClr val="accent1"/>
+              </a:fillRef>
+              <a:effectRef idx="0">
+                <a:schemeClr val="accent1"/>
+              </a:effectRef>
+              <a:fontRef idx="minor">
+                <a:schemeClr val="tx1"/>
+              </a:fontRef>
+            </p:style>
+          </p:cxnSp>
+          <p:cxnSp>
+            <p:nvCxnSpPr>
+              <p:cNvPr id="94" name="直接连接符 93">
+                <a:extLst>
+                  <a:ext uri="{FF2B5EF4-FFF2-40B4-BE49-F238E27FC236}">
+                    <a16:creationId xmlns:a16="http://schemas.microsoft.com/office/drawing/2014/main" id="{7F396C7A-CE8F-6610-F448-7378CD680B9A}"/>
+                  </a:ext>
+                </a:extLst>
+              </p:cNvPr>
+              <p:cNvCxnSpPr>
+                <a:cxnSpLocks/>
+              </p:cNvCxnSpPr>
+              <p:nvPr/>
+            </p:nvCxnSpPr>
+            <p:spPr>
+              <a:xfrm>
+                <a:off x="5091687" y="5132267"/>
+                <a:ext cx="0" cy="608133"/>
+              </a:xfrm>
+              <a:prstGeom prst="line">
+                <a:avLst/>
+              </a:prstGeom>
+              <a:ln w="12700">
+                <a:headEnd type="triangle" w="med" len="med"/>
+                <a:tailEnd type="none" w="med" len="med"/>
+              </a:ln>
+            </p:spPr>
+            <p:style>
+              <a:lnRef idx="1">
+                <a:schemeClr val="accent1"/>
+              </a:lnRef>
+              <a:fillRef idx="0">
+                <a:schemeClr val="accent1"/>
+              </a:fillRef>
+              <a:effectRef idx="0">
+                <a:schemeClr val="accent1"/>
+              </a:effectRef>
+              <a:fontRef idx="minor">
+                <a:schemeClr val="tx1"/>
+              </a:fontRef>
+            </p:style>
+          </p:cxnSp>
+        </p:grpSp>
+        <p:grpSp>
+          <p:nvGrpSpPr>
+            <p:cNvPr id="97" name="组合 96">
+              <a:extLst>
+                <a:ext uri="{FF2B5EF4-FFF2-40B4-BE49-F238E27FC236}">
+                  <a16:creationId xmlns:a16="http://schemas.microsoft.com/office/drawing/2014/main" id="{192645F6-2562-E159-4D1E-2043E0785857}"/>
+                </a:ext>
+              </a:extLst>
+            </p:cNvPr>
+            <p:cNvGrpSpPr/>
+            <p:nvPr/>
+          </p:nvGrpSpPr>
+          <p:grpSpPr>
+            <a:xfrm>
+              <a:off x="5635745" y="5140958"/>
+              <a:ext cx="1820641" cy="488565"/>
+              <a:chOff x="3829170" y="5142623"/>
+              <a:chExt cx="1262517" cy="597777"/>
+            </a:xfrm>
+          </p:grpSpPr>
+          <p:cxnSp>
+            <p:nvCxnSpPr>
+              <p:cNvPr id="98" name="直接连接符 97">
+                <a:extLst>
+                  <a:ext uri="{FF2B5EF4-FFF2-40B4-BE49-F238E27FC236}">
+                    <a16:creationId xmlns:a16="http://schemas.microsoft.com/office/drawing/2014/main" id="{6492BF19-D849-7B8B-132A-5E5012D85891}"/>
+                  </a:ext>
+                </a:extLst>
+              </p:cNvPr>
+              <p:cNvCxnSpPr>
+                <a:cxnSpLocks/>
+              </p:cNvCxnSpPr>
+              <p:nvPr/>
+            </p:nvCxnSpPr>
+            <p:spPr>
+              <a:xfrm>
+                <a:off x="3829170" y="5142623"/>
+                <a:ext cx="0" cy="597777"/>
+              </a:xfrm>
+              <a:prstGeom prst="line">
+                <a:avLst/>
+              </a:prstGeom>
+              <a:ln w="12700"/>
+            </p:spPr>
+            <p:style>
+              <a:lnRef idx="1">
+                <a:schemeClr val="accent1"/>
+              </a:lnRef>
+              <a:fillRef idx="0">
+                <a:schemeClr val="accent1"/>
+              </a:fillRef>
+              <a:effectRef idx="0">
+                <a:schemeClr val="accent1"/>
+              </a:effectRef>
+              <a:fontRef idx="minor">
+                <a:schemeClr val="tx1"/>
+              </a:fontRef>
+            </p:style>
+          </p:cxnSp>
+          <p:cxnSp>
+            <p:nvCxnSpPr>
+              <p:cNvPr id="99" name="直接连接符 98">
+                <a:extLst>
+                  <a:ext uri="{FF2B5EF4-FFF2-40B4-BE49-F238E27FC236}">
+                    <a16:creationId xmlns:a16="http://schemas.microsoft.com/office/drawing/2014/main" id="{C43722E5-036C-4368-BC47-2AAC95FC9CCD}"/>
+                  </a:ext>
+                </a:extLst>
+              </p:cNvPr>
+              <p:cNvCxnSpPr>
+                <a:cxnSpLocks/>
+              </p:cNvCxnSpPr>
+              <p:nvPr/>
+            </p:nvCxnSpPr>
+            <p:spPr>
+              <a:xfrm>
+                <a:off x="3829170" y="5740400"/>
+                <a:ext cx="1262517" cy="0"/>
+              </a:xfrm>
+              <a:prstGeom prst="line">
+                <a:avLst/>
+              </a:prstGeom>
+              <a:ln w="12700"/>
+            </p:spPr>
+            <p:style>
+              <a:lnRef idx="1">
+                <a:schemeClr val="accent1"/>
+              </a:lnRef>
+              <a:fillRef idx="0">
+                <a:schemeClr val="accent1"/>
+              </a:fillRef>
+              <a:effectRef idx="0">
+                <a:schemeClr val="accent1"/>
+              </a:effectRef>
+              <a:fontRef idx="minor">
+                <a:schemeClr val="tx1"/>
+              </a:fontRef>
+            </p:style>
+          </p:cxnSp>
+          <p:cxnSp>
+            <p:nvCxnSpPr>
+              <p:cNvPr id="100" name="直接连接符 99">
+                <a:extLst>
+                  <a:ext uri="{FF2B5EF4-FFF2-40B4-BE49-F238E27FC236}">
+                    <a16:creationId xmlns:a16="http://schemas.microsoft.com/office/drawing/2014/main" id="{74A48559-1294-B050-1361-03F7DB2A4645}"/>
+                  </a:ext>
+                </a:extLst>
+              </p:cNvPr>
+              <p:cNvCxnSpPr>
+                <a:cxnSpLocks/>
+              </p:cNvCxnSpPr>
+              <p:nvPr/>
+            </p:nvCxnSpPr>
+            <p:spPr>
+              <a:xfrm>
+                <a:off x="5091687" y="5142625"/>
+                <a:ext cx="0" cy="597775"/>
+              </a:xfrm>
+              <a:prstGeom prst="line">
+                <a:avLst/>
+              </a:prstGeom>
+              <a:ln w="12700">
+                <a:headEnd type="triangle" w="med" len="med"/>
+                <a:tailEnd type="none" w="med" len="med"/>
+              </a:ln>
+            </p:spPr>
+            <p:style>
+              <a:lnRef idx="1">
+                <a:schemeClr val="accent1"/>
+              </a:lnRef>
+              <a:fillRef idx="0">
+                <a:schemeClr val="accent1"/>
+              </a:fillRef>
+              <a:effectRef idx="0">
+                <a:schemeClr val="accent1"/>
+              </a:effectRef>
+              <a:fontRef idx="minor">
+                <a:schemeClr val="tx1"/>
+              </a:fontRef>
+            </p:style>
+          </p:cxnSp>
+        </p:grpSp>
+        <p:sp>
+          <p:nvSpPr>
+            <p:cNvPr id="104" name="文本框 103">
+              <a:extLst>
+                <a:ext uri="{FF2B5EF4-FFF2-40B4-BE49-F238E27FC236}">
+                  <a16:creationId xmlns:a16="http://schemas.microsoft.com/office/drawing/2014/main" id="{D91E1AA2-223A-7B6D-99F6-9FC237D336F9}"/>
+                </a:ext>
+              </a:extLst>
+            </p:cNvPr>
+            <p:cNvSpPr txBox="1"/>
+            <p:nvPr/>
+          </p:nvSpPr>
+          <p:spPr>
+            <a:xfrm>
+              <a:off x="4085966" y="5691068"/>
+              <a:ext cx="748923" cy="306559"/>
+            </a:xfrm>
+            <a:prstGeom prst="rect">
+              <a:avLst/>
+            </a:prstGeom>
+            <a:noFill/>
+          </p:spPr>
+          <p:txBody>
+            <a:bodyPr wrap="none" rtlCol="0">
+              <a:spAutoFit/>
+            </a:bodyPr>
+            <a:lstStyle/>
+            <a:p>
+              <a:pPr>
+                <a:lnSpc>
+                  <a:spcPct val="150000"/>
+                </a:lnSpc>
+              </a:pPr>
+              <a:r>
+                <a:rPr lang="zh-CN" altLang="en-US" sz="1100" dirty="0">
+                  <a:latin typeface="黑体" panose="02010609060101010101" pitchFamily="49" charset="-122"/>
+                  <a:ea typeface="黑体" panose="02010609060101010101" pitchFamily="49" charset="-122"/>
+                </a:rPr>
+                <a:t>保持一致</a:t>
+              </a:r>
+              <a:endParaRPr lang="en-US" altLang="zh-CN" sz="1100" dirty="0">
+                <a:latin typeface="黑体" panose="02010609060101010101" pitchFamily="49" charset="-122"/>
+                <a:ea typeface="黑体" panose="02010609060101010101" pitchFamily="49" charset="-122"/>
+              </a:endParaRPr>
+            </a:p>
+          </p:txBody>
+        </p:sp>
+      </p:grpSp>
+    </p:spTree>
+    <p:extLst>
+      <p:ext uri="{BB962C8B-B14F-4D97-AF65-F5344CB8AC3E}">
+        <p14:creationId xmlns:p14="http://schemas.microsoft.com/office/powerpoint/2010/main" val="4218862442"/>
+      </p:ext>
+    </p:extLst>
+  </p:cSld>
+  <p:clrMapOvr>
+    <a:masterClrMapping/>
+  </p:clrMapOvr>
+</p:sld>
+</file>
+
+<file path=ppt/slides/slide9.xml><?xml version="1.0" encoding="utf-8"?>
+<p:sld xmlns:a="http://schemas.openxmlformats.org/drawingml/2006/main" xmlns:r="http://schemas.openxmlformats.org/officeDocument/2006/relationships" xmlns:p="http://schemas.openxmlformats.org/presentationml/2006/main">
+  <p:cSld>
+    <p:spTree>
+      <p:nvGrpSpPr>
+        <p:cNvPr id="1" name=""/>
+        <p:cNvGrpSpPr/>
+        <p:nvPr/>
+      </p:nvGrpSpPr>
+      <p:grpSpPr>
+        <a:xfrm>
+          <a:off x="0" y="0"/>
+          <a:ext cx="0" cy="0"/>
+          <a:chOff x="0" y="0"/>
+          <a:chExt cx="0" cy="0"/>
+        </a:xfrm>
+      </p:grpSpPr>
+      <p:sp>
+        <p:nvSpPr>
+          <p:cNvPr id="19" name="文本框 18">
+            <a:extLst>
+              <a:ext uri="{FF2B5EF4-FFF2-40B4-BE49-F238E27FC236}">
+                <a16:creationId xmlns:a16="http://schemas.microsoft.com/office/drawing/2014/main" id="{1C62A262-468B-9C81-5CFF-128DD20234F1}"/>
+              </a:ext>
+            </a:extLst>
+          </p:cNvPr>
+          <p:cNvSpPr txBox="1"/>
+          <p:nvPr/>
+        </p:nvSpPr>
+        <p:spPr>
+          <a:xfrm>
+            <a:off x="780438" y="313848"/>
+            <a:ext cx="6097464" cy="461665"/>
+          </a:xfrm>
+          <a:prstGeom prst="rect">
+            <a:avLst/>
+          </a:prstGeom>
+          <a:noFill/>
+        </p:spPr>
+        <p:txBody>
+          <a:bodyPr wrap="square">
+            <a:spAutoFit/>
+          </a:bodyPr>
+          <a:lstStyle/>
+          <a:p>
+            <a:r>
+              <a:rPr lang="zh-CN" altLang="en-US" sz="2400" b="1" dirty="0"/>
+              <a:t>三层神经网络的实现</a:t>
+            </a:r>
+            <a:endParaRPr lang="en-US" altLang="zh-CN" sz="2400" b="1" dirty="0"/>
+          </a:p>
+        </p:txBody>
+      </p:sp>
+      <p:grpSp>
+        <p:nvGrpSpPr>
+          <p:cNvPr id="85" name="组合 84">
+            <a:extLst>
+              <a:ext uri="{FF2B5EF4-FFF2-40B4-BE49-F238E27FC236}">
+                <a16:creationId xmlns:a16="http://schemas.microsoft.com/office/drawing/2014/main" id="{23E04E88-93F0-3B02-4E35-BA1EA9704751}"/>
+              </a:ext>
+            </a:extLst>
+          </p:cNvPr>
+          <p:cNvGrpSpPr/>
+          <p:nvPr/>
+        </p:nvGrpSpPr>
+        <p:grpSpPr>
+          <a:xfrm>
+            <a:off x="1115726" y="2279402"/>
+            <a:ext cx="2081041" cy="2134180"/>
+            <a:chOff x="1349681" y="1352778"/>
+            <a:chExt cx="2081041" cy="2134180"/>
+          </a:xfrm>
+        </p:grpSpPr>
+        <p:cxnSp>
+          <p:nvCxnSpPr>
+            <p:cNvPr id="58" name="直接箭头连接符 57">
+              <a:extLst>
+                <a:ext uri="{FF2B5EF4-FFF2-40B4-BE49-F238E27FC236}">
+                  <a16:creationId xmlns:a16="http://schemas.microsoft.com/office/drawing/2014/main" id="{530B94BF-8B51-C0C8-3914-8E12BFC88F26}"/>
+                </a:ext>
+              </a:extLst>
+            </p:cNvPr>
+            <p:cNvCxnSpPr>
+              <a:stCxn id="20" idx="6"/>
+              <a:endCxn id="55" idx="2"/>
+            </p:cNvCxnSpPr>
+            <p:nvPr/>
+          </p:nvCxnSpPr>
+          <p:spPr>
+            <a:xfrm>
+              <a:off x="1872197" y="1614036"/>
+              <a:ext cx="1036009" cy="982844"/>
+            </a:xfrm>
+            <a:prstGeom prst="straightConnector1">
+              <a:avLst/>
+            </a:prstGeom>
+            <a:ln w="19050">
+              <a:solidFill>
+                <a:schemeClr val="bg1">
+                  <a:lumMod val="85000"/>
+                </a:schemeClr>
+              </a:solidFill>
+              <a:tailEnd type="triangle"/>
+            </a:ln>
+          </p:spPr>
+          <p:style>
+            <a:lnRef idx="1">
+              <a:schemeClr val="accent1"/>
+            </a:lnRef>
+            <a:fillRef idx="0">
+              <a:schemeClr val="accent1"/>
+            </a:fillRef>
+            <a:effectRef idx="0">
+              <a:schemeClr val="accent1"/>
+            </a:effectRef>
+            <a:fontRef idx="minor">
+              <a:schemeClr val="tx1"/>
+            </a:fontRef>
+          </p:style>
+        </p:cxnSp>
+        <p:cxnSp>
+          <p:nvCxnSpPr>
+            <p:cNvPr id="60" name="直接箭头连接符 59">
+              <a:extLst>
+                <a:ext uri="{FF2B5EF4-FFF2-40B4-BE49-F238E27FC236}">
+                  <a16:creationId xmlns:a16="http://schemas.microsoft.com/office/drawing/2014/main" id="{0146FE20-4C28-B8DC-4E85-CCEAD8ACC6EA}"/>
+                </a:ext>
+              </a:extLst>
+            </p:cNvPr>
+            <p:cNvCxnSpPr>
+              <a:stCxn id="20" idx="6"/>
+              <a:endCxn id="56" idx="2"/>
+            </p:cNvCxnSpPr>
+            <p:nvPr/>
+          </p:nvCxnSpPr>
+          <p:spPr>
+            <a:xfrm>
+              <a:off x="1872197" y="1614036"/>
+              <a:ext cx="1036009" cy="1611664"/>
+            </a:xfrm>
+            <a:prstGeom prst="straightConnector1">
+              <a:avLst/>
+            </a:prstGeom>
+            <a:ln w="19050">
+              <a:solidFill>
+                <a:schemeClr val="bg1">
+                  <a:lumMod val="85000"/>
+                </a:schemeClr>
+              </a:solidFill>
+              <a:tailEnd type="triangle"/>
+            </a:ln>
+          </p:spPr>
+          <p:style>
+            <a:lnRef idx="1">
+              <a:schemeClr val="accent1"/>
+            </a:lnRef>
+            <a:fillRef idx="0">
+              <a:schemeClr val="accent1"/>
+            </a:fillRef>
+            <a:effectRef idx="0">
+              <a:schemeClr val="accent1"/>
+            </a:effectRef>
+            <a:fontRef idx="minor">
+              <a:schemeClr val="tx1"/>
+            </a:fontRef>
+          </p:style>
+        </p:cxnSp>
+        <p:cxnSp>
+          <p:nvCxnSpPr>
+            <p:cNvPr id="62" name="直接箭头连接符 61">
+              <a:extLst>
+                <a:ext uri="{FF2B5EF4-FFF2-40B4-BE49-F238E27FC236}">
+                  <a16:creationId xmlns:a16="http://schemas.microsoft.com/office/drawing/2014/main" id="{8ED0BDFE-4CCB-D247-D4CF-C45F8A153AEA}"/>
+                </a:ext>
+              </a:extLst>
+            </p:cNvPr>
+            <p:cNvCxnSpPr>
+              <a:stCxn id="9" idx="6"/>
+              <a:endCxn id="55" idx="2"/>
+            </p:cNvCxnSpPr>
+            <p:nvPr/>
+          </p:nvCxnSpPr>
+          <p:spPr>
+            <a:xfrm>
+              <a:off x="1872197" y="2270308"/>
+              <a:ext cx="1036009" cy="326572"/>
+            </a:xfrm>
+            <a:prstGeom prst="straightConnector1">
+              <a:avLst/>
+            </a:prstGeom>
+            <a:ln w="19050">
+              <a:solidFill>
+                <a:schemeClr val="bg1">
+                  <a:lumMod val="85000"/>
+                </a:schemeClr>
+              </a:solidFill>
+              <a:tailEnd type="triangle"/>
+            </a:ln>
+          </p:spPr>
+          <p:style>
+            <a:lnRef idx="1">
+              <a:schemeClr val="accent1"/>
+            </a:lnRef>
+            <a:fillRef idx="0">
+              <a:schemeClr val="accent1"/>
+            </a:fillRef>
+            <a:effectRef idx="0">
+              <a:schemeClr val="accent1"/>
+            </a:effectRef>
+            <a:fontRef idx="minor">
+              <a:schemeClr val="tx1"/>
+            </a:fontRef>
+          </p:style>
+        </p:cxnSp>
+        <p:cxnSp>
+          <p:nvCxnSpPr>
+            <p:cNvPr id="64" name="直接箭头连接符 63">
+              <a:extLst>
+                <a:ext uri="{FF2B5EF4-FFF2-40B4-BE49-F238E27FC236}">
+                  <a16:creationId xmlns:a16="http://schemas.microsoft.com/office/drawing/2014/main" id="{1CB28771-D91B-C544-B819-701BE6F3700F}"/>
+                </a:ext>
+              </a:extLst>
+            </p:cNvPr>
+            <p:cNvCxnSpPr>
+              <a:stCxn id="9" idx="6"/>
+              <a:endCxn id="56" idx="2"/>
+            </p:cNvCxnSpPr>
+            <p:nvPr/>
+          </p:nvCxnSpPr>
+          <p:spPr>
+            <a:xfrm>
+              <a:off x="1872197" y="2270308"/>
+              <a:ext cx="1036009" cy="955392"/>
+            </a:xfrm>
+            <a:prstGeom prst="straightConnector1">
+              <a:avLst/>
+            </a:prstGeom>
+            <a:ln w="19050">
+              <a:solidFill>
+                <a:schemeClr val="bg1">
+                  <a:lumMod val="85000"/>
+                </a:schemeClr>
+              </a:solidFill>
+              <a:tailEnd type="triangle"/>
+            </a:ln>
+          </p:spPr>
+          <p:style>
+            <a:lnRef idx="1">
+              <a:schemeClr val="accent1"/>
+            </a:lnRef>
+            <a:fillRef idx="0">
+              <a:schemeClr val="accent1"/>
+            </a:fillRef>
+            <a:effectRef idx="0">
+              <a:schemeClr val="accent1"/>
+            </a:effectRef>
+            <a:fontRef idx="minor">
+              <a:schemeClr val="tx1"/>
+            </a:fontRef>
+          </p:style>
+        </p:cxnSp>
+        <p:cxnSp>
+          <p:nvCxnSpPr>
+            <p:cNvPr id="66" name="直接箭头连接符 65">
+              <a:extLst>
+                <a:ext uri="{FF2B5EF4-FFF2-40B4-BE49-F238E27FC236}">
+                  <a16:creationId xmlns:a16="http://schemas.microsoft.com/office/drawing/2014/main" id="{6944C358-C780-EACA-A1A3-11C0F45A6F2B}"/>
+                </a:ext>
+              </a:extLst>
+            </p:cNvPr>
+            <p:cNvCxnSpPr>
+              <a:stCxn id="10" idx="6"/>
+              <a:endCxn id="55" idx="2"/>
+            </p:cNvCxnSpPr>
+            <p:nvPr/>
+          </p:nvCxnSpPr>
+          <p:spPr>
+            <a:xfrm flipV="1">
+              <a:off x="1872197" y="2596880"/>
+              <a:ext cx="1036009" cy="326573"/>
+            </a:xfrm>
+            <a:prstGeom prst="straightConnector1">
+              <a:avLst/>
+            </a:prstGeom>
+            <a:ln w="19050">
+              <a:solidFill>
+                <a:schemeClr val="bg1">
+                  <a:lumMod val="85000"/>
+                </a:schemeClr>
+              </a:solidFill>
+              <a:tailEnd type="triangle"/>
+            </a:ln>
+          </p:spPr>
+          <p:style>
+            <a:lnRef idx="1">
+              <a:schemeClr val="accent1"/>
+            </a:lnRef>
+            <a:fillRef idx="0">
+              <a:schemeClr val="accent1"/>
+            </a:fillRef>
+            <a:effectRef idx="0">
+              <a:schemeClr val="accent1"/>
+            </a:effectRef>
+            <a:fontRef idx="minor">
+              <a:schemeClr val="tx1"/>
+            </a:fontRef>
+          </p:style>
+        </p:cxnSp>
+        <p:cxnSp>
+          <p:nvCxnSpPr>
+            <p:cNvPr id="68" name="直接箭头连接符 67">
+              <a:extLst>
+                <a:ext uri="{FF2B5EF4-FFF2-40B4-BE49-F238E27FC236}">
+                  <a16:creationId xmlns:a16="http://schemas.microsoft.com/office/drawing/2014/main" id="{3EE2921C-C80B-BEB5-25BF-6A41EC59923A}"/>
+                </a:ext>
+              </a:extLst>
+            </p:cNvPr>
+            <p:cNvCxnSpPr>
+              <a:stCxn id="10" idx="6"/>
+              <a:endCxn id="56" idx="2"/>
+            </p:cNvCxnSpPr>
+            <p:nvPr/>
+          </p:nvCxnSpPr>
+          <p:spPr>
+            <a:xfrm>
+              <a:off x="1872197" y="2923453"/>
+              <a:ext cx="1036009" cy="302247"/>
+            </a:xfrm>
+            <a:prstGeom prst="straightConnector1">
+              <a:avLst/>
+            </a:prstGeom>
+            <a:ln w="19050">
+              <a:solidFill>
+                <a:schemeClr val="bg1">
+                  <a:lumMod val="85000"/>
+                </a:schemeClr>
+              </a:solidFill>
+              <a:tailEnd type="triangle"/>
+            </a:ln>
+          </p:spPr>
+          <p:style>
+            <a:lnRef idx="1">
+              <a:schemeClr val="accent1"/>
+            </a:lnRef>
+            <a:fillRef idx="0">
+              <a:schemeClr val="accent1"/>
+            </a:fillRef>
+            <a:effectRef idx="0">
+              <a:schemeClr val="accent1"/>
+            </a:effectRef>
+            <a:fontRef idx="minor">
+              <a:schemeClr val="tx1"/>
+            </a:fontRef>
+          </p:style>
+        </p:cxnSp>
+        <p:sp>
+          <p:nvSpPr>
+            <p:cNvPr id="9" name="椭圆 8">
+              <a:extLst>
+                <a:ext uri="{FF2B5EF4-FFF2-40B4-BE49-F238E27FC236}">
+                  <a16:creationId xmlns:a16="http://schemas.microsoft.com/office/drawing/2014/main" id="{5E2C5DBB-9137-C0D3-9A97-315192CA2397}"/>
+                </a:ext>
+              </a:extLst>
+            </p:cNvPr>
+            <p:cNvSpPr/>
+            <p:nvPr/>
+          </p:nvSpPr>
+          <p:spPr>
+            <a:xfrm>
+              <a:off x="1349681" y="2009050"/>
+              <a:ext cx="522516" cy="522516"/>
+            </a:xfrm>
+            <a:prstGeom prst="ellipse">
+              <a:avLst/>
+            </a:prstGeom>
+            <a:ln w="19050"/>
+          </p:spPr>
+          <p:style>
+            <a:lnRef idx="2">
+              <a:schemeClr val="accent1">
+                <a:shade val="50000"/>
+              </a:schemeClr>
+            </a:lnRef>
+            <a:fillRef idx="1">
+              <a:schemeClr val="accent1"/>
+            </a:fillRef>
+            <a:effectRef idx="0">
+              <a:schemeClr val="accent1"/>
+            </a:effectRef>
+            <a:fontRef idx="minor">
+              <a:schemeClr val="lt1"/>
+            </a:fontRef>
+          </p:style>
+          <p:txBody>
+            <a:bodyPr rtlCol="0" anchor="ctr"/>
+            <a:lstStyle/>
+            <a:p>
+              <a:pPr algn="ctr"/>
+              <a:r>
+                <a:rPr lang="en-US" altLang="zh-CN" sz="1400" dirty="0"/>
+                <a:t>x1</a:t>
+              </a:r>
+              <a:endParaRPr lang="zh-CN" altLang="en-US" sz="1400" dirty="0"/>
+            </a:p>
+          </p:txBody>
+        </p:sp>
+        <p:sp>
+          <p:nvSpPr>
+            <p:cNvPr id="10" name="椭圆 9">
+              <a:extLst>
+                <a:ext uri="{FF2B5EF4-FFF2-40B4-BE49-F238E27FC236}">
+                  <a16:creationId xmlns:a16="http://schemas.microsoft.com/office/drawing/2014/main" id="{113CC6D9-DE19-7983-C6B2-3BE25CFFE213}"/>
+                </a:ext>
+              </a:extLst>
+            </p:cNvPr>
+            <p:cNvSpPr/>
+            <p:nvPr/>
+          </p:nvSpPr>
+          <p:spPr>
+            <a:xfrm>
+              <a:off x="1349681" y="2662195"/>
+              <a:ext cx="522516" cy="522516"/>
+            </a:xfrm>
+            <a:prstGeom prst="ellipse">
+              <a:avLst/>
+            </a:prstGeom>
+            <a:ln w="19050"/>
+          </p:spPr>
+          <p:style>
+            <a:lnRef idx="2">
+              <a:schemeClr val="accent1">
+                <a:shade val="50000"/>
+              </a:schemeClr>
+            </a:lnRef>
+            <a:fillRef idx="1">
+              <a:schemeClr val="accent1"/>
+            </a:fillRef>
+            <a:effectRef idx="0">
+              <a:schemeClr val="accent1"/>
+            </a:effectRef>
+            <a:fontRef idx="minor">
+              <a:schemeClr val="lt1"/>
+            </a:fontRef>
+          </p:style>
+          <p:txBody>
+            <a:bodyPr rtlCol="0" anchor="ctr"/>
+            <a:lstStyle/>
+            <a:p>
+              <a:pPr algn="ctr"/>
+              <a:r>
+                <a:rPr lang="en-US" altLang="zh-CN" sz="1400" dirty="0"/>
+                <a:t>x2</a:t>
+              </a:r>
+              <a:endParaRPr lang="zh-CN" altLang="en-US" sz="1400" dirty="0"/>
+            </a:p>
+          </p:txBody>
+        </p:sp>
+        <p:sp>
+          <p:nvSpPr>
+            <p:cNvPr id="15" name="椭圆 14">
+              <a:extLst>
+                <a:ext uri="{FF2B5EF4-FFF2-40B4-BE49-F238E27FC236}">
+                  <a16:creationId xmlns:a16="http://schemas.microsoft.com/office/drawing/2014/main" id="{D660FA24-B4A5-53CB-ECC7-79F8B65438DC}"/>
+                </a:ext>
+              </a:extLst>
+            </p:cNvPr>
+            <p:cNvSpPr/>
+            <p:nvPr/>
+          </p:nvSpPr>
+          <p:spPr>
+            <a:xfrm>
+              <a:off x="2908206" y="1737225"/>
+              <a:ext cx="522516" cy="522516"/>
+            </a:xfrm>
+            <a:prstGeom prst="ellipse">
+              <a:avLst/>
+            </a:prstGeom>
+            <a:ln w="19050"/>
+          </p:spPr>
+          <p:style>
+            <a:lnRef idx="2">
+              <a:schemeClr val="accent1">
+                <a:shade val="50000"/>
+              </a:schemeClr>
+            </a:lnRef>
+            <a:fillRef idx="1">
+              <a:schemeClr val="accent1"/>
+            </a:fillRef>
+            <a:effectRef idx="0">
+              <a:schemeClr val="accent1"/>
+            </a:effectRef>
+            <a:fontRef idx="minor">
+              <a:schemeClr val="lt1"/>
+            </a:fontRef>
+          </p:style>
+          <p:txBody>
+            <a:bodyPr rtlCol="0" anchor="ctr"/>
+            <a:lstStyle/>
+            <a:p>
+              <a:pPr algn="ctr"/>
+              <a:r>
+                <a:rPr lang="en-US" altLang="zh-CN" sz="1400" dirty="0"/>
+                <a:t>a1</a:t>
+              </a:r>
+              <a:endParaRPr lang="zh-CN" altLang="en-US" sz="1400" dirty="0"/>
+            </a:p>
+          </p:txBody>
+        </p:sp>
+        <p:cxnSp>
+          <p:nvCxnSpPr>
+            <p:cNvPr id="17" name="直接箭头连接符 16">
+              <a:extLst>
+                <a:ext uri="{FF2B5EF4-FFF2-40B4-BE49-F238E27FC236}">
+                  <a16:creationId xmlns:a16="http://schemas.microsoft.com/office/drawing/2014/main" id="{11A019A0-908F-9A77-E62B-3C3DE6AEA720}"/>
+                </a:ext>
+              </a:extLst>
+            </p:cNvPr>
+            <p:cNvCxnSpPr>
+              <a:cxnSpLocks/>
+              <a:stCxn id="9" idx="6"/>
+              <a:endCxn id="15" idx="2"/>
+            </p:cNvCxnSpPr>
+            <p:nvPr/>
+          </p:nvCxnSpPr>
+          <p:spPr>
+            <a:xfrm flipV="1">
+              <a:off x="1872197" y="1998483"/>
+              <a:ext cx="1036009" cy="271825"/>
+            </a:xfrm>
+            <a:prstGeom prst="straightConnector1">
+              <a:avLst/>
+            </a:prstGeom>
+            <a:ln w="19050">
+              <a:tailEnd type="triangle"/>
+            </a:ln>
+          </p:spPr>
+          <p:style>
+            <a:lnRef idx="1">
+              <a:schemeClr val="accent1"/>
+            </a:lnRef>
+            <a:fillRef idx="0">
+              <a:schemeClr val="accent1"/>
+            </a:fillRef>
+            <a:effectRef idx="0">
+              <a:schemeClr val="accent1"/>
+            </a:effectRef>
+            <a:fontRef idx="minor">
+              <a:schemeClr val="tx1"/>
+            </a:fontRef>
+          </p:style>
+        </p:cxnSp>
+        <p:cxnSp>
+          <p:nvCxnSpPr>
+            <p:cNvPr id="18" name="直接箭头连接符 17">
+              <a:extLst>
+                <a:ext uri="{FF2B5EF4-FFF2-40B4-BE49-F238E27FC236}">
+                  <a16:creationId xmlns:a16="http://schemas.microsoft.com/office/drawing/2014/main" id="{F9EE530C-9036-E84C-E626-9F8AF7F35330}"/>
+                </a:ext>
+              </a:extLst>
+            </p:cNvPr>
+            <p:cNvCxnSpPr>
+              <a:cxnSpLocks/>
+              <a:stCxn id="10" idx="6"/>
+              <a:endCxn id="15" idx="2"/>
+            </p:cNvCxnSpPr>
+            <p:nvPr/>
+          </p:nvCxnSpPr>
+          <p:spPr>
+            <a:xfrm flipV="1">
+              <a:off x="1872197" y="1998483"/>
+              <a:ext cx="1036009" cy="924970"/>
+            </a:xfrm>
+            <a:prstGeom prst="straightConnector1">
+              <a:avLst/>
+            </a:prstGeom>
+            <a:ln w="19050">
+              <a:tailEnd type="triangle"/>
+            </a:ln>
+          </p:spPr>
+          <p:style>
+            <a:lnRef idx="1">
+              <a:schemeClr val="accent1"/>
+            </a:lnRef>
+            <a:fillRef idx="0">
+              <a:schemeClr val="accent1"/>
+            </a:fillRef>
+            <a:effectRef idx="0">
+              <a:schemeClr val="accent1"/>
+            </a:effectRef>
+            <a:fontRef idx="minor">
+              <a:schemeClr val="tx1"/>
+            </a:fontRef>
+          </p:style>
+        </p:cxnSp>
+        <p:sp>
+          <p:nvSpPr>
+            <p:cNvPr id="20" name="椭圆 19">
+              <a:extLst>
+                <a:ext uri="{FF2B5EF4-FFF2-40B4-BE49-F238E27FC236}">
+                  <a16:creationId xmlns:a16="http://schemas.microsoft.com/office/drawing/2014/main" id="{225CE8F8-32B8-4342-E0FF-BE470D8D4131}"/>
+                </a:ext>
+              </a:extLst>
+            </p:cNvPr>
+            <p:cNvSpPr/>
+            <p:nvPr/>
+          </p:nvSpPr>
+          <p:spPr>
+            <a:xfrm>
+              <a:off x="1349681" y="1352778"/>
+              <a:ext cx="522516" cy="522516"/>
+            </a:xfrm>
+            <a:prstGeom prst="ellipse">
+              <a:avLst/>
+            </a:prstGeom>
+            <a:ln w="19050"/>
+          </p:spPr>
+          <p:style>
+            <a:lnRef idx="2">
+              <a:schemeClr val="accent1">
+                <a:shade val="50000"/>
+              </a:schemeClr>
+            </a:lnRef>
+            <a:fillRef idx="1">
+              <a:schemeClr val="accent1"/>
+            </a:fillRef>
+            <a:effectRef idx="0">
+              <a:schemeClr val="accent1"/>
+            </a:effectRef>
+            <a:fontRef idx="minor">
+              <a:schemeClr val="lt1"/>
+            </a:fontRef>
+          </p:style>
+          <p:txBody>
+            <a:bodyPr rtlCol="0" anchor="ctr"/>
+            <a:lstStyle/>
+            <a:p>
+              <a:pPr algn="ctr"/>
+              <a:r>
+                <a:rPr lang="en-US" altLang="zh-CN" sz="1400" dirty="0"/>
+                <a:t>1</a:t>
+              </a:r>
+              <a:endParaRPr lang="zh-CN" altLang="en-US" sz="1400" dirty="0"/>
+            </a:p>
+          </p:txBody>
+        </p:sp>
+        <p:cxnSp>
+          <p:nvCxnSpPr>
+            <p:cNvPr id="21" name="直接箭头连接符 20">
+              <a:extLst>
+                <a:ext uri="{FF2B5EF4-FFF2-40B4-BE49-F238E27FC236}">
+                  <a16:creationId xmlns:a16="http://schemas.microsoft.com/office/drawing/2014/main" id="{C015AFB7-F515-0487-0706-E1D0FDCA4C2A}"/>
+                </a:ext>
+              </a:extLst>
+            </p:cNvPr>
+            <p:cNvCxnSpPr>
+              <a:cxnSpLocks/>
+              <a:stCxn id="20" idx="6"/>
+              <a:endCxn id="15" idx="2"/>
+            </p:cNvCxnSpPr>
+            <p:nvPr/>
+          </p:nvCxnSpPr>
+          <p:spPr>
+            <a:xfrm>
+              <a:off x="1872197" y="1614036"/>
+              <a:ext cx="1036009" cy="384447"/>
+            </a:xfrm>
+            <a:prstGeom prst="straightConnector1">
+              <a:avLst/>
+            </a:prstGeom>
+            <a:ln w="19050">
+              <a:tailEnd type="triangle"/>
+            </a:ln>
+          </p:spPr>
+          <p:style>
+            <a:lnRef idx="1">
+              <a:schemeClr val="accent1"/>
+            </a:lnRef>
+            <a:fillRef idx="0">
+              <a:schemeClr val="accent1"/>
+            </a:fillRef>
+            <a:effectRef idx="0">
+              <a:schemeClr val="accent1"/>
+            </a:effectRef>
+            <a:fontRef idx="minor">
+              <a:schemeClr val="tx1"/>
+            </a:fontRef>
+          </p:style>
+        </p:cxnSp>
+        <p:sp>
+          <p:nvSpPr>
+            <p:cNvPr id="55" name="椭圆 54">
+              <a:extLst>
+                <a:ext uri="{FF2B5EF4-FFF2-40B4-BE49-F238E27FC236}">
+                  <a16:creationId xmlns:a16="http://schemas.microsoft.com/office/drawing/2014/main" id="{C592C007-ED1D-69E9-F8BA-262AC63E18DD}"/>
+                </a:ext>
+              </a:extLst>
+            </p:cNvPr>
+            <p:cNvSpPr/>
+            <p:nvPr/>
+          </p:nvSpPr>
+          <p:spPr>
+            <a:xfrm>
+              <a:off x="2908206" y="2335622"/>
+              <a:ext cx="522516" cy="522516"/>
+            </a:xfrm>
+            <a:prstGeom prst="ellipse">
+              <a:avLst/>
+            </a:prstGeom>
+            <a:ln w="19050"/>
+          </p:spPr>
+          <p:style>
+            <a:lnRef idx="2">
+              <a:schemeClr val="accent1">
+                <a:shade val="50000"/>
+              </a:schemeClr>
+            </a:lnRef>
+            <a:fillRef idx="1">
+              <a:schemeClr val="accent1"/>
+            </a:fillRef>
+            <a:effectRef idx="0">
+              <a:schemeClr val="accent1"/>
+            </a:effectRef>
+            <a:fontRef idx="minor">
+              <a:schemeClr val="lt1"/>
+            </a:fontRef>
+          </p:style>
+          <p:txBody>
+            <a:bodyPr rtlCol="0" anchor="ctr"/>
+            <a:lstStyle/>
+            <a:p>
+              <a:pPr algn="ctr"/>
+              <a:r>
+                <a:rPr lang="en-US" altLang="zh-CN" sz="1400" dirty="0"/>
+                <a:t>a2</a:t>
+              </a:r>
+              <a:endParaRPr lang="zh-CN" altLang="en-US" sz="1400" dirty="0"/>
+            </a:p>
+          </p:txBody>
+        </p:sp>
+        <p:sp>
+          <p:nvSpPr>
+            <p:cNvPr id="56" name="椭圆 55">
+              <a:extLst>
+                <a:ext uri="{FF2B5EF4-FFF2-40B4-BE49-F238E27FC236}">
+                  <a16:creationId xmlns:a16="http://schemas.microsoft.com/office/drawing/2014/main" id="{4BC473DC-5945-28E4-F5AA-2CBBC3EC7832}"/>
+                </a:ext>
+              </a:extLst>
+            </p:cNvPr>
+            <p:cNvSpPr/>
+            <p:nvPr/>
+          </p:nvSpPr>
+          <p:spPr>
+            <a:xfrm>
+              <a:off x="2908206" y="2964442"/>
+              <a:ext cx="522516" cy="522516"/>
+            </a:xfrm>
+            <a:prstGeom prst="ellipse">
+              <a:avLst/>
+            </a:prstGeom>
+            <a:ln w="19050"/>
+          </p:spPr>
+          <p:style>
+            <a:lnRef idx="2">
+              <a:schemeClr val="accent1">
+                <a:shade val="50000"/>
+              </a:schemeClr>
+            </a:lnRef>
+            <a:fillRef idx="1">
+              <a:schemeClr val="accent1"/>
+            </a:fillRef>
+            <a:effectRef idx="0">
+              <a:schemeClr val="accent1"/>
+            </a:effectRef>
+            <a:fontRef idx="minor">
+              <a:schemeClr val="lt1"/>
+            </a:fontRef>
+          </p:style>
+          <p:txBody>
+            <a:bodyPr rtlCol="0" anchor="ctr"/>
+            <a:lstStyle/>
+            <a:p>
+              <a:pPr algn="ctr"/>
+              <a:r>
+                <a:rPr lang="en-US" altLang="zh-CN" sz="1400" dirty="0"/>
+                <a:t>a3</a:t>
+              </a:r>
+              <a:endParaRPr lang="zh-CN" altLang="en-US" sz="1400" dirty="0"/>
+            </a:p>
+          </p:txBody>
+        </p:sp>
+        <p:sp>
+          <p:nvSpPr>
+            <p:cNvPr id="23" name="文本框 22">
+              <a:extLst>
+                <a:ext uri="{FF2B5EF4-FFF2-40B4-BE49-F238E27FC236}">
+                  <a16:creationId xmlns:a16="http://schemas.microsoft.com/office/drawing/2014/main" id="{2C902AED-49AA-879F-5A48-B6DD551848D2}"/>
+                </a:ext>
+              </a:extLst>
+            </p:cNvPr>
+            <p:cNvSpPr txBox="1"/>
+            <p:nvPr/>
+          </p:nvSpPr>
+          <p:spPr>
+            <a:xfrm>
+              <a:off x="1970790" y="1460147"/>
+              <a:ext cx="292068" cy="307777"/>
+            </a:xfrm>
+            <a:prstGeom prst="rect">
+              <a:avLst/>
+            </a:prstGeom>
+            <a:noFill/>
+            <a:ln w="19050">
+              <a:noFill/>
+            </a:ln>
+          </p:spPr>
+          <p:txBody>
+            <a:bodyPr wrap="none" rtlCol="0">
+              <a:spAutoFit/>
+            </a:bodyPr>
+            <a:lstStyle/>
+            <a:p>
+              <a:r>
+                <a:rPr lang="en-US" altLang="zh-CN" sz="1400" b="1" dirty="0"/>
+                <a:t>b</a:t>
+              </a:r>
+              <a:endParaRPr lang="zh-CN" altLang="en-US" sz="1400" b="1" dirty="0"/>
+            </a:p>
+          </p:txBody>
+        </p:sp>
+        <p:sp>
+          <p:nvSpPr>
+            <p:cNvPr id="24" name="文本框 23">
+              <a:extLst>
+                <a:ext uri="{FF2B5EF4-FFF2-40B4-BE49-F238E27FC236}">
+                  <a16:creationId xmlns:a16="http://schemas.microsoft.com/office/drawing/2014/main" id="{E7FA32C3-7F9F-BFDD-CFA1-B7FAC7E46778}"/>
+                </a:ext>
+              </a:extLst>
+            </p:cNvPr>
+            <p:cNvSpPr txBox="1"/>
+            <p:nvPr/>
+          </p:nvSpPr>
+          <p:spPr>
+            <a:xfrm>
+              <a:off x="1970790" y="1951964"/>
+              <a:ext cx="420308" cy="307777"/>
+            </a:xfrm>
+            <a:prstGeom prst="rect">
+              <a:avLst/>
+            </a:prstGeom>
+            <a:noFill/>
+            <a:ln w="19050">
+              <a:noFill/>
+            </a:ln>
+          </p:spPr>
+          <p:txBody>
+            <a:bodyPr wrap="none" rtlCol="0">
+              <a:spAutoFit/>
+            </a:bodyPr>
+            <a:lstStyle/>
+            <a:p>
+              <a:r>
+                <a:rPr lang="en-US" altLang="zh-CN" sz="1400" b="1" dirty="0"/>
+                <a:t>w1</a:t>
+              </a:r>
+              <a:endParaRPr lang="zh-CN" altLang="en-US" sz="1400" b="1" dirty="0"/>
+            </a:p>
+          </p:txBody>
+        </p:sp>
+        <p:sp>
+          <p:nvSpPr>
+            <p:cNvPr id="26" name="文本框 25">
+              <a:extLst>
+                <a:ext uri="{FF2B5EF4-FFF2-40B4-BE49-F238E27FC236}">
+                  <a16:creationId xmlns:a16="http://schemas.microsoft.com/office/drawing/2014/main" id="{4FBC8EAC-F973-717A-85D4-041C8F02D419}"/>
+                </a:ext>
+              </a:extLst>
+            </p:cNvPr>
+            <p:cNvSpPr txBox="1"/>
+            <p:nvPr/>
+          </p:nvSpPr>
+          <p:spPr>
+            <a:xfrm>
+              <a:off x="1974043" y="2382710"/>
+              <a:ext cx="420308" cy="307777"/>
+            </a:xfrm>
+            <a:prstGeom prst="rect">
+              <a:avLst/>
+            </a:prstGeom>
+            <a:noFill/>
+            <a:ln w="19050">
+              <a:noFill/>
+            </a:ln>
+          </p:spPr>
+          <p:txBody>
+            <a:bodyPr wrap="none" rtlCol="0">
+              <a:spAutoFit/>
+            </a:bodyPr>
+            <a:lstStyle/>
+            <a:p>
+              <a:r>
+                <a:rPr lang="en-US" altLang="zh-CN" sz="1400" b="1" dirty="0"/>
+                <a:t>w2</a:t>
+              </a:r>
+              <a:endParaRPr lang="zh-CN" altLang="en-US" sz="1400" b="1" dirty="0"/>
+            </a:p>
+          </p:txBody>
+        </p:sp>
+      </p:grpSp>
+      <p:grpSp>
+        <p:nvGrpSpPr>
+          <p:cNvPr id="79" name="组合 78">
+            <a:extLst>
+              <a:ext uri="{FF2B5EF4-FFF2-40B4-BE49-F238E27FC236}">
+                <a16:creationId xmlns:a16="http://schemas.microsoft.com/office/drawing/2014/main" id="{D71398BF-E99A-537F-8B75-0290B2B3786D}"/>
+              </a:ext>
+            </a:extLst>
+          </p:cNvPr>
+          <p:cNvGrpSpPr/>
+          <p:nvPr/>
+        </p:nvGrpSpPr>
+        <p:grpSpPr>
+          <a:xfrm>
+            <a:off x="4837353" y="946326"/>
+            <a:ext cx="5482450" cy="3289854"/>
+            <a:chOff x="4837353" y="946326"/>
+            <a:chExt cx="5482450" cy="3289854"/>
+          </a:xfrm>
+        </p:grpSpPr>
+        <mc:AlternateContent xmlns:mc="http://schemas.openxmlformats.org/markup-compatibility/2006">
+          <mc:Choice xmlns:a14="http://schemas.microsoft.com/office/drawing/2010/main" Requires="a14">
+            <p:sp>
+              <p:nvSpPr>
+                <p:cNvPr id="70" name="文本框 69">
+                  <a:extLst>
+                    <a:ext uri="{FF2B5EF4-FFF2-40B4-BE49-F238E27FC236}">
+                      <a16:creationId xmlns:a16="http://schemas.microsoft.com/office/drawing/2014/main" id="{8860466B-BE22-3A9A-C4C5-7C5FEF696D65}"/>
+                    </a:ext>
+                  </a:extLst>
+                </p:cNvPr>
+                <p:cNvSpPr txBox="1"/>
+                <p:nvPr/>
+              </p:nvSpPr>
+              <p:spPr>
+                <a:xfrm>
+                  <a:off x="4865239" y="946326"/>
+                  <a:ext cx="3498009" cy="351506"/>
+                </a:xfrm>
+                <a:prstGeom prst="rect">
+                  <a:avLst/>
+                </a:prstGeom>
+                <a:noFill/>
+              </p:spPr>
+              <p:txBody>
+                <a:bodyPr wrap="none" lIns="0" tIns="0" rIns="0" bIns="0" rtlCol="0">
+                  <a:spAutoFit/>
+                </a:bodyPr>
+                <a:lstStyle/>
+                <a:p>
+                  <a14:m>
+                    <m:oMathPara xmlns:m="http://schemas.openxmlformats.org/officeDocument/2006/math">
+                      <m:oMathParaPr>
+                        <m:jc m:val="centerGroup"/>
+                      </m:oMathParaPr>
+                      <m:oMath xmlns:m="http://schemas.openxmlformats.org/officeDocument/2006/math">
+                        <m:sSubSup>
+                          <m:sSubSupPr>
+                            <m:ctrlPr>
+                              <a:rPr lang="en-US" altLang="zh-CN" b="0" i="1" smtClean="0">
+                                <a:latin typeface="Cambria Math" panose="02040503050406030204" pitchFamily="18" charset="0"/>
+                              </a:rPr>
+                            </m:ctrlPr>
+                          </m:sSubSupPr>
+                          <m:e>
+                            <m:r>
+                              <a:rPr lang="en-US" altLang="zh-CN" b="0" i="1" smtClean="0">
+                                <a:latin typeface="Cambria Math" panose="02040503050406030204" pitchFamily="18" charset="0"/>
+                              </a:rPr>
+                              <m:t>𝑎</m:t>
+                            </m:r>
+                          </m:e>
+                          <m:sub>
+                            <m:r>
+                              <a:rPr lang="en-US" altLang="zh-CN" b="0" i="1" smtClean="0">
+                                <a:latin typeface="Cambria Math" panose="02040503050406030204" pitchFamily="18" charset="0"/>
+                              </a:rPr>
+                              <m:t>1</m:t>
+                            </m:r>
+                          </m:sub>
+                          <m:sup>
+                            <m:r>
+                              <a:rPr lang="en-US" altLang="zh-CN" b="0" i="1" smtClean="0">
+                                <a:latin typeface="Cambria Math" panose="02040503050406030204" pitchFamily="18" charset="0"/>
+                              </a:rPr>
+                              <m:t>(1)</m:t>
+                            </m:r>
+                          </m:sup>
+                        </m:sSubSup>
+                        <m:r>
+                          <a:rPr lang="en-US" altLang="zh-CN" b="0" i="1" smtClean="0">
+                            <a:latin typeface="Cambria Math" panose="02040503050406030204" pitchFamily="18" charset="0"/>
+                          </a:rPr>
+                          <m:t>=</m:t>
+                        </m:r>
+                        <m:sSubSup>
+                          <m:sSubSupPr>
+                            <m:ctrlPr>
+                              <a:rPr lang="en-US" altLang="zh-CN" b="0" i="1" smtClean="0">
+                                <a:latin typeface="Cambria Math" panose="02040503050406030204" pitchFamily="18" charset="0"/>
+                              </a:rPr>
+                            </m:ctrlPr>
+                          </m:sSubSupPr>
+                          <m:e>
+                            <m:r>
+                              <a:rPr lang="en-US" altLang="zh-CN" b="0" i="1" smtClean="0">
+                                <a:latin typeface="Cambria Math" panose="02040503050406030204" pitchFamily="18" charset="0"/>
+                              </a:rPr>
+                              <m:t>𝑤</m:t>
+                            </m:r>
+                          </m:e>
+                          <m:sub>
+                            <m:r>
+                              <a:rPr lang="en-US" altLang="zh-CN" b="0" i="1" smtClean="0">
+                                <a:latin typeface="Cambria Math" panose="02040503050406030204" pitchFamily="18" charset="0"/>
+                              </a:rPr>
+                              <m:t>11</m:t>
+                            </m:r>
+                          </m:sub>
+                          <m:sup>
+                            <m:r>
+                              <a:rPr lang="en-US" altLang="zh-CN" b="0" i="1" smtClean="0">
+                                <a:latin typeface="Cambria Math" panose="02040503050406030204" pitchFamily="18" charset="0"/>
+                              </a:rPr>
+                              <m:t>(1)</m:t>
+                            </m:r>
+                          </m:sup>
+                        </m:sSubSup>
+                        <m:r>
+                          <a:rPr lang="en-US" altLang="zh-CN" b="0" i="1" smtClean="0">
+                            <a:latin typeface="Cambria Math" panose="02040503050406030204" pitchFamily="18" charset="0"/>
+                          </a:rPr>
+                          <m:t>∗</m:t>
+                        </m:r>
+                        <m:sSub>
+                          <m:sSubPr>
+                            <m:ctrlPr>
+                              <a:rPr lang="en-US" altLang="zh-CN" b="0" i="1" smtClean="0">
+                                <a:latin typeface="Cambria Math" panose="02040503050406030204" pitchFamily="18" charset="0"/>
+                              </a:rPr>
+                            </m:ctrlPr>
+                          </m:sSubPr>
+                          <m:e>
+                            <m:r>
+                              <a:rPr lang="en-US" altLang="zh-CN" b="0" i="1" smtClean="0">
+                                <a:latin typeface="Cambria Math" panose="02040503050406030204" pitchFamily="18" charset="0"/>
+                              </a:rPr>
+                              <m:t>𝑥</m:t>
+                            </m:r>
+                          </m:e>
+                          <m:sub>
+                            <m:r>
+                              <a:rPr lang="en-US" altLang="zh-CN" b="0" i="1" smtClean="0">
+                                <a:latin typeface="Cambria Math" panose="02040503050406030204" pitchFamily="18" charset="0"/>
+                              </a:rPr>
+                              <m:t>1</m:t>
+                            </m:r>
+                          </m:sub>
+                        </m:sSub>
+                        <m:r>
+                          <a:rPr lang="en-US" altLang="zh-CN" b="0" i="1" smtClean="0">
+                            <a:latin typeface="Cambria Math" panose="02040503050406030204" pitchFamily="18" charset="0"/>
+                          </a:rPr>
+                          <m:t>+</m:t>
+                        </m:r>
+                        <m:sSubSup>
+                          <m:sSubSupPr>
+                            <m:ctrlPr>
+                              <a:rPr lang="en-US" altLang="zh-CN" i="1">
+                                <a:latin typeface="Cambria Math" panose="02040503050406030204" pitchFamily="18" charset="0"/>
+                              </a:rPr>
+                            </m:ctrlPr>
+                          </m:sSubSupPr>
+                          <m:e>
+                            <m:r>
+                              <a:rPr lang="en-US" altLang="zh-CN" i="1">
+                                <a:latin typeface="Cambria Math" panose="02040503050406030204" pitchFamily="18" charset="0"/>
+                              </a:rPr>
+                              <m:t>𝑤</m:t>
+                            </m:r>
+                          </m:e>
+                          <m:sub>
+                            <m:r>
+                              <a:rPr lang="en-US" altLang="zh-CN" i="1">
+                                <a:latin typeface="Cambria Math" panose="02040503050406030204" pitchFamily="18" charset="0"/>
+                              </a:rPr>
+                              <m:t>1</m:t>
+                            </m:r>
+                            <m:r>
+                              <a:rPr lang="en-US" altLang="zh-CN" b="0" i="1" smtClean="0">
+                                <a:latin typeface="Cambria Math" panose="02040503050406030204" pitchFamily="18" charset="0"/>
+                              </a:rPr>
+                              <m:t>2</m:t>
+                            </m:r>
+                          </m:sub>
+                          <m:sup>
+                            <m:d>
+                              <m:dPr>
+                                <m:ctrlPr>
+                                  <a:rPr lang="en-US" altLang="zh-CN" i="1">
+                                    <a:latin typeface="Cambria Math" panose="02040503050406030204" pitchFamily="18" charset="0"/>
+                                  </a:rPr>
+                                </m:ctrlPr>
+                              </m:dPr>
+                              <m:e>
+                                <m:r>
+                                  <a:rPr lang="en-US" altLang="zh-CN" i="1">
+                                    <a:latin typeface="Cambria Math" panose="02040503050406030204" pitchFamily="18" charset="0"/>
+                                  </a:rPr>
+                                  <m:t>1</m:t>
+                                </m:r>
+                              </m:e>
+                            </m:d>
+                          </m:sup>
+                        </m:sSubSup>
+                        <m:r>
+                          <a:rPr lang="en-US" altLang="zh-CN" b="0" i="0" smtClean="0">
+                            <a:latin typeface="Cambria Math" panose="02040503050406030204" pitchFamily="18" charset="0"/>
+                          </a:rPr>
+                          <m:t>∗</m:t>
+                        </m:r>
+                        <m:sSub>
+                          <m:sSubPr>
+                            <m:ctrlPr>
+                              <a:rPr lang="en-US" altLang="zh-CN" b="0" i="0" smtClean="0">
+                                <a:latin typeface="Cambria Math" panose="02040503050406030204" pitchFamily="18" charset="0"/>
+                              </a:rPr>
+                            </m:ctrlPr>
+                          </m:sSubPr>
+                          <m:e>
+                            <m:r>
+                              <m:rPr>
+                                <m:sty m:val="p"/>
+                              </m:rPr>
+                              <a:rPr lang="en-US" altLang="zh-CN" b="0" i="0" smtClean="0">
+                                <a:latin typeface="Cambria Math" panose="02040503050406030204" pitchFamily="18" charset="0"/>
+                              </a:rPr>
+                              <m:t>x</m:t>
+                            </m:r>
+                          </m:e>
+                          <m:sub>
+                            <m:r>
+                              <a:rPr lang="en-US" altLang="zh-CN" b="0" i="0" smtClean="0">
+                                <a:latin typeface="Cambria Math" panose="02040503050406030204" pitchFamily="18" charset="0"/>
+                              </a:rPr>
+                              <m:t>2</m:t>
+                            </m:r>
+                          </m:sub>
+                        </m:sSub>
+                        <m:r>
+                          <a:rPr lang="en-US" altLang="zh-CN" b="0" i="0" smtClean="0">
+                            <a:latin typeface="Cambria Math" panose="02040503050406030204" pitchFamily="18" charset="0"/>
+                          </a:rPr>
+                          <m:t>+</m:t>
+                        </m:r>
+                        <m:sSubSup>
+                          <m:sSubSupPr>
+                            <m:ctrlPr>
+                              <a:rPr lang="en-US" altLang="zh-CN" i="1">
+                                <a:latin typeface="Cambria Math" panose="02040503050406030204" pitchFamily="18" charset="0"/>
+                              </a:rPr>
+                            </m:ctrlPr>
+                          </m:sSubSupPr>
+                          <m:e>
+                            <m:r>
+                              <m:rPr>
+                                <m:sty m:val="p"/>
+                              </m:rPr>
+                              <a:rPr lang="en-US" altLang="zh-CN" i="1" smtClean="0">
+                                <a:latin typeface="Cambria Math" panose="02040503050406030204" pitchFamily="18" charset="0"/>
+                              </a:rPr>
+                              <m:t>b</m:t>
+                            </m:r>
+                          </m:e>
+                          <m:sub>
+                            <m:r>
+                              <a:rPr lang="en-US" altLang="zh-CN" i="1">
+                                <a:latin typeface="Cambria Math" panose="02040503050406030204" pitchFamily="18" charset="0"/>
+                              </a:rPr>
+                              <m:t>1</m:t>
+                            </m:r>
+                          </m:sub>
+                          <m:sup>
+                            <m:r>
+                              <a:rPr lang="en-US" altLang="zh-CN" i="1">
+                                <a:latin typeface="Cambria Math" panose="02040503050406030204" pitchFamily="18" charset="0"/>
+                              </a:rPr>
+                              <m:t>(1)</m:t>
+                            </m:r>
+                          </m:sup>
+                        </m:sSubSup>
+                      </m:oMath>
+                    </m:oMathPara>
+                  </a14:m>
+                  <a:endParaRPr lang="en-US" altLang="zh-CN" b="0" dirty="0"/>
+                </a:p>
+              </p:txBody>
+            </p:sp>
+          </mc:Choice>
+          <mc:Fallback>
+            <p:sp>
+              <p:nvSpPr>
+                <p:cNvPr id="70" name="文本框 69">
+                  <a:extLst>
+                    <a:ext uri="{FF2B5EF4-FFF2-40B4-BE49-F238E27FC236}">
+                      <a16:creationId xmlns:a16="http://schemas.microsoft.com/office/drawing/2014/main" id="{8860466B-BE22-3A9A-C4C5-7C5FEF696D65}"/>
+                    </a:ext>
+                  </a:extLst>
+                </p:cNvPr>
+                <p:cNvSpPr txBox="1">
+                  <a:spLocks noRot="1" noChangeAspect="1" noMove="1" noResize="1" noEditPoints="1" noAdjustHandles="1" noChangeArrowheads="1" noChangeShapeType="1" noTextEdit="1"/>
+                </p:cNvSpPr>
+                <p:nvPr/>
+              </p:nvSpPr>
+              <p:spPr>
+                <a:xfrm>
+                  <a:off x="4865239" y="946326"/>
+                  <a:ext cx="3498009" cy="351506"/>
+                </a:xfrm>
+                <a:prstGeom prst="rect">
+                  <a:avLst/>
+                </a:prstGeom>
+                <a:blipFill>
+                  <a:blip r:embed="rId3"/>
+                  <a:stretch>
+                    <a:fillRect t="-3448" b="-15517"/>
+                  </a:stretch>
+                </a:blipFill>
+              </p:spPr>
+              <p:txBody>
+                <a:bodyPr/>
+                <a:lstStyle/>
+                <a:p>
+                  <a:r>
+                    <a:rPr lang="zh-CN" altLang="en-US">
+                      <a:noFill/>
+                    </a:rPr>
+                    <a:t> </a:t>
+                  </a:r>
+                </a:p>
+              </p:txBody>
+            </p:sp>
+          </mc:Fallback>
+        </mc:AlternateContent>
+        <mc:AlternateContent xmlns:mc="http://schemas.openxmlformats.org/markup-compatibility/2006">
+          <mc:Choice xmlns:a14="http://schemas.microsoft.com/office/drawing/2010/main" Requires="a14">
+            <p:sp>
+              <p:nvSpPr>
+                <p:cNvPr id="71" name="文本框 70">
+                  <a:extLst>
+                    <a:ext uri="{FF2B5EF4-FFF2-40B4-BE49-F238E27FC236}">
+                      <a16:creationId xmlns:a16="http://schemas.microsoft.com/office/drawing/2014/main" id="{DE1F30CF-71E8-6CC8-467B-FF96A1B3A028}"/>
+                    </a:ext>
+                  </a:extLst>
+                </p:cNvPr>
+                <p:cNvSpPr txBox="1"/>
+                <p:nvPr/>
+              </p:nvSpPr>
+              <p:spPr>
+                <a:xfrm>
+                  <a:off x="5772127" y="1481132"/>
+                  <a:ext cx="3261855" cy="557653"/>
+                </a:xfrm>
+                <a:prstGeom prst="rect">
+                  <a:avLst/>
+                </a:prstGeom>
+                <a:noFill/>
+              </p:spPr>
+              <p:txBody>
+                <a:bodyPr wrap="none" lIns="0" tIns="0" rIns="0" bIns="0" rtlCol="0">
+                  <a:spAutoFit/>
+                </a:bodyPr>
+                <a:lstStyle/>
+                <a:p>
+                  <a14:m>
+                    <m:oMathPara xmlns:m="http://schemas.openxmlformats.org/officeDocument/2006/math">
+                      <m:oMathParaPr>
+                        <m:jc m:val="centerGroup"/>
+                      </m:oMathParaPr>
+                      <m:oMath xmlns:m="http://schemas.openxmlformats.org/officeDocument/2006/math">
+                        <m:sSubSup>
+                          <m:sSubSupPr>
+                            <m:ctrlPr>
+                              <a:rPr lang="en-US" altLang="zh-CN" sz="2800" b="1" i="1" smtClean="0">
+                                <a:latin typeface="Cambria Math" panose="02040503050406030204" pitchFamily="18" charset="0"/>
+                              </a:rPr>
+                            </m:ctrlPr>
+                          </m:sSubSupPr>
+                          <m:e>
+                            <m:r>
+                              <a:rPr lang="en-US" altLang="zh-CN" sz="2800" b="1" i="1" smtClean="0">
+                                <a:latin typeface="Cambria Math" panose="02040503050406030204" pitchFamily="18" charset="0"/>
+                              </a:rPr>
+                              <m:t>𝑨</m:t>
+                            </m:r>
+                          </m:e>
+                          <m:sub/>
+                          <m:sup>
+                            <m:r>
+                              <a:rPr lang="en-US" altLang="zh-CN" sz="2800" b="1" i="1" smtClean="0">
+                                <a:latin typeface="Cambria Math" panose="02040503050406030204" pitchFamily="18" charset="0"/>
+                              </a:rPr>
+                              <m:t>(</m:t>
+                            </m:r>
+                            <m:r>
+                              <a:rPr lang="en-US" altLang="zh-CN" sz="2800" b="1" i="1" smtClean="0">
+                                <a:latin typeface="Cambria Math" panose="02040503050406030204" pitchFamily="18" charset="0"/>
+                              </a:rPr>
+                              <m:t>𝟏</m:t>
+                            </m:r>
+                            <m:r>
+                              <a:rPr lang="en-US" altLang="zh-CN" sz="2800" b="1" i="1" smtClean="0">
+                                <a:latin typeface="Cambria Math" panose="02040503050406030204" pitchFamily="18" charset="0"/>
+                              </a:rPr>
+                              <m:t>)</m:t>
+                            </m:r>
+                          </m:sup>
+                        </m:sSubSup>
+                        <m:r>
+                          <a:rPr lang="en-US" altLang="zh-CN" sz="2800" b="1" i="1" smtClean="0">
+                            <a:latin typeface="Cambria Math" panose="02040503050406030204" pitchFamily="18" charset="0"/>
+                          </a:rPr>
+                          <m:t>=</m:t>
+                        </m:r>
+                        <m:sSubSup>
+                          <m:sSubSupPr>
+                            <m:ctrlPr>
+                              <a:rPr lang="en-US" altLang="zh-CN" sz="2800" b="1" i="1" smtClean="0">
+                                <a:latin typeface="Cambria Math" panose="02040503050406030204" pitchFamily="18" charset="0"/>
+                              </a:rPr>
+                            </m:ctrlPr>
+                          </m:sSubSupPr>
+                          <m:e>
+                            <m:r>
+                              <a:rPr lang="en-US" altLang="zh-CN" sz="2800" b="1" i="1" smtClean="0">
+                                <a:latin typeface="Cambria Math" panose="02040503050406030204" pitchFamily="18" charset="0"/>
+                              </a:rPr>
+                              <m:t>𝑿</m:t>
+                            </m:r>
+                            <m:r>
+                              <a:rPr lang="en-US" altLang="zh-CN" sz="2800" b="1" i="1" smtClean="0">
+                                <a:latin typeface="Cambria Math" panose="02040503050406030204" pitchFamily="18" charset="0"/>
+                              </a:rPr>
+                              <m:t>𝑾</m:t>
+                            </m:r>
+                          </m:e>
+                          <m:sub/>
+                          <m:sup>
+                            <m:r>
+                              <a:rPr lang="en-US" altLang="zh-CN" sz="2800" b="1" i="1" smtClean="0">
+                                <a:latin typeface="Cambria Math" panose="02040503050406030204" pitchFamily="18" charset="0"/>
+                              </a:rPr>
+                              <m:t>(</m:t>
+                            </m:r>
+                            <m:r>
+                              <a:rPr lang="en-US" altLang="zh-CN" sz="2800" b="1" i="1" smtClean="0">
+                                <a:latin typeface="Cambria Math" panose="02040503050406030204" pitchFamily="18" charset="0"/>
+                              </a:rPr>
+                              <m:t>𝟏</m:t>
+                            </m:r>
+                            <m:r>
+                              <a:rPr lang="en-US" altLang="zh-CN" sz="2800" b="1" i="1" smtClean="0">
+                                <a:latin typeface="Cambria Math" panose="02040503050406030204" pitchFamily="18" charset="0"/>
+                              </a:rPr>
+                              <m:t>)</m:t>
+                            </m:r>
+                          </m:sup>
+                        </m:sSubSup>
+                        <m:r>
+                          <a:rPr lang="en-US" altLang="zh-CN" sz="2800" b="1" i="1" smtClean="0">
+                            <a:latin typeface="Cambria Math" panose="02040503050406030204" pitchFamily="18" charset="0"/>
+                          </a:rPr>
+                          <m:t>+</m:t>
+                        </m:r>
+                        <m:sSubSup>
+                          <m:sSubSupPr>
+                            <m:ctrlPr>
+                              <a:rPr lang="en-US" altLang="zh-CN" sz="2800" b="1" i="1">
+                                <a:latin typeface="Cambria Math" panose="02040503050406030204" pitchFamily="18" charset="0"/>
+                              </a:rPr>
+                            </m:ctrlPr>
+                          </m:sSubSupPr>
+                          <m:e>
+                            <m:r>
+                              <a:rPr lang="en-US" altLang="zh-CN" sz="2800" b="1" i="1" smtClean="0">
+                                <a:latin typeface="Cambria Math" panose="02040503050406030204" pitchFamily="18" charset="0"/>
+                              </a:rPr>
+                              <m:t>𝑩</m:t>
+                            </m:r>
+                          </m:e>
+                          <m:sub/>
+                          <m:sup>
+                            <m:r>
+                              <a:rPr lang="en-US" altLang="zh-CN" sz="2800" b="1" i="1">
+                                <a:latin typeface="Cambria Math" panose="02040503050406030204" pitchFamily="18" charset="0"/>
+                              </a:rPr>
+                              <m:t>(</m:t>
+                            </m:r>
+                            <m:r>
+                              <a:rPr lang="en-US" altLang="zh-CN" sz="2800" b="1" i="1">
+                                <a:latin typeface="Cambria Math" panose="02040503050406030204" pitchFamily="18" charset="0"/>
+                              </a:rPr>
+                              <m:t>𝟏</m:t>
+                            </m:r>
+                            <m:r>
+                              <a:rPr lang="en-US" altLang="zh-CN" sz="2800" b="1" i="1">
+                                <a:latin typeface="Cambria Math" panose="02040503050406030204" pitchFamily="18" charset="0"/>
+                              </a:rPr>
+                              <m:t>)</m:t>
+                            </m:r>
+                          </m:sup>
+                        </m:sSubSup>
+                      </m:oMath>
+                    </m:oMathPara>
+                  </a14:m>
+                  <a:endParaRPr lang="en-US" altLang="zh-CN" sz="2800" b="1" dirty="0"/>
+                </a:p>
+              </p:txBody>
+            </p:sp>
+          </mc:Choice>
+          <mc:Fallback>
+            <p:sp>
+              <p:nvSpPr>
+                <p:cNvPr id="71" name="文本框 70">
+                  <a:extLst>
+                    <a:ext uri="{FF2B5EF4-FFF2-40B4-BE49-F238E27FC236}">
+                      <a16:creationId xmlns:a16="http://schemas.microsoft.com/office/drawing/2014/main" id="{DE1F30CF-71E8-6CC8-467B-FF96A1B3A028}"/>
+                    </a:ext>
+                  </a:extLst>
+                </p:cNvPr>
+                <p:cNvSpPr txBox="1">
+                  <a:spLocks noRot="1" noChangeAspect="1" noMove="1" noResize="1" noEditPoints="1" noAdjustHandles="1" noChangeArrowheads="1" noChangeShapeType="1" noTextEdit="1"/>
+                </p:cNvSpPr>
+                <p:nvPr/>
+              </p:nvSpPr>
+              <p:spPr>
+                <a:xfrm>
+                  <a:off x="5772127" y="1481132"/>
+                  <a:ext cx="3261855" cy="557653"/>
+                </a:xfrm>
+                <a:prstGeom prst="rect">
+                  <a:avLst/>
+                </a:prstGeom>
+                <a:blipFill>
+                  <a:blip r:embed="rId4"/>
+                  <a:stretch>
+                    <a:fillRect/>
+                  </a:stretch>
+                </a:blipFill>
+              </p:spPr>
+              <p:txBody>
+                <a:bodyPr/>
+                <a:lstStyle/>
+                <a:p>
+                  <a:r>
+                    <a:rPr lang="zh-CN" altLang="en-US">
+                      <a:noFill/>
+                    </a:rPr>
+                    <a:t> </a:t>
+                  </a:r>
+                </a:p>
+              </p:txBody>
+            </p:sp>
+          </mc:Fallback>
+        </mc:AlternateContent>
+        <mc:AlternateContent xmlns:mc="http://schemas.openxmlformats.org/markup-compatibility/2006">
+          <mc:Choice xmlns:a14="http://schemas.microsoft.com/office/drawing/2010/main" Requires="a14">
+            <p:sp>
+              <p:nvSpPr>
+                <p:cNvPr id="72" name="文本框 71">
+                  <a:extLst>
+                    <a:ext uri="{FF2B5EF4-FFF2-40B4-BE49-F238E27FC236}">
+                      <a16:creationId xmlns:a16="http://schemas.microsoft.com/office/drawing/2014/main" id="{CBCA24AA-334F-6C35-09F1-43DB602FB503}"/>
+                    </a:ext>
+                  </a:extLst>
+                </p:cNvPr>
+                <p:cNvSpPr txBox="1"/>
+                <p:nvPr/>
+              </p:nvSpPr>
+              <p:spPr>
+                <a:xfrm>
+                  <a:off x="5685273" y="2302055"/>
+                  <a:ext cx="2571794" cy="366254"/>
+                </a:xfrm>
+                <a:prstGeom prst="rect">
+                  <a:avLst/>
+                </a:prstGeom>
+                <a:noFill/>
+              </p:spPr>
+              <p:txBody>
+                <a:bodyPr wrap="none" lIns="0" tIns="0" rIns="0" bIns="0" rtlCol="0">
+                  <a:spAutoFit/>
+                </a:bodyPr>
+                <a:lstStyle/>
+                <a:p>
+                  <a14:m>
+                    <m:oMathPara xmlns:m="http://schemas.openxmlformats.org/officeDocument/2006/math">
+                      <m:oMathParaPr>
+                        <m:jc m:val="centerGroup"/>
+                      </m:oMathParaPr>
+                      <m:oMath xmlns:m="http://schemas.openxmlformats.org/officeDocument/2006/math">
+                        <m:sSubSup>
+                          <m:sSubSupPr>
+                            <m:ctrlPr>
+                              <a:rPr lang="en-US" altLang="zh-CN" b="0" i="1" smtClean="0">
+                                <a:latin typeface="Cambria Math" panose="02040503050406030204" pitchFamily="18" charset="0"/>
+                              </a:rPr>
+                            </m:ctrlPr>
+                          </m:sSubSupPr>
+                          <m:e>
+                            <m:r>
+                              <a:rPr lang="en-US" altLang="zh-CN" b="0" i="1" smtClean="0">
+                                <a:latin typeface="Cambria Math" panose="02040503050406030204" pitchFamily="18" charset="0"/>
+                              </a:rPr>
+                              <m:t>𝐴</m:t>
+                            </m:r>
+                          </m:e>
+                          <m:sub/>
+                          <m:sup>
+                            <m:r>
+                              <a:rPr lang="en-US" altLang="zh-CN" b="0" i="1" smtClean="0">
+                                <a:latin typeface="Cambria Math" panose="02040503050406030204" pitchFamily="18" charset="0"/>
+                              </a:rPr>
+                              <m:t>(1)</m:t>
+                            </m:r>
+                          </m:sup>
+                        </m:sSubSup>
+                        <m:r>
+                          <a:rPr lang="en-US" altLang="zh-CN" b="0" i="1" smtClean="0">
+                            <a:latin typeface="Cambria Math" panose="02040503050406030204" pitchFamily="18" charset="0"/>
+                          </a:rPr>
+                          <m:t>=</m:t>
+                        </m:r>
+                        <m:d>
+                          <m:dPr>
+                            <m:ctrlPr>
+                              <a:rPr lang="en-US" altLang="zh-CN" b="0" i="1" smtClean="0">
+                                <a:latin typeface="Cambria Math" panose="02040503050406030204" pitchFamily="18" charset="0"/>
+                              </a:rPr>
+                            </m:ctrlPr>
+                          </m:dPr>
+                          <m:e>
+                            <m:m>
+                              <m:mPr>
+                                <m:mcs>
+                                  <m:mc>
+                                    <m:mcPr>
+                                      <m:count m:val="3"/>
+                                      <m:mcJc m:val="center"/>
+                                    </m:mcPr>
+                                  </m:mc>
+                                </m:mcs>
+                                <m:ctrlPr>
+                                  <a:rPr lang="en-US" altLang="zh-CN" i="1">
+                                    <a:latin typeface="Cambria Math" panose="02040503050406030204" pitchFamily="18" charset="0"/>
+                                  </a:rPr>
+                                </m:ctrlPr>
+                              </m:mPr>
+                              <m:mr>
+                                <m:e>
+                                  <m:sSubSup>
+                                    <m:sSubSupPr>
+                                      <m:ctrlPr>
+                                        <a:rPr lang="en-US" altLang="zh-CN" i="1">
+                                          <a:latin typeface="Cambria Math" panose="02040503050406030204" pitchFamily="18" charset="0"/>
+                                        </a:rPr>
+                                      </m:ctrlPr>
+                                    </m:sSubSupPr>
+                                    <m:e>
+                                      <m:r>
+                                        <a:rPr lang="en-US" altLang="zh-CN" i="1">
+                                          <a:latin typeface="Cambria Math" panose="02040503050406030204" pitchFamily="18" charset="0"/>
+                                        </a:rPr>
+                                        <m:t>𝑎</m:t>
+                                      </m:r>
+                                    </m:e>
+                                    <m:sub>
+                                      <m:r>
+                                        <a:rPr lang="en-US" altLang="zh-CN" i="1">
+                                          <a:latin typeface="Cambria Math" panose="02040503050406030204" pitchFamily="18" charset="0"/>
+                                        </a:rPr>
+                                        <m:t>1</m:t>
+                                      </m:r>
+                                    </m:sub>
+                                    <m:sup>
+                                      <m:r>
+                                        <a:rPr lang="en-US" altLang="zh-CN" i="1">
+                                          <a:latin typeface="Cambria Math" panose="02040503050406030204" pitchFamily="18" charset="0"/>
+                                        </a:rPr>
+                                        <m:t>(1)</m:t>
+                                      </m:r>
+                                    </m:sup>
+                                  </m:sSubSup>
+                                </m:e>
+                                <m:e>
+                                  <m:sSubSup>
+                                    <m:sSubSupPr>
+                                      <m:ctrlPr>
+                                        <a:rPr lang="en-US" altLang="zh-CN" i="1">
+                                          <a:latin typeface="Cambria Math" panose="02040503050406030204" pitchFamily="18" charset="0"/>
+                                        </a:rPr>
+                                      </m:ctrlPr>
+                                    </m:sSubSupPr>
+                                    <m:e>
+                                      <m:r>
+                                        <a:rPr lang="en-US" altLang="zh-CN" i="1">
+                                          <a:latin typeface="Cambria Math" panose="02040503050406030204" pitchFamily="18" charset="0"/>
+                                        </a:rPr>
+                                        <m:t>𝑎</m:t>
+                                      </m:r>
+                                    </m:e>
+                                    <m:sub>
+                                      <m:r>
+                                        <a:rPr lang="en-US" altLang="zh-CN" b="0" i="1" smtClean="0">
+                                          <a:latin typeface="Cambria Math" panose="02040503050406030204" pitchFamily="18" charset="0"/>
+                                        </a:rPr>
+                                        <m:t>2</m:t>
+                                      </m:r>
+                                    </m:sub>
+                                    <m:sup>
+                                      <m:r>
+                                        <a:rPr lang="en-US" altLang="zh-CN" i="1">
+                                          <a:latin typeface="Cambria Math" panose="02040503050406030204" pitchFamily="18" charset="0"/>
+                                        </a:rPr>
+                                        <m:t>(1)</m:t>
+                                      </m:r>
+                                    </m:sup>
+                                  </m:sSubSup>
+                                </m:e>
+                                <m:e>
+                                  <m:sSubSup>
+                                    <m:sSubSupPr>
+                                      <m:ctrlPr>
+                                        <a:rPr lang="en-US" altLang="zh-CN" i="1">
+                                          <a:latin typeface="Cambria Math" panose="02040503050406030204" pitchFamily="18" charset="0"/>
+                                        </a:rPr>
+                                      </m:ctrlPr>
+                                    </m:sSubSupPr>
+                                    <m:e>
+                                      <m:r>
+                                        <a:rPr lang="en-US" altLang="zh-CN" i="1">
+                                          <a:latin typeface="Cambria Math" panose="02040503050406030204" pitchFamily="18" charset="0"/>
+                                        </a:rPr>
+                                        <m:t>𝑎</m:t>
+                                      </m:r>
+                                    </m:e>
+                                    <m:sub>
+                                      <m:r>
+                                        <a:rPr lang="en-US" altLang="zh-CN" b="0" i="1" smtClean="0">
+                                          <a:latin typeface="Cambria Math" panose="02040503050406030204" pitchFamily="18" charset="0"/>
+                                        </a:rPr>
+                                        <m:t>3</m:t>
+                                      </m:r>
+                                    </m:sub>
+                                    <m:sup>
+                                      <m:r>
+                                        <a:rPr lang="en-US" altLang="zh-CN" i="1">
+                                          <a:latin typeface="Cambria Math" panose="02040503050406030204" pitchFamily="18" charset="0"/>
+                                        </a:rPr>
+                                        <m:t>(1)</m:t>
+                                      </m:r>
+                                    </m:sup>
+                                  </m:sSubSup>
+                                </m:e>
+                              </m:mr>
+                            </m:m>
+                          </m:e>
+                        </m:d>
+                      </m:oMath>
+                    </m:oMathPara>
+                  </a14:m>
+                  <a:endParaRPr lang="en-US" altLang="zh-CN" b="0" dirty="0"/>
+                </a:p>
+              </p:txBody>
+            </p:sp>
+          </mc:Choice>
+          <mc:Fallback>
+            <p:sp>
+              <p:nvSpPr>
+                <p:cNvPr id="72" name="文本框 71">
+                  <a:extLst>
+                    <a:ext uri="{FF2B5EF4-FFF2-40B4-BE49-F238E27FC236}">
+                      <a16:creationId xmlns:a16="http://schemas.microsoft.com/office/drawing/2014/main" id="{CBCA24AA-334F-6C35-09F1-43DB602FB503}"/>
+                    </a:ext>
+                  </a:extLst>
+                </p:cNvPr>
+                <p:cNvSpPr txBox="1">
+                  <a:spLocks noRot="1" noChangeAspect="1" noMove="1" noResize="1" noEditPoints="1" noAdjustHandles="1" noChangeArrowheads="1" noChangeShapeType="1" noTextEdit="1"/>
+                </p:cNvSpPr>
+                <p:nvPr/>
+              </p:nvSpPr>
+              <p:spPr>
+                <a:xfrm>
+                  <a:off x="5685273" y="2302055"/>
+                  <a:ext cx="2571794" cy="366254"/>
+                </a:xfrm>
+                <a:prstGeom prst="rect">
+                  <a:avLst/>
+                </a:prstGeom>
+                <a:blipFill>
+                  <a:blip r:embed="rId5"/>
+                  <a:stretch>
+                    <a:fillRect l="-1659" t="-3333" b="-15000"/>
+                  </a:stretch>
+                </a:blipFill>
+              </p:spPr>
+              <p:txBody>
+                <a:bodyPr/>
+                <a:lstStyle/>
+                <a:p>
+                  <a:r>
+                    <a:rPr lang="zh-CN" altLang="en-US">
+                      <a:noFill/>
+                    </a:rPr>
+                    <a:t> </a:t>
+                  </a:r>
+                </a:p>
+              </p:txBody>
+            </p:sp>
+          </mc:Fallback>
+        </mc:AlternateContent>
+        <mc:AlternateContent xmlns:mc="http://schemas.openxmlformats.org/markup-compatibility/2006">
+          <mc:Choice xmlns:a14="http://schemas.microsoft.com/office/drawing/2010/main" Requires="a14">
+            <p:sp>
+              <p:nvSpPr>
+                <p:cNvPr id="73" name="文本框 72">
+                  <a:extLst>
+                    <a:ext uri="{FF2B5EF4-FFF2-40B4-BE49-F238E27FC236}">
+                      <a16:creationId xmlns:a16="http://schemas.microsoft.com/office/drawing/2014/main" id="{92F81D5A-8CC7-330E-18FD-A206C4B60933}"/>
+                    </a:ext>
+                  </a:extLst>
+                </p:cNvPr>
+                <p:cNvSpPr txBox="1"/>
+                <p:nvPr/>
+              </p:nvSpPr>
+              <p:spPr>
+                <a:xfrm>
+                  <a:off x="7754870" y="2923453"/>
+                  <a:ext cx="2564933" cy="366254"/>
+                </a:xfrm>
+                <a:prstGeom prst="rect">
+                  <a:avLst/>
+                </a:prstGeom>
+                <a:noFill/>
+              </p:spPr>
+              <p:txBody>
+                <a:bodyPr wrap="none" lIns="0" tIns="0" rIns="0" bIns="0" rtlCol="0">
+                  <a:spAutoFit/>
+                </a:bodyPr>
+                <a:lstStyle/>
+                <a:p>
+                  <a14:m>
+                    <m:oMathPara xmlns:m="http://schemas.openxmlformats.org/officeDocument/2006/math">
+                      <m:oMathParaPr>
+                        <m:jc m:val="centerGroup"/>
+                      </m:oMathParaPr>
+                      <m:oMath xmlns:m="http://schemas.openxmlformats.org/officeDocument/2006/math">
+                        <m:sSubSup>
+                          <m:sSubSupPr>
+                            <m:ctrlPr>
+                              <a:rPr lang="en-US" altLang="zh-CN" b="0" i="1" smtClean="0">
+                                <a:latin typeface="Cambria Math" panose="02040503050406030204" pitchFamily="18" charset="0"/>
+                              </a:rPr>
+                            </m:ctrlPr>
+                          </m:sSubSupPr>
+                          <m:e>
+                            <m:r>
+                              <a:rPr lang="en-US" altLang="zh-CN" b="0" i="1" smtClean="0">
+                                <a:latin typeface="Cambria Math" panose="02040503050406030204" pitchFamily="18" charset="0"/>
+                              </a:rPr>
+                              <m:t>𝐵</m:t>
+                            </m:r>
+                          </m:e>
+                          <m:sub/>
+                          <m:sup>
+                            <m:r>
+                              <a:rPr lang="en-US" altLang="zh-CN" b="0" i="1" smtClean="0">
+                                <a:latin typeface="Cambria Math" panose="02040503050406030204" pitchFamily="18" charset="0"/>
+                              </a:rPr>
+                              <m:t>(1)</m:t>
+                            </m:r>
+                          </m:sup>
+                        </m:sSubSup>
+                        <m:r>
+                          <a:rPr lang="en-US" altLang="zh-CN" b="0" i="1" smtClean="0">
+                            <a:latin typeface="Cambria Math" panose="02040503050406030204" pitchFamily="18" charset="0"/>
+                          </a:rPr>
+                          <m:t>=</m:t>
+                        </m:r>
+                        <m:d>
+                          <m:dPr>
+                            <m:ctrlPr>
+                              <a:rPr lang="en-US" altLang="zh-CN" b="0" i="1" smtClean="0">
+                                <a:latin typeface="Cambria Math" panose="02040503050406030204" pitchFamily="18" charset="0"/>
+                              </a:rPr>
+                            </m:ctrlPr>
+                          </m:dPr>
+                          <m:e>
+                            <m:m>
+                              <m:mPr>
+                                <m:mcs>
+                                  <m:mc>
+                                    <m:mcPr>
+                                      <m:count m:val="3"/>
+                                      <m:mcJc m:val="center"/>
+                                    </m:mcPr>
+                                  </m:mc>
+                                </m:mcs>
+                                <m:ctrlPr>
+                                  <a:rPr lang="en-US" altLang="zh-CN" i="1">
+                                    <a:latin typeface="Cambria Math" panose="02040503050406030204" pitchFamily="18" charset="0"/>
+                                  </a:rPr>
+                                </m:ctrlPr>
+                              </m:mPr>
+                              <m:mr>
+                                <m:e>
+                                  <m:sSubSup>
+                                    <m:sSubSupPr>
+                                      <m:ctrlPr>
+                                        <a:rPr lang="en-US" altLang="zh-CN" i="1">
+                                          <a:latin typeface="Cambria Math" panose="02040503050406030204" pitchFamily="18" charset="0"/>
+                                        </a:rPr>
+                                      </m:ctrlPr>
+                                    </m:sSubSupPr>
+                                    <m:e>
+                                      <m:r>
+                                        <m:rPr>
+                                          <m:sty m:val="p"/>
+                                        </m:rPr>
+                                        <a:rPr lang="en-US" altLang="zh-CN" i="1">
+                                          <a:latin typeface="Cambria Math" panose="02040503050406030204" pitchFamily="18" charset="0"/>
+                                        </a:rPr>
+                                        <m:t>b</m:t>
+                                      </m:r>
+                                    </m:e>
+                                    <m:sub>
+                                      <m:r>
+                                        <a:rPr lang="en-US" altLang="zh-CN" i="1">
+                                          <a:latin typeface="Cambria Math" panose="02040503050406030204" pitchFamily="18" charset="0"/>
+                                        </a:rPr>
+                                        <m:t>1</m:t>
+                                      </m:r>
+                                    </m:sub>
+                                    <m:sup>
+                                      <m:r>
+                                        <a:rPr lang="en-US" altLang="zh-CN" i="1">
+                                          <a:latin typeface="Cambria Math" panose="02040503050406030204" pitchFamily="18" charset="0"/>
+                                        </a:rPr>
+                                        <m:t>(1)</m:t>
+                                      </m:r>
+                                    </m:sup>
+                                  </m:sSubSup>
+                                </m:e>
+                                <m:e>
+                                  <m:sSubSup>
+                                    <m:sSubSupPr>
+                                      <m:ctrlPr>
+                                        <a:rPr lang="en-US" altLang="zh-CN" i="1">
+                                          <a:latin typeface="Cambria Math" panose="02040503050406030204" pitchFamily="18" charset="0"/>
+                                        </a:rPr>
+                                      </m:ctrlPr>
+                                    </m:sSubSupPr>
+                                    <m:e>
+                                      <m:r>
+                                        <m:rPr>
+                                          <m:sty m:val="p"/>
+                                        </m:rPr>
+                                        <a:rPr lang="en-US" altLang="zh-CN" i="1">
+                                          <a:latin typeface="Cambria Math" panose="02040503050406030204" pitchFamily="18" charset="0"/>
+                                        </a:rPr>
+                                        <m:t>b</m:t>
+                                      </m:r>
+                                    </m:e>
+                                    <m:sub>
+                                      <m:r>
+                                        <a:rPr lang="en-US" altLang="zh-CN" b="0" i="1" smtClean="0">
+                                          <a:latin typeface="Cambria Math" panose="02040503050406030204" pitchFamily="18" charset="0"/>
+                                        </a:rPr>
+                                        <m:t>2</m:t>
+                                      </m:r>
+                                    </m:sub>
+                                    <m:sup>
+                                      <m:r>
+                                        <a:rPr lang="en-US" altLang="zh-CN" i="1">
+                                          <a:latin typeface="Cambria Math" panose="02040503050406030204" pitchFamily="18" charset="0"/>
+                                        </a:rPr>
+                                        <m:t>(1)</m:t>
+                                      </m:r>
+                                    </m:sup>
+                                  </m:sSubSup>
+                                </m:e>
+                                <m:e>
+                                  <m:sSubSup>
+                                    <m:sSubSupPr>
+                                      <m:ctrlPr>
+                                        <a:rPr lang="en-US" altLang="zh-CN" i="1">
+                                          <a:latin typeface="Cambria Math" panose="02040503050406030204" pitchFamily="18" charset="0"/>
+                                        </a:rPr>
+                                      </m:ctrlPr>
+                                    </m:sSubSupPr>
+                                    <m:e>
+                                      <m:r>
+                                        <m:rPr>
+                                          <m:sty m:val="p"/>
+                                        </m:rPr>
+                                        <a:rPr lang="en-US" altLang="zh-CN" i="1">
+                                          <a:latin typeface="Cambria Math" panose="02040503050406030204" pitchFamily="18" charset="0"/>
+                                        </a:rPr>
+                                        <m:t>b</m:t>
+                                      </m:r>
+                                    </m:e>
+                                    <m:sub>
+                                      <m:r>
+                                        <a:rPr lang="en-US" altLang="zh-CN" b="0" i="1" smtClean="0">
+                                          <a:latin typeface="Cambria Math" panose="02040503050406030204" pitchFamily="18" charset="0"/>
+                                        </a:rPr>
+                                        <m:t>3</m:t>
+                                      </m:r>
+                                    </m:sub>
+                                    <m:sup>
+                                      <m:r>
+                                        <a:rPr lang="en-US" altLang="zh-CN" i="1">
+                                          <a:latin typeface="Cambria Math" panose="02040503050406030204" pitchFamily="18" charset="0"/>
+                                        </a:rPr>
+                                        <m:t>(1)</m:t>
+                                      </m:r>
+                                    </m:sup>
+                                  </m:sSubSup>
+                                </m:e>
+                              </m:mr>
+                            </m:m>
+                          </m:e>
+                        </m:d>
+                      </m:oMath>
+                    </m:oMathPara>
+                  </a14:m>
+                  <a:endParaRPr lang="en-US" altLang="zh-CN" b="0" dirty="0"/>
+                </a:p>
+              </p:txBody>
+            </p:sp>
+          </mc:Choice>
+          <mc:Fallback>
+            <p:sp>
+              <p:nvSpPr>
+                <p:cNvPr id="73" name="文本框 72">
+                  <a:extLst>
+                    <a:ext uri="{FF2B5EF4-FFF2-40B4-BE49-F238E27FC236}">
+                      <a16:creationId xmlns:a16="http://schemas.microsoft.com/office/drawing/2014/main" id="{92F81D5A-8CC7-330E-18FD-A206C4B60933}"/>
+                    </a:ext>
+                  </a:extLst>
+                </p:cNvPr>
+                <p:cNvSpPr txBox="1">
+                  <a:spLocks noRot="1" noChangeAspect="1" noMove="1" noResize="1" noEditPoints="1" noAdjustHandles="1" noChangeArrowheads="1" noChangeShapeType="1" noTextEdit="1"/>
+                </p:cNvSpPr>
+                <p:nvPr/>
+              </p:nvSpPr>
+              <p:spPr>
+                <a:xfrm>
+                  <a:off x="7754870" y="2923453"/>
+                  <a:ext cx="2564933" cy="366254"/>
+                </a:xfrm>
+                <a:prstGeom prst="rect">
+                  <a:avLst/>
+                </a:prstGeom>
+                <a:blipFill>
+                  <a:blip r:embed="rId6"/>
+                  <a:stretch>
+                    <a:fillRect l="-1425" t="-3333" b="-15000"/>
+                  </a:stretch>
+                </a:blipFill>
+              </p:spPr>
+              <p:txBody>
+                <a:bodyPr/>
+                <a:lstStyle/>
+                <a:p>
+                  <a:r>
+                    <a:rPr lang="zh-CN" altLang="en-US">
+                      <a:noFill/>
+                    </a:rPr>
+                    <a:t> </a:t>
+                  </a:r>
+                </a:p>
+              </p:txBody>
+            </p:sp>
+          </mc:Fallback>
+        </mc:AlternateContent>
+        <mc:AlternateContent xmlns:mc="http://schemas.openxmlformats.org/markup-compatibility/2006">
+          <mc:Choice xmlns:a14="http://schemas.microsoft.com/office/drawing/2010/main" Requires="a14">
+            <p:sp>
+              <p:nvSpPr>
+                <p:cNvPr id="74" name="文本框 73">
+                  <a:extLst>
+                    <a:ext uri="{FF2B5EF4-FFF2-40B4-BE49-F238E27FC236}">
+                      <a16:creationId xmlns:a16="http://schemas.microsoft.com/office/drawing/2014/main" id="{E6B89686-ABC3-CDBC-6155-D5D90A91E9E1}"/>
+                    </a:ext>
+                  </a:extLst>
+                </p:cNvPr>
+                <p:cNvSpPr txBox="1"/>
+                <p:nvPr/>
+              </p:nvSpPr>
+              <p:spPr>
+                <a:xfrm>
+                  <a:off x="5685273" y="2903280"/>
+                  <a:ext cx="1638847" cy="358431"/>
+                </a:xfrm>
+                <a:prstGeom prst="rect">
+                  <a:avLst/>
+                </a:prstGeom>
+                <a:noFill/>
+              </p:spPr>
+              <p:txBody>
+                <a:bodyPr wrap="none" lIns="0" tIns="0" rIns="0" bIns="0" rtlCol="0">
+                  <a:spAutoFit/>
+                </a:bodyPr>
+                <a:lstStyle/>
+                <a:p>
+                  <a14:m>
+                    <m:oMathPara xmlns:m="http://schemas.openxmlformats.org/officeDocument/2006/math">
+                      <m:oMathParaPr>
+                        <m:jc m:val="centerGroup"/>
+                      </m:oMathParaPr>
+                      <m:oMath xmlns:m="http://schemas.openxmlformats.org/officeDocument/2006/math">
+                        <m:sSubSup>
+                          <m:sSubSupPr>
+                            <m:ctrlPr>
+                              <a:rPr lang="en-US" altLang="zh-CN" b="0" i="1" smtClean="0">
+                                <a:latin typeface="Cambria Math" panose="02040503050406030204" pitchFamily="18" charset="0"/>
+                              </a:rPr>
+                            </m:ctrlPr>
+                          </m:sSubSupPr>
+                          <m:e>
+                            <m:r>
+                              <a:rPr lang="en-US" altLang="zh-CN" b="0" i="1" smtClean="0">
+                                <a:latin typeface="Cambria Math" panose="02040503050406030204" pitchFamily="18" charset="0"/>
+                              </a:rPr>
+                              <m:t>𝑋</m:t>
+                            </m:r>
+                          </m:e>
+                          <m:sub/>
+                          <m:sup>
+                            <m:r>
+                              <a:rPr lang="en-US" altLang="zh-CN" b="0" i="1" smtClean="0">
+                                <a:latin typeface="Cambria Math" panose="02040503050406030204" pitchFamily="18" charset="0"/>
+                              </a:rPr>
+                              <m:t>(1)</m:t>
+                            </m:r>
+                          </m:sup>
+                        </m:sSubSup>
+                        <m:r>
+                          <a:rPr lang="en-US" altLang="zh-CN" b="0" i="1" smtClean="0">
+                            <a:latin typeface="Cambria Math" panose="02040503050406030204" pitchFamily="18" charset="0"/>
+                          </a:rPr>
+                          <m:t>=</m:t>
+                        </m:r>
+                        <m:d>
+                          <m:dPr>
+                            <m:ctrlPr>
+                              <a:rPr lang="en-US" altLang="zh-CN" b="0" i="1" smtClean="0">
+                                <a:latin typeface="Cambria Math" panose="02040503050406030204" pitchFamily="18" charset="0"/>
+                              </a:rPr>
+                            </m:ctrlPr>
+                          </m:dPr>
+                          <m:e>
+                            <m:m>
+                              <m:mPr>
+                                <m:mcs>
+                                  <m:mc>
+                                    <m:mcPr>
+                                      <m:count m:val="2"/>
+                                      <m:mcJc m:val="center"/>
+                                    </m:mcPr>
+                                  </m:mc>
+                                </m:mcs>
+                                <m:ctrlPr>
+                                  <a:rPr lang="en-US" altLang="zh-CN" b="0" i="1" smtClean="0">
+                                    <a:latin typeface="Cambria Math" panose="02040503050406030204" pitchFamily="18" charset="0"/>
+                                  </a:rPr>
+                                </m:ctrlPr>
+                              </m:mPr>
+                              <m:mr>
+                                <m:e>
+                                  <m:sSub>
+                                    <m:sSubPr>
+                                      <m:ctrlPr>
+                                        <a:rPr lang="en-US" altLang="zh-CN" i="1">
+                                          <a:latin typeface="Cambria Math" panose="02040503050406030204" pitchFamily="18" charset="0"/>
+                                        </a:rPr>
+                                      </m:ctrlPr>
+                                    </m:sSubPr>
+                                    <m:e>
+                                      <m:r>
+                                        <a:rPr lang="en-US" altLang="zh-CN" i="1">
+                                          <a:latin typeface="Cambria Math" panose="02040503050406030204" pitchFamily="18" charset="0"/>
+                                        </a:rPr>
+                                        <m:t>𝑥</m:t>
+                                      </m:r>
+                                    </m:e>
+                                    <m:sub>
+                                      <m:r>
+                                        <a:rPr lang="en-US" altLang="zh-CN" b="0" i="1" smtClean="0">
+                                          <a:latin typeface="Cambria Math" panose="02040503050406030204" pitchFamily="18" charset="0"/>
+                                        </a:rPr>
+                                        <m:t>1</m:t>
+                                      </m:r>
+                                    </m:sub>
+                                  </m:sSub>
+                                </m:e>
+                                <m:e>
+                                  <m:sSub>
+                                    <m:sSubPr>
+                                      <m:ctrlPr>
+                                        <a:rPr lang="en-US" altLang="zh-CN" i="1">
+                                          <a:latin typeface="Cambria Math" panose="02040503050406030204" pitchFamily="18" charset="0"/>
+                                        </a:rPr>
+                                      </m:ctrlPr>
+                                    </m:sSubPr>
+                                    <m:e>
+                                      <m:r>
+                                        <a:rPr lang="en-US" altLang="zh-CN" i="1">
+                                          <a:latin typeface="Cambria Math" panose="02040503050406030204" pitchFamily="18" charset="0"/>
+                                        </a:rPr>
+                                        <m:t>𝑥</m:t>
+                                      </m:r>
+                                    </m:e>
+                                    <m:sub>
+                                      <m:r>
+                                        <a:rPr lang="en-US" altLang="zh-CN" i="1">
+                                          <a:latin typeface="Cambria Math" panose="02040503050406030204" pitchFamily="18" charset="0"/>
+                                        </a:rPr>
+                                        <m:t>2</m:t>
+                                      </m:r>
+                                    </m:sub>
+                                  </m:sSub>
+                                </m:e>
+                              </m:mr>
+                            </m:m>
+                          </m:e>
+                        </m:d>
+                      </m:oMath>
+                    </m:oMathPara>
+                  </a14:m>
+                  <a:endParaRPr lang="en-US" altLang="zh-CN" b="0" dirty="0"/>
+                </a:p>
+              </p:txBody>
+            </p:sp>
+          </mc:Choice>
+          <mc:Fallback>
+            <p:sp>
+              <p:nvSpPr>
+                <p:cNvPr id="74" name="文本框 73">
+                  <a:extLst>
+                    <a:ext uri="{FF2B5EF4-FFF2-40B4-BE49-F238E27FC236}">
+                      <a16:creationId xmlns:a16="http://schemas.microsoft.com/office/drawing/2014/main" id="{E6B89686-ABC3-CDBC-6155-D5D90A91E9E1}"/>
+                    </a:ext>
+                  </a:extLst>
+                </p:cNvPr>
+                <p:cNvSpPr txBox="1">
+                  <a:spLocks noRot="1" noChangeAspect="1" noMove="1" noResize="1" noEditPoints="1" noAdjustHandles="1" noChangeArrowheads="1" noChangeShapeType="1" noTextEdit="1"/>
+                </p:cNvSpPr>
+                <p:nvPr/>
+              </p:nvSpPr>
+              <p:spPr>
+                <a:xfrm>
+                  <a:off x="5685273" y="2903280"/>
+                  <a:ext cx="1638847" cy="358431"/>
+                </a:xfrm>
+                <a:prstGeom prst="rect">
+                  <a:avLst/>
+                </a:prstGeom>
+                <a:blipFill>
+                  <a:blip r:embed="rId7"/>
+                  <a:stretch>
+                    <a:fillRect l="-2985" t="-3390"/>
+                  </a:stretch>
+                </a:blipFill>
+              </p:spPr>
+              <p:txBody>
+                <a:bodyPr/>
+                <a:lstStyle/>
+                <a:p>
+                  <a:r>
+                    <a:rPr lang="zh-CN" altLang="en-US">
+                      <a:noFill/>
+                    </a:rPr>
+                    <a:t> </a:t>
+                  </a:r>
+                </a:p>
+              </p:txBody>
+            </p:sp>
+          </mc:Fallback>
+        </mc:AlternateContent>
+        <mc:AlternateContent xmlns:mc="http://schemas.openxmlformats.org/markup-compatibility/2006">
+          <mc:Choice xmlns:a14="http://schemas.microsoft.com/office/drawing/2010/main" Requires="a14">
+            <p:sp>
+              <p:nvSpPr>
+                <p:cNvPr id="75" name="文本框 74">
+                  <a:extLst>
+                    <a:ext uri="{FF2B5EF4-FFF2-40B4-BE49-F238E27FC236}">
+                      <a16:creationId xmlns:a16="http://schemas.microsoft.com/office/drawing/2014/main" id="{3535991F-EB20-ADB4-53E3-90798DA358E8}"/>
+                    </a:ext>
+                  </a:extLst>
+                </p:cNvPr>
+                <p:cNvSpPr txBox="1"/>
+                <p:nvPr/>
+              </p:nvSpPr>
+              <p:spPr>
+                <a:xfrm>
+                  <a:off x="5710914" y="3504505"/>
+                  <a:ext cx="2886431" cy="731675"/>
+                </a:xfrm>
+                <a:prstGeom prst="rect">
+                  <a:avLst/>
+                </a:prstGeom>
+                <a:noFill/>
+              </p:spPr>
+              <p:txBody>
+                <a:bodyPr wrap="none" lIns="0" tIns="0" rIns="0" bIns="0" rtlCol="0">
+                  <a:spAutoFit/>
+                </a:bodyPr>
+                <a:lstStyle/>
+                <a:p>
+                  <a14:m>
+                    <m:oMathPara xmlns:m="http://schemas.openxmlformats.org/officeDocument/2006/math">
+                      <m:oMathParaPr>
+                        <m:jc m:val="centerGroup"/>
+                      </m:oMathParaPr>
+                      <m:oMath xmlns:m="http://schemas.openxmlformats.org/officeDocument/2006/math">
+                        <m:sSubSup>
+                          <m:sSubSupPr>
+                            <m:ctrlPr>
+                              <a:rPr lang="en-US" altLang="zh-CN" b="0" i="1" smtClean="0">
+                                <a:latin typeface="Cambria Math" panose="02040503050406030204" pitchFamily="18" charset="0"/>
+                              </a:rPr>
+                            </m:ctrlPr>
+                          </m:sSubSupPr>
+                          <m:e>
+                            <m:r>
+                              <a:rPr lang="en-US" altLang="zh-CN" b="0" i="1" smtClean="0">
+                                <a:latin typeface="Cambria Math" panose="02040503050406030204" pitchFamily="18" charset="0"/>
+                              </a:rPr>
+                              <m:t>𝑊</m:t>
+                            </m:r>
+                          </m:e>
+                          <m:sub/>
+                          <m:sup>
+                            <m:r>
+                              <a:rPr lang="en-US" altLang="zh-CN" b="0" i="1" smtClean="0">
+                                <a:latin typeface="Cambria Math" panose="02040503050406030204" pitchFamily="18" charset="0"/>
+                              </a:rPr>
+                              <m:t>(1)</m:t>
+                            </m:r>
+                          </m:sup>
+                        </m:sSubSup>
+                        <m:r>
+                          <a:rPr lang="en-US" altLang="zh-CN" b="0" i="1" smtClean="0">
+                            <a:latin typeface="Cambria Math" panose="02040503050406030204" pitchFamily="18" charset="0"/>
+                          </a:rPr>
+                          <m:t>=</m:t>
+                        </m:r>
+                        <m:d>
+                          <m:dPr>
+                            <m:ctrlPr>
+                              <a:rPr lang="en-US" altLang="zh-CN" b="0" i="1" smtClean="0">
+                                <a:latin typeface="Cambria Math" panose="02040503050406030204" pitchFamily="18" charset="0"/>
+                              </a:rPr>
+                            </m:ctrlPr>
+                          </m:dPr>
+                          <m:e>
+                            <m:m>
+                              <m:mPr>
+                                <m:mcs>
+                                  <m:mc>
+                                    <m:mcPr>
+                                      <m:count m:val="3"/>
+                                      <m:mcJc m:val="center"/>
+                                    </m:mcPr>
+                                  </m:mc>
+                                </m:mcs>
+                                <m:ctrlPr>
+                                  <a:rPr lang="en-US" altLang="zh-CN" b="0" i="1" smtClean="0">
+                                    <a:latin typeface="Cambria Math" panose="02040503050406030204" pitchFamily="18" charset="0"/>
+                                  </a:rPr>
+                                </m:ctrlPr>
+                              </m:mPr>
+                              <m:mr>
+                                <m:e>
+                                  <m:sSubSup>
+                                    <m:sSubSupPr>
+                                      <m:ctrlPr>
+                                        <a:rPr lang="en-US" altLang="zh-CN" i="1">
+                                          <a:latin typeface="Cambria Math" panose="02040503050406030204" pitchFamily="18" charset="0"/>
+                                        </a:rPr>
+                                      </m:ctrlPr>
+                                    </m:sSubSupPr>
+                                    <m:e>
+                                      <m:r>
+                                        <a:rPr lang="en-US" altLang="zh-CN" i="1">
+                                          <a:latin typeface="Cambria Math" panose="02040503050406030204" pitchFamily="18" charset="0"/>
+                                        </a:rPr>
+                                        <m:t>𝑤</m:t>
+                                      </m:r>
+                                    </m:e>
+                                    <m:sub>
+                                      <m:r>
+                                        <a:rPr lang="en-US" altLang="zh-CN" i="1">
+                                          <a:latin typeface="Cambria Math" panose="02040503050406030204" pitchFamily="18" charset="0"/>
+                                        </a:rPr>
+                                        <m:t>11</m:t>
+                                      </m:r>
+                                    </m:sub>
+                                    <m:sup>
+                                      <m:r>
+                                        <a:rPr lang="en-US" altLang="zh-CN" i="1">
+                                          <a:latin typeface="Cambria Math" panose="02040503050406030204" pitchFamily="18" charset="0"/>
+                                        </a:rPr>
+                                        <m:t>(1)</m:t>
+                                      </m:r>
+                                    </m:sup>
+                                  </m:sSubSup>
+                                </m:e>
+                                <m:e>
+                                  <m:sSubSup>
+                                    <m:sSubSupPr>
+                                      <m:ctrlPr>
+                                        <a:rPr lang="en-US" altLang="zh-CN" i="1">
+                                          <a:latin typeface="Cambria Math" panose="02040503050406030204" pitchFamily="18" charset="0"/>
+                                        </a:rPr>
+                                      </m:ctrlPr>
+                                    </m:sSubSupPr>
+                                    <m:e>
+                                      <m:r>
+                                        <a:rPr lang="en-US" altLang="zh-CN" i="1">
+                                          <a:latin typeface="Cambria Math" panose="02040503050406030204" pitchFamily="18" charset="0"/>
+                                        </a:rPr>
+                                        <m:t>𝑤</m:t>
+                                      </m:r>
+                                    </m:e>
+                                    <m:sub>
+                                      <m:r>
+                                        <a:rPr lang="en-US" altLang="zh-CN" b="0" i="1" smtClean="0">
+                                          <a:latin typeface="Cambria Math" panose="02040503050406030204" pitchFamily="18" charset="0"/>
+                                        </a:rPr>
+                                        <m:t>2</m:t>
+                                      </m:r>
+                                      <m:r>
+                                        <a:rPr lang="en-US" altLang="zh-CN" i="1">
+                                          <a:latin typeface="Cambria Math" panose="02040503050406030204" pitchFamily="18" charset="0"/>
+                                        </a:rPr>
+                                        <m:t>1</m:t>
+                                      </m:r>
+                                    </m:sub>
+                                    <m:sup>
+                                      <m:r>
+                                        <a:rPr lang="en-US" altLang="zh-CN" i="1">
+                                          <a:latin typeface="Cambria Math" panose="02040503050406030204" pitchFamily="18" charset="0"/>
+                                        </a:rPr>
+                                        <m:t>(1)</m:t>
+                                      </m:r>
+                                    </m:sup>
+                                  </m:sSubSup>
+                                </m:e>
+                                <m:e>
+                                  <m:sSubSup>
+                                    <m:sSubSupPr>
+                                      <m:ctrlPr>
+                                        <a:rPr lang="en-US" altLang="zh-CN" i="1" smtClean="0">
+                                          <a:latin typeface="Cambria Math" panose="02040503050406030204" pitchFamily="18" charset="0"/>
+                                        </a:rPr>
+                                      </m:ctrlPr>
+                                    </m:sSubSupPr>
+                                    <m:e>
+                                      <m:r>
+                                        <a:rPr lang="en-US" altLang="zh-CN" i="1">
+                                          <a:latin typeface="Cambria Math" panose="02040503050406030204" pitchFamily="18" charset="0"/>
+                                        </a:rPr>
+                                        <m:t>𝑤</m:t>
+                                      </m:r>
+                                    </m:e>
+                                    <m:sub>
+                                      <m:r>
+                                        <a:rPr lang="en-US" altLang="zh-CN" b="0" i="1" smtClean="0">
+                                          <a:latin typeface="Cambria Math" panose="02040503050406030204" pitchFamily="18" charset="0"/>
+                                        </a:rPr>
+                                        <m:t>3</m:t>
+                                      </m:r>
+                                      <m:r>
+                                        <a:rPr lang="en-US" altLang="zh-CN" i="1">
+                                          <a:latin typeface="Cambria Math" panose="02040503050406030204" pitchFamily="18" charset="0"/>
+                                        </a:rPr>
+                                        <m:t>1</m:t>
+                                      </m:r>
+                                    </m:sub>
+                                    <m:sup>
+                                      <m:r>
+                                        <a:rPr lang="en-US" altLang="zh-CN" i="1">
+                                          <a:latin typeface="Cambria Math" panose="02040503050406030204" pitchFamily="18" charset="0"/>
+                                        </a:rPr>
+                                        <m:t>(1)</m:t>
+                                      </m:r>
+                                    </m:sup>
+                                  </m:sSubSup>
+                                </m:e>
+                              </m:mr>
+                              <m:mr>
+                                <m:e>
+                                  <m:sSubSup>
+                                    <m:sSubSupPr>
+                                      <m:ctrlPr>
+                                        <a:rPr lang="en-US" altLang="zh-CN" i="1">
+                                          <a:latin typeface="Cambria Math" panose="02040503050406030204" pitchFamily="18" charset="0"/>
+                                        </a:rPr>
+                                      </m:ctrlPr>
+                                    </m:sSubSupPr>
+                                    <m:e>
+                                      <m:r>
+                                        <a:rPr lang="en-US" altLang="zh-CN" i="1">
+                                          <a:latin typeface="Cambria Math" panose="02040503050406030204" pitchFamily="18" charset="0"/>
+                                        </a:rPr>
+                                        <m:t>𝑤</m:t>
+                                      </m:r>
+                                    </m:e>
+                                    <m:sub>
+                                      <m:r>
+                                        <a:rPr lang="en-US" altLang="zh-CN" i="1">
+                                          <a:latin typeface="Cambria Math" panose="02040503050406030204" pitchFamily="18" charset="0"/>
+                                        </a:rPr>
+                                        <m:t>1</m:t>
+                                      </m:r>
+                                      <m:r>
+                                        <a:rPr lang="en-US" altLang="zh-CN" b="0" i="1" smtClean="0">
+                                          <a:latin typeface="Cambria Math" panose="02040503050406030204" pitchFamily="18" charset="0"/>
+                                        </a:rPr>
+                                        <m:t>2</m:t>
+                                      </m:r>
+                                    </m:sub>
+                                    <m:sup>
+                                      <m:r>
+                                        <a:rPr lang="en-US" altLang="zh-CN" i="1">
+                                          <a:latin typeface="Cambria Math" panose="02040503050406030204" pitchFamily="18" charset="0"/>
+                                        </a:rPr>
+                                        <m:t>(1)</m:t>
+                                      </m:r>
+                                    </m:sup>
+                                  </m:sSubSup>
+                                </m:e>
+                                <m:e>
+                                  <m:sSubSup>
+                                    <m:sSubSupPr>
+                                      <m:ctrlPr>
+                                        <a:rPr lang="en-US" altLang="zh-CN" i="1">
+                                          <a:latin typeface="Cambria Math" panose="02040503050406030204" pitchFamily="18" charset="0"/>
+                                        </a:rPr>
+                                      </m:ctrlPr>
+                                    </m:sSubSupPr>
+                                    <m:e>
+                                      <m:r>
+                                        <a:rPr lang="en-US" altLang="zh-CN" i="1">
+                                          <a:latin typeface="Cambria Math" panose="02040503050406030204" pitchFamily="18" charset="0"/>
+                                        </a:rPr>
+                                        <m:t>𝑤</m:t>
+                                      </m:r>
+                                    </m:e>
+                                    <m:sub>
+                                      <m:r>
+                                        <a:rPr lang="en-US" altLang="zh-CN" b="0" i="1" smtClean="0">
+                                          <a:latin typeface="Cambria Math" panose="02040503050406030204" pitchFamily="18" charset="0"/>
+                                        </a:rPr>
+                                        <m:t>22</m:t>
+                                      </m:r>
+                                    </m:sub>
+                                    <m:sup>
+                                      <m:r>
+                                        <a:rPr lang="en-US" altLang="zh-CN" i="1">
+                                          <a:latin typeface="Cambria Math" panose="02040503050406030204" pitchFamily="18" charset="0"/>
+                                        </a:rPr>
+                                        <m:t>(1)</m:t>
+                                      </m:r>
+                                    </m:sup>
+                                  </m:sSubSup>
+                                </m:e>
+                                <m:e>
+                                  <m:sSubSup>
+                                    <m:sSubSupPr>
+                                      <m:ctrlPr>
+                                        <a:rPr lang="en-US" altLang="zh-CN" i="1">
+                                          <a:latin typeface="Cambria Math" panose="02040503050406030204" pitchFamily="18" charset="0"/>
+                                        </a:rPr>
+                                      </m:ctrlPr>
+                                    </m:sSubSupPr>
+                                    <m:e>
+                                      <m:r>
+                                        <a:rPr lang="en-US" altLang="zh-CN" i="1">
+                                          <a:latin typeface="Cambria Math" panose="02040503050406030204" pitchFamily="18" charset="0"/>
+                                        </a:rPr>
+                                        <m:t>𝑤</m:t>
+                                      </m:r>
+                                    </m:e>
+                                    <m:sub>
+                                      <m:r>
+                                        <a:rPr lang="en-US" altLang="zh-CN" b="0" i="1" smtClean="0">
+                                          <a:latin typeface="Cambria Math" panose="02040503050406030204" pitchFamily="18" charset="0"/>
+                                        </a:rPr>
+                                        <m:t>32</m:t>
+                                      </m:r>
+                                    </m:sub>
+                                    <m:sup>
+                                      <m:r>
+                                        <a:rPr lang="en-US" altLang="zh-CN" i="1">
+                                          <a:latin typeface="Cambria Math" panose="02040503050406030204" pitchFamily="18" charset="0"/>
+                                        </a:rPr>
+                                        <m:t>(1)</m:t>
+                                      </m:r>
+                                    </m:sup>
+                                  </m:sSubSup>
+                                </m:e>
+                              </m:mr>
+                            </m:m>
+                          </m:e>
+                        </m:d>
+                      </m:oMath>
+                    </m:oMathPara>
+                  </a14:m>
+                  <a:endParaRPr lang="en-US" altLang="zh-CN" b="0" dirty="0"/>
+                </a:p>
+              </p:txBody>
+            </p:sp>
+          </mc:Choice>
+          <mc:Fallback>
+            <p:sp>
+              <p:nvSpPr>
+                <p:cNvPr id="75" name="文本框 74">
+                  <a:extLst>
+                    <a:ext uri="{FF2B5EF4-FFF2-40B4-BE49-F238E27FC236}">
+                      <a16:creationId xmlns:a16="http://schemas.microsoft.com/office/drawing/2014/main" id="{3535991F-EB20-ADB4-53E3-90798DA358E8}"/>
+                    </a:ext>
+                  </a:extLst>
+                </p:cNvPr>
+                <p:cNvSpPr txBox="1">
+                  <a:spLocks noRot="1" noChangeAspect="1" noMove="1" noResize="1" noEditPoints="1" noAdjustHandles="1" noChangeArrowheads="1" noChangeShapeType="1" noTextEdit="1"/>
+                </p:cNvSpPr>
+                <p:nvPr/>
+              </p:nvSpPr>
+              <p:spPr>
+                <a:xfrm>
+                  <a:off x="5710914" y="3504505"/>
+                  <a:ext cx="2886431" cy="731675"/>
+                </a:xfrm>
+                <a:prstGeom prst="rect">
+                  <a:avLst/>
+                </a:prstGeom>
+                <a:blipFill>
+                  <a:blip r:embed="rId8"/>
+                  <a:stretch>
+                    <a:fillRect b="-833"/>
+                  </a:stretch>
+                </a:blipFill>
+              </p:spPr>
+              <p:txBody>
+                <a:bodyPr/>
+                <a:lstStyle/>
+                <a:p>
+                  <a:r>
+                    <a:rPr lang="zh-CN" altLang="en-US">
+                      <a:noFill/>
+                    </a:rPr>
+                    <a:t> </a:t>
+                  </a:r>
+                </a:p>
+              </p:txBody>
+            </p:sp>
+          </mc:Fallback>
+        </mc:AlternateContent>
+        <p:sp>
+          <p:nvSpPr>
+            <p:cNvPr id="76" name="文本框 75">
+              <a:extLst>
+                <a:ext uri="{FF2B5EF4-FFF2-40B4-BE49-F238E27FC236}">
+                  <a16:creationId xmlns:a16="http://schemas.microsoft.com/office/drawing/2014/main" id="{183A7400-DCC6-EE5A-F3B9-34B7B364254E}"/>
+                </a:ext>
+              </a:extLst>
+            </p:cNvPr>
+            <p:cNvSpPr txBox="1"/>
+            <p:nvPr/>
+          </p:nvSpPr>
+          <p:spPr>
+            <a:xfrm>
+              <a:off x="4837353" y="2329755"/>
+              <a:ext cx="595035" cy="338554"/>
+            </a:xfrm>
+            <a:prstGeom prst="rect">
+              <a:avLst/>
+            </a:prstGeom>
+            <a:noFill/>
+          </p:spPr>
+          <p:txBody>
+            <a:bodyPr wrap="none" rtlCol="0">
+              <a:spAutoFit/>
+            </a:bodyPr>
+            <a:lstStyle/>
+            <a:p>
+              <a:r>
+                <a:rPr lang="zh-CN" altLang="en-US" sz="1600" dirty="0"/>
+                <a:t>其中</a:t>
+              </a:r>
+            </a:p>
+          </p:txBody>
+        </p:sp>
+        <p:sp>
+          <p:nvSpPr>
+            <p:cNvPr id="77" name="左大括号 76">
+              <a:extLst>
+                <a:ext uri="{FF2B5EF4-FFF2-40B4-BE49-F238E27FC236}">
+                  <a16:creationId xmlns:a16="http://schemas.microsoft.com/office/drawing/2014/main" id="{777E7EB1-A06C-E410-DDED-8E281028ADC8}"/>
+                </a:ext>
+              </a:extLst>
+            </p:cNvPr>
+            <p:cNvSpPr/>
+            <p:nvPr/>
+          </p:nvSpPr>
+          <p:spPr>
+            <a:xfrm>
+              <a:off x="5387755" y="2431496"/>
+              <a:ext cx="176127" cy="1591306"/>
+            </a:xfrm>
+            <a:prstGeom prst="leftBrace">
+              <a:avLst/>
+            </a:prstGeom>
+            <a:ln>
+              <a:solidFill>
+                <a:schemeClr val="tx1"/>
+              </a:solidFill>
+            </a:ln>
+          </p:spPr>
+          <p:style>
+            <a:lnRef idx="1">
+              <a:schemeClr val="accent1"/>
+            </a:lnRef>
+            <a:fillRef idx="0">
+              <a:schemeClr val="accent1"/>
+            </a:fillRef>
+            <a:effectRef idx="0">
+              <a:schemeClr val="accent1"/>
+            </a:effectRef>
+            <a:fontRef idx="minor">
+              <a:schemeClr val="tx1"/>
+            </a:fontRef>
+          </p:style>
+          <p:txBody>
+            <a:bodyPr rtlCol="0" anchor="ctr"/>
+            <a:lstStyle/>
+            <a:p>
+              <a:pPr algn="ctr"/>
+              <a:endParaRPr lang="zh-CN" altLang="en-US"/>
+            </a:p>
+          </p:txBody>
+        </p:sp>
+      </p:grpSp>
+      <p:grpSp>
+        <p:nvGrpSpPr>
+          <p:cNvPr id="86" name="组合 85">
+            <a:extLst>
+              <a:ext uri="{FF2B5EF4-FFF2-40B4-BE49-F238E27FC236}">
+                <a16:creationId xmlns:a16="http://schemas.microsoft.com/office/drawing/2014/main" id="{21E997AD-FC09-221A-C99F-06BD6A705483}"/>
+              </a:ext>
+            </a:extLst>
+          </p:cNvPr>
+          <p:cNvGrpSpPr/>
+          <p:nvPr/>
+        </p:nvGrpSpPr>
+        <p:grpSpPr>
+          <a:xfrm>
+            <a:off x="6008759" y="5203903"/>
+            <a:ext cx="1924822" cy="1052306"/>
+            <a:chOff x="6008759" y="5203903"/>
+            <a:chExt cx="1924822" cy="1052306"/>
+          </a:xfrm>
+        </p:grpSpPr>
+        <mc:AlternateContent xmlns:mc="http://schemas.openxmlformats.org/markup-compatibility/2006">
+          <mc:Choice xmlns:a14="http://schemas.microsoft.com/office/drawing/2010/main" Requires="a14">
+            <p:sp>
+              <p:nvSpPr>
+                <p:cNvPr id="81" name="文本框 80">
+                  <a:extLst>
+                    <a:ext uri="{FF2B5EF4-FFF2-40B4-BE49-F238E27FC236}">
+                      <a16:creationId xmlns:a16="http://schemas.microsoft.com/office/drawing/2014/main" id="{FF6ACE7B-B889-1928-BBBA-CDC2A331BF7B}"/>
+                    </a:ext>
+                  </a:extLst>
+                </p:cNvPr>
+                <p:cNvSpPr txBox="1"/>
+                <p:nvPr/>
+              </p:nvSpPr>
+              <p:spPr>
+                <a:xfrm>
+                  <a:off x="6235706" y="5203903"/>
+                  <a:ext cx="1284391" cy="345929"/>
+                </a:xfrm>
+                <a:prstGeom prst="rect">
+                  <a:avLst/>
+                </a:prstGeom>
+                <a:noFill/>
+              </p:spPr>
+              <p:txBody>
+                <a:bodyPr wrap="none" lIns="0" tIns="0" rIns="0" bIns="0" rtlCol="0">
+                  <a:spAutoFit/>
+                </a:bodyPr>
+                <a:lstStyle>
+                  <a:defPPr>
+                    <a:defRPr lang="zh-CN"/>
+                  </a:defPPr>
+                  <a:lvl1pPr>
+                    <a:defRPr sz="2400" b="1" i="1">
+                      <a:latin typeface="Cambria Math" panose="02040503050406030204" pitchFamily="18" charset="0"/>
+                    </a:defRPr>
+                  </a:lvl1pPr>
+                </a:lstStyle>
+                <a:p>
+                  <a:pPr/>
+                  <a14:m>
+                    <m:oMathPara xmlns:m="http://schemas.openxmlformats.org/officeDocument/2006/math">
+                      <m:oMathParaPr>
+                        <m:jc m:val="centerGroup"/>
+                      </m:oMathParaPr>
+                      <m:oMath xmlns:m="http://schemas.openxmlformats.org/officeDocument/2006/math">
+                        <m:sSub>
+                          <m:sSubPr>
+                            <m:ctrlPr>
+                              <a:rPr lang="en-US" altLang="zh-CN" sz="1800" b="0"/>
+                            </m:ctrlPr>
+                          </m:sSubPr>
+                          <m:e>
+                            <m:r>
+                              <a:rPr lang="en-US" altLang="zh-CN" sz="1800" b="0" i="1"/>
+                              <m:t>𝑦</m:t>
+                            </m:r>
+                          </m:e>
+                          <m:sub>
+                            <m:r>
+                              <a:rPr lang="en-US" altLang="zh-CN" sz="1800" b="0" i="1"/>
+                              <m:t>1</m:t>
+                            </m:r>
+                          </m:sub>
+                        </m:sSub>
+                        <m:r>
+                          <a:rPr lang="en-US" altLang="zh-CN" sz="1800" b="0"/>
+                          <m:t>=</m:t>
+                        </m:r>
+                        <m:r>
+                          <a:rPr lang="en-US" altLang="zh-CN" sz="1800" b="0" i="1"/>
+                          <m:t>h</m:t>
+                        </m:r>
+                        <m:r>
+                          <a:rPr lang="en-US" altLang="zh-CN" sz="1800" b="0"/>
+                          <m:t>(</m:t>
+                        </m:r>
+                        <m:sSubSup>
+                          <m:sSubSupPr>
+                            <m:ctrlPr>
+                              <a:rPr lang="en-US" altLang="zh-CN" sz="1800" b="0" smtClean="0"/>
+                            </m:ctrlPr>
+                          </m:sSubSupPr>
+                          <m:e>
+                            <m:r>
+                              <a:rPr lang="en-US" altLang="zh-CN" sz="1800" b="0" i="1"/>
+                              <m:t>𝑎</m:t>
+                            </m:r>
+                          </m:e>
+                          <m:sub>
+                            <m:r>
+                              <a:rPr lang="en-US" altLang="zh-CN" sz="1800" b="0" i="1"/>
+                              <m:t>1</m:t>
+                            </m:r>
+                          </m:sub>
+                          <m:sup>
+                            <m:r>
+                              <a:rPr lang="en-US" altLang="zh-CN" sz="1800" b="0"/>
+                              <m:t>(</m:t>
+                            </m:r>
+                            <m:r>
+                              <a:rPr lang="en-US" altLang="zh-CN" sz="1800" b="0" i="1"/>
+                              <m:t>1</m:t>
+                            </m:r>
+                            <m:r>
+                              <a:rPr lang="en-US" altLang="zh-CN" sz="1800" b="0"/>
+                              <m:t>)</m:t>
+                            </m:r>
+                          </m:sup>
+                        </m:sSubSup>
+                        <m:r>
+                          <a:rPr lang="en-US" altLang="zh-CN" sz="1800" b="0"/>
+                          <m:t>)</m:t>
+                        </m:r>
+                      </m:oMath>
+                    </m:oMathPara>
+                  </a14:m>
+                  <a:endParaRPr lang="zh-CN" altLang="en-US" b="0" dirty="0"/>
+                </a:p>
+              </p:txBody>
+            </p:sp>
+          </mc:Choice>
+          <mc:Fallback>
+            <p:sp>
+              <p:nvSpPr>
+                <p:cNvPr id="81" name="文本框 80">
+                  <a:extLst>
+                    <a:ext uri="{FF2B5EF4-FFF2-40B4-BE49-F238E27FC236}">
+                      <a16:creationId xmlns:a16="http://schemas.microsoft.com/office/drawing/2014/main" id="{FF6ACE7B-B889-1928-BBBA-CDC2A331BF7B}"/>
+                    </a:ext>
+                  </a:extLst>
+                </p:cNvPr>
+                <p:cNvSpPr txBox="1">
+                  <a:spLocks noRot="1" noChangeAspect="1" noMove="1" noResize="1" noEditPoints="1" noAdjustHandles="1" noChangeArrowheads="1" noChangeShapeType="1" noTextEdit="1"/>
+                </p:cNvSpPr>
+                <p:nvPr/>
+              </p:nvSpPr>
+              <p:spPr>
+                <a:xfrm>
+                  <a:off x="6235706" y="5203903"/>
+                  <a:ext cx="1284391" cy="345929"/>
+                </a:xfrm>
+                <a:prstGeom prst="rect">
+                  <a:avLst/>
+                </a:prstGeom>
+                <a:blipFill>
+                  <a:blip r:embed="rId9"/>
+                  <a:stretch>
+                    <a:fillRect l="-4265" t="-3571" r="-6635" b="-26786"/>
+                  </a:stretch>
+                </a:blipFill>
+              </p:spPr>
+              <p:txBody>
+                <a:bodyPr/>
+                <a:lstStyle/>
+                <a:p>
+                  <a:r>
+                    <a:rPr lang="zh-CN" altLang="en-US">
+                      <a:noFill/>
+                    </a:rPr>
+                    <a:t> </a:t>
+                  </a:r>
+                </a:p>
+              </p:txBody>
+            </p:sp>
+          </mc:Fallback>
+        </mc:AlternateContent>
+        <mc:AlternateContent xmlns:mc="http://schemas.openxmlformats.org/markup-compatibility/2006">
+          <mc:Choice xmlns:a14="http://schemas.microsoft.com/office/drawing/2010/main" Requires="a14">
+            <p:sp>
+              <p:nvSpPr>
+                <p:cNvPr id="82" name="文本框 81">
+                  <a:extLst>
+                    <a:ext uri="{FF2B5EF4-FFF2-40B4-BE49-F238E27FC236}">
+                      <a16:creationId xmlns:a16="http://schemas.microsoft.com/office/drawing/2014/main" id="{5D147483-31E9-06DC-7270-316E694C9923}"/>
+                    </a:ext>
+                  </a:extLst>
+                </p:cNvPr>
+                <p:cNvSpPr txBox="1"/>
+                <p:nvPr/>
+              </p:nvSpPr>
+              <p:spPr>
+                <a:xfrm>
+                  <a:off x="6008759" y="5698556"/>
+                  <a:ext cx="1924822" cy="557653"/>
+                </a:xfrm>
+                <a:prstGeom prst="rect">
+                  <a:avLst/>
+                </a:prstGeom>
+                <a:noFill/>
+              </p:spPr>
+              <p:txBody>
+                <a:bodyPr wrap="none" lIns="0" tIns="0" rIns="0" bIns="0" rtlCol="0">
+                  <a:spAutoFit/>
+                </a:bodyPr>
+                <a:lstStyle>
+                  <a:defPPr>
+                    <a:defRPr lang="zh-CN"/>
+                  </a:defPPr>
+                  <a:lvl1pPr>
+                    <a:defRPr sz="2400" b="1" i="1">
+                      <a:latin typeface="Cambria Math" panose="02040503050406030204" pitchFamily="18" charset="0"/>
+                    </a:defRPr>
+                  </a:lvl1pPr>
+                </a:lstStyle>
+                <a:p>
+                  <a:pPr/>
+                  <a14:m>
+                    <m:oMathPara xmlns:m="http://schemas.openxmlformats.org/officeDocument/2006/math">
+                      <m:oMathParaPr>
+                        <m:jc m:val="centerGroup"/>
+                      </m:oMathParaPr>
+                      <m:oMath xmlns:m="http://schemas.openxmlformats.org/officeDocument/2006/math">
+                        <m:r>
+                          <a:rPr lang="en-US" altLang="zh-CN" sz="2800" b="1" i="1" smtClean="0"/>
+                          <m:t>𝒀</m:t>
+                        </m:r>
+                        <m:r>
+                          <a:rPr lang="en-US" altLang="zh-CN" sz="2800" b="1"/>
+                          <m:t>=</m:t>
+                        </m:r>
+                        <m:r>
+                          <a:rPr lang="en-US" altLang="zh-CN" sz="2800" b="1" i="1"/>
+                          <m:t>𝒉</m:t>
+                        </m:r>
+                        <m:r>
+                          <a:rPr lang="en-US" altLang="zh-CN" sz="2800" b="1"/>
+                          <m:t>(</m:t>
+                        </m:r>
+                        <m:sSubSup>
+                          <m:sSubSupPr>
+                            <m:ctrlPr>
+                              <a:rPr lang="en-US" altLang="zh-CN" sz="2800" smtClean="0"/>
+                            </m:ctrlPr>
+                          </m:sSubSupPr>
+                          <m:e>
+                            <m:r>
+                              <a:rPr lang="en-US" altLang="zh-CN" sz="2800" b="1" i="1" smtClean="0"/>
+                              <m:t>𝑨</m:t>
+                            </m:r>
+                          </m:e>
+                          <m:sub/>
+                          <m:sup>
+                            <m:r>
+                              <a:rPr lang="en-US" altLang="zh-CN" sz="2800" b="1"/>
+                              <m:t>(</m:t>
+                            </m:r>
+                            <m:r>
+                              <a:rPr lang="en-US" altLang="zh-CN" sz="2800" b="1" i="1"/>
+                              <m:t>𝟏</m:t>
+                            </m:r>
+                            <m:r>
+                              <a:rPr lang="en-US" altLang="zh-CN" sz="2800" b="1"/>
+                              <m:t>)</m:t>
+                            </m:r>
+                          </m:sup>
+                        </m:sSubSup>
+                        <m:r>
+                          <a:rPr lang="en-US" altLang="zh-CN" sz="2800" b="1"/>
+                          <m:t>)</m:t>
+                        </m:r>
+                      </m:oMath>
+                    </m:oMathPara>
+                  </a14:m>
+                  <a:endParaRPr lang="zh-CN" altLang="en-US" sz="2800" dirty="0"/>
+                </a:p>
+              </p:txBody>
+            </p:sp>
+          </mc:Choice>
+          <mc:Fallback>
+            <p:sp>
+              <p:nvSpPr>
+                <p:cNvPr id="82" name="文本框 81">
+                  <a:extLst>
+                    <a:ext uri="{FF2B5EF4-FFF2-40B4-BE49-F238E27FC236}">
+                      <a16:creationId xmlns:a16="http://schemas.microsoft.com/office/drawing/2014/main" id="{5D147483-31E9-06DC-7270-316E694C9923}"/>
+                    </a:ext>
+                  </a:extLst>
+                </p:cNvPr>
+                <p:cNvSpPr txBox="1">
+                  <a:spLocks noRot="1" noChangeAspect="1" noMove="1" noResize="1" noEditPoints="1" noAdjustHandles="1" noChangeArrowheads="1" noChangeShapeType="1" noTextEdit="1"/>
+                </p:cNvSpPr>
+                <p:nvPr/>
+              </p:nvSpPr>
+              <p:spPr>
+                <a:xfrm>
+                  <a:off x="6008759" y="5698556"/>
+                  <a:ext cx="1924822" cy="557653"/>
+                </a:xfrm>
+                <a:prstGeom prst="rect">
+                  <a:avLst/>
+                </a:prstGeom>
+                <a:blipFill>
+                  <a:blip r:embed="rId10"/>
+                  <a:stretch>
+                    <a:fillRect/>
+                  </a:stretch>
+                </a:blipFill>
+              </p:spPr>
+              <p:txBody>
+                <a:bodyPr/>
+                <a:lstStyle/>
+                <a:p>
+                  <a:r>
+                    <a:rPr lang="zh-CN" altLang="en-US">
+                      <a:noFill/>
+                    </a:rPr>
+                    <a:t> </a:t>
+                  </a:r>
+                </a:p>
+              </p:txBody>
+            </p:sp>
+          </mc:Fallback>
+        </mc:AlternateContent>
+      </p:grpSp>
+    </p:spTree>
+    <p:extLst>
+      <p:ext uri="{BB962C8B-B14F-4D97-AF65-F5344CB8AC3E}">
+        <p14:creationId xmlns:p14="http://schemas.microsoft.com/office/powerpoint/2010/main" val="1489528186"/>
       </p:ext>
     </p:extLst>
   </p:cSld>
